--- a/Resources/PPT/Bitcoin Price Predictor.pptx
+++ b/Resources/PPT/Bitcoin Price Predictor.pptx
@@ -4264,18 +4264,43 @@
       </p:sp>
       <p:sp>
         <p:nvSpPr>
-          <p:cNvPr id="3" name="Content Placeholder 2">
-            <a:extLst>
-              <a:ext uri="{FF2B5EF4-FFF2-40B4-BE49-F238E27FC236}">
-                <a16:creationId xmlns:a16="http://schemas.microsoft.com/office/drawing/2014/main" id="{FDDE80C1-85F4-737A-0A20-93806489BF3D}"/>
-              </a:ext>
-            </a:extLst>
-          </p:cNvPr>
-          <p:cNvSpPr>
-            <a:spLocks noGrp="1"/>
-          </p:cNvSpPr>
-          <p:nvPr>
-            <p:ph idx="1"/>
+          <p:cNvPr id="4" name="Content Placeholder 3">
+            <a:extLst>
+              <a:ext uri="{FF2B5EF4-FFF2-40B4-BE49-F238E27FC236}">
+                <a16:creationId xmlns:a16="http://schemas.microsoft.com/office/drawing/2014/main" id="{36B1D14D-443C-B0D7-7172-AB7FAB6DB2C0}"/>
+              </a:ext>
+            </a:extLst>
+          </p:cNvPr>
+          <p:cNvSpPr>
+            <a:spLocks noGrp="1"/>
+          </p:cNvSpPr>
+          <p:nvPr>
+            <p:ph sz="half" idx="1"/>
+          </p:nvPr>
+        </p:nvSpPr>
+        <p:spPr/>
+        <p:txBody>
+          <a:bodyPr/>
+          <a:lstStyle/>
+          <a:p>
+            <a:endParaRPr lang="en-GB" dirty="0"/>
+          </a:p>
+        </p:txBody>
+      </p:sp>
+      <p:sp>
+        <p:nvSpPr>
+          <p:cNvPr id="5" name="Content Placeholder 4">
+            <a:extLst>
+              <a:ext uri="{FF2B5EF4-FFF2-40B4-BE49-F238E27FC236}">
+                <a16:creationId xmlns:a16="http://schemas.microsoft.com/office/drawing/2014/main" id="{6BF94833-BAAB-4002-B09D-FF73E8B2F457}"/>
+              </a:ext>
+            </a:extLst>
+          </p:cNvPr>
+          <p:cNvSpPr>
+            <a:spLocks noGrp="1"/>
+          </p:cNvSpPr>
+          <p:nvPr>
+            <p:ph sz="half" idx="2"/>
           </p:nvPr>
         </p:nvSpPr>
         <p:spPr/>

--- a/Resources/PPT/Bitcoin Price Predictor.pptx
+++ b/Resources/PPT/Bitcoin Price Predictor.pptx
@@ -8,10 +8,11 @@
     <p:sldId id="256" r:id="rId2"/>
     <p:sldId id="257" r:id="rId3"/>
     <p:sldId id="258" r:id="rId4"/>
-    <p:sldId id="259" r:id="rId5"/>
-    <p:sldId id="260" r:id="rId6"/>
-    <p:sldId id="261" r:id="rId7"/>
-    <p:sldId id="262" r:id="rId8"/>
+    <p:sldId id="263" r:id="rId5"/>
+    <p:sldId id="259" r:id="rId6"/>
+    <p:sldId id="260" r:id="rId7"/>
+    <p:sldId id="261" r:id="rId8"/>
+    <p:sldId id="262" r:id="rId9"/>
   </p:sldIdLst>
   <p:sldSz cx="12192000" cy="6858000"/>
   <p:notesSz cx="6858000" cy="9144000"/>
@@ -110,7 +111,2993 @@
       </a:defRPr>
     </a:lvl9pPr>
   </p:defaultTextStyle>
+  <p:extLst>
+    <p:ext uri="{EFAFB233-063F-42B5-8137-9DF3F51BA10A}">
+      <p15:sldGuideLst xmlns:p15="http://schemas.microsoft.com/office/powerpoint/2012/main"/>
+    </p:ext>
+  </p:extLst>
 </p:presentation>
+</file>
+
+<file path=ppt/diagrams/colors1.xml><?xml version="1.0" encoding="utf-8"?>
+<dgm:colorsDef xmlns:dgm="http://schemas.openxmlformats.org/drawingml/2006/diagram" xmlns:a="http://schemas.openxmlformats.org/drawingml/2006/main" uniqueId="urn:microsoft.com/office/officeart/2005/8/colors/accent1_2">
+  <dgm:title val=""/>
+  <dgm:desc val=""/>
+  <dgm:catLst>
+    <dgm:cat type="accent1" pri="11200"/>
+  </dgm:catLst>
+  <dgm:styleLbl name="node0">
+    <dgm:fillClrLst meth="repeat">
+      <a:schemeClr val="accent1"/>
+    </dgm:fillClrLst>
+    <dgm:linClrLst meth="repeat">
+      <a:schemeClr val="lt1"/>
+    </dgm:linClrLst>
+    <dgm:effectClrLst/>
+    <dgm:txLinClrLst/>
+    <dgm:txFillClrLst/>
+    <dgm:txEffectClrLst/>
+  </dgm:styleLbl>
+  <dgm:styleLbl name="alignNode1">
+    <dgm:fillClrLst meth="repeat">
+      <a:schemeClr val="accent1"/>
+    </dgm:fillClrLst>
+    <dgm:linClrLst meth="repeat">
+      <a:schemeClr val="accent1"/>
+    </dgm:linClrLst>
+    <dgm:effectClrLst/>
+    <dgm:txLinClrLst/>
+    <dgm:txFillClrLst/>
+    <dgm:txEffectClrLst/>
+  </dgm:styleLbl>
+  <dgm:styleLbl name="node1">
+    <dgm:fillClrLst meth="repeat">
+      <a:schemeClr val="accent1"/>
+    </dgm:fillClrLst>
+    <dgm:linClrLst meth="repeat">
+      <a:schemeClr val="lt1"/>
+    </dgm:linClrLst>
+    <dgm:effectClrLst/>
+    <dgm:txLinClrLst/>
+    <dgm:txFillClrLst/>
+    <dgm:txEffectClrLst/>
+  </dgm:styleLbl>
+  <dgm:styleLbl name="lnNode1">
+    <dgm:fillClrLst meth="repeat">
+      <a:schemeClr val="accent1"/>
+    </dgm:fillClrLst>
+    <dgm:linClrLst meth="repeat">
+      <a:schemeClr val="lt1"/>
+    </dgm:linClrLst>
+    <dgm:effectClrLst/>
+    <dgm:txLinClrLst/>
+    <dgm:txFillClrLst/>
+    <dgm:txEffectClrLst/>
+  </dgm:styleLbl>
+  <dgm:styleLbl name="vennNode1">
+    <dgm:fillClrLst meth="repeat">
+      <a:schemeClr val="accent1">
+        <a:alpha val="50000"/>
+      </a:schemeClr>
+    </dgm:fillClrLst>
+    <dgm:linClrLst meth="repeat">
+      <a:schemeClr val="lt1"/>
+    </dgm:linClrLst>
+    <dgm:effectClrLst/>
+    <dgm:txLinClrLst/>
+    <dgm:txFillClrLst/>
+    <dgm:txEffectClrLst/>
+  </dgm:styleLbl>
+  <dgm:styleLbl name="node2">
+    <dgm:fillClrLst meth="repeat">
+      <a:schemeClr val="accent1"/>
+    </dgm:fillClrLst>
+    <dgm:linClrLst meth="repeat">
+      <a:schemeClr val="lt1"/>
+    </dgm:linClrLst>
+    <dgm:effectClrLst/>
+    <dgm:txLinClrLst/>
+    <dgm:txFillClrLst/>
+    <dgm:txEffectClrLst/>
+  </dgm:styleLbl>
+  <dgm:styleLbl name="node3">
+    <dgm:fillClrLst meth="repeat">
+      <a:schemeClr val="accent1"/>
+    </dgm:fillClrLst>
+    <dgm:linClrLst meth="repeat">
+      <a:schemeClr val="lt1"/>
+    </dgm:linClrLst>
+    <dgm:effectClrLst/>
+    <dgm:txLinClrLst/>
+    <dgm:txFillClrLst/>
+    <dgm:txEffectClrLst/>
+  </dgm:styleLbl>
+  <dgm:styleLbl name="node4">
+    <dgm:fillClrLst meth="repeat">
+      <a:schemeClr val="accent1"/>
+    </dgm:fillClrLst>
+    <dgm:linClrLst meth="repeat">
+      <a:schemeClr val="lt1"/>
+    </dgm:linClrLst>
+    <dgm:effectClrLst/>
+    <dgm:txLinClrLst/>
+    <dgm:txFillClrLst/>
+    <dgm:txEffectClrLst/>
+  </dgm:styleLbl>
+  <dgm:styleLbl name="fgImgPlace1">
+    <dgm:fillClrLst meth="repeat">
+      <a:schemeClr val="accent1">
+        <a:tint val="50000"/>
+      </a:schemeClr>
+    </dgm:fillClrLst>
+    <dgm:linClrLst meth="repeat">
+      <a:schemeClr val="lt1"/>
+    </dgm:linClrLst>
+    <dgm:effectClrLst/>
+    <dgm:txLinClrLst/>
+    <dgm:txFillClrLst meth="repeat">
+      <a:schemeClr val="lt1"/>
+    </dgm:txFillClrLst>
+    <dgm:txEffectClrLst/>
+  </dgm:styleLbl>
+  <dgm:styleLbl name="alignImgPlace1">
+    <dgm:fillClrLst meth="repeat">
+      <a:schemeClr val="accent1">
+        <a:tint val="50000"/>
+      </a:schemeClr>
+    </dgm:fillClrLst>
+    <dgm:linClrLst meth="repeat">
+      <a:schemeClr val="lt1"/>
+    </dgm:linClrLst>
+    <dgm:effectClrLst/>
+    <dgm:txLinClrLst/>
+    <dgm:txFillClrLst meth="repeat">
+      <a:schemeClr val="lt1"/>
+    </dgm:txFillClrLst>
+    <dgm:txEffectClrLst/>
+  </dgm:styleLbl>
+  <dgm:styleLbl name="bgImgPlace1">
+    <dgm:fillClrLst meth="repeat">
+      <a:schemeClr val="accent1">
+        <a:tint val="50000"/>
+      </a:schemeClr>
+    </dgm:fillClrLst>
+    <dgm:linClrLst meth="repeat">
+      <a:schemeClr val="lt1"/>
+    </dgm:linClrLst>
+    <dgm:effectClrLst/>
+    <dgm:txLinClrLst/>
+    <dgm:txFillClrLst meth="repeat">
+      <a:schemeClr val="lt1"/>
+    </dgm:txFillClrLst>
+    <dgm:txEffectClrLst/>
+  </dgm:styleLbl>
+  <dgm:styleLbl name="sibTrans2D1">
+    <dgm:fillClrLst meth="repeat">
+      <a:schemeClr val="accent1">
+        <a:tint val="60000"/>
+      </a:schemeClr>
+    </dgm:fillClrLst>
+    <dgm:linClrLst meth="repeat">
+      <a:schemeClr val="accent1">
+        <a:tint val="60000"/>
+      </a:schemeClr>
+    </dgm:linClrLst>
+    <dgm:effectClrLst/>
+    <dgm:txLinClrLst/>
+    <dgm:txFillClrLst/>
+    <dgm:txEffectClrLst/>
+  </dgm:styleLbl>
+  <dgm:styleLbl name="fgSibTrans2D1">
+    <dgm:fillClrLst meth="repeat">
+      <a:schemeClr val="accent1">
+        <a:tint val="60000"/>
+      </a:schemeClr>
+    </dgm:fillClrLst>
+    <dgm:linClrLst meth="repeat">
+      <a:schemeClr val="accent1">
+        <a:tint val="60000"/>
+      </a:schemeClr>
+    </dgm:linClrLst>
+    <dgm:effectClrLst/>
+    <dgm:txLinClrLst/>
+    <dgm:txFillClrLst/>
+    <dgm:txEffectClrLst/>
+  </dgm:styleLbl>
+  <dgm:styleLbl name="bgSibTrans2D1">
+    <dgm:fillClrLst meth="repeat">
+      <a:schemeClr val="accent1">
+        <a:tint val="60000"/>
+      </a:schemeClr>
+    </dgm:fillClrLst>
+    <dgm:linClrLst meth="repeat">
+      <a:schemeClr val="accent1">
+        <a:tint val="60000"/>
+      </a:schemeClr>
+    </dgm:linClrLst>
+    <dgm:effectClrLst/>
+    <dgm:txLinClrLst/>
+    <dgm:txFillClrLst/>
+    <dgm:txEffectClrLst/>
+  </dgm:styleLbl>
+  <dgm:styleLbl name="sibTrans1D1">
+    <dgm:fillClrLst meth="repeat">
+      <a:schemeClr val="accent1"/>
+    </dgm:fillClrLst>
+    <dgm:linClrLst meth="repeat">
+      <a:schemeClr val="accent1"/>
+    </dgm:linClrLst>
+    <dgm:effectClrLst/>
+    <dgm:txLinClrLst/>
+    <dgm:txFillClrLst meth="repeat">
+      <a:schemeClr val="tx1"/>
+    </dgm:txFillClrLst>
+    <dgm:txEffectClrLst/>
+  </dgm:styleLbl>
+  <dgm:styleLbl name="callout">
+    <dgm:fillClrLst meth="repeat">
+      <a:schemeClr val="accent1"/>
+    </dgm:fillClrLst>
+    <dgm:linClrLst meth="repeat">
+      <a:schemeClr val="accent1">
+        <a:tint val="50000"/>
+      </a:schemeClr>
+    </dgm:linClrLst>
+    <dgm:effectClrLst/>
+    <dgm:txLinClrLst/>
+    <dgm:txFillClrLst meth="repeat">
+      <a:schemeClr val="tx1"/>
+    </dgm:txFillClrLst>
+    <dgm:txEffectClrLst/>
+  </dgm:styleLbl>
+  <dgm:styleLbl name="asst0">
+    <dgm:fillClrLst meth="repeat">
+      <a:schemeClr val="accent1"/>
+    </dgm:fillClrLst>
+    <dgm:linClrLst meth="repeat">
+      <a:schemeClr val="lt1"/>
+    </dgm:linClrLst>
+    <dgm:effectClrLst/>
+    <dgm:txLinClrLst/>
+    <dgm:txFillClrLst/>
+    <dgm:txEffectClrLst/>
+  </dgm:styleLbl>
+  <dgm:styleLbl name="asst1">
+    <dgm:fillClrLst meth="repeat">
+      <a:schemeClr val="accent1"/>
+    </dgm:fillClrLst>
+    <dgm:linClrLst meth="repeat">
+      <a:schemeClr val="lt1"/>
+    </dgm:linClrLst>
+    <dgm:effectClrLst/>
+    <dgm:txLinClrLst/>
+    <dgm:txFillClrLst/>
+    <dgm:txEffectClrLst/>
+  </dgm:styleLbl>
+  <dgm:styleLbl name="asst2">
+    <dgm:fillClrLst meth="repeat">
+      <a:schemeClr val="accent1"/>
+    </dgm:fillClrLst>
+    <dgm:linClrLst meth="repeat">
+      <a:schemeClr val="lt1"/>
+    </dgm:linClrLst>
+    <dgm:effectClrLst/>
+    <dgm:txLinClrLst/>
+    <dgm:txFillClrLst/>
+    <dgm:txEffectClrLst/>
+  </dgm:styleLbl>
+  <dgm:styleLbl name="asst3">
+    <dgm:fillClrLst meth="repeat">
+      <a:schemeClr val="accent1"/>
+    </dgm:fillClrLst>
+    <dgm:linClrLst meth="repeat">
+      <a:schemeClr val="lt1"/>
+    </dgm:linClrLst>
+    <dgm:effectClrLst/>
+    <dgm:txLinClrLst/>
+    <dgm:txFillClrLst/>
+    <dgm:txEffectClrLst/>
+  </dgm:styleLbl>
+  <dgm:styleLbl name="asst4">
+    <dgm:fillClrLst meth="repeat">
+      <a:schemeClr val="accent1"/>
+    </dgm:fillClrLst>
+    <dgm:linClrLst meth="repeat">
+      <a:schemeClr val="lt1"/>
+    </dgm:linClrLst>
+    <dgm:effectClrLst/>
+    <dgm:txLinClrLst/>
+    <dgm:txFillClrLst/>
+    <dgm:txEffectClrLst/>
+  </dgm:styleLbl>
+  <dgm:styleLbl name="parChTrans2D1">
+    <dgm:fillClrLst meth="repeat">
+      <a:schemeClr val="accent1">
+        <a:tint val="60000"/>
+      </a:schemeClr>
+    </dgm:fillClrLst>
+    <dgm:linClrLst meth="repeat">
+      <a:schemeClr val="accent1">
+        <a:tint val="60000"/>
+      </a:schemeClr>
+    </dgm:linClrLst>
+    <dgm:effectClrLst/>
+    <dgm:txLinClrLst/>
+    <dgm:txFillClrLst meth="repeat">
+      <a:schemeClr val="lt1"/>
+    </dgm:txFillClrLst>
+    <dgm:txEffectClrLst/>
+  </dgm:styleLbl>
+  <dgm:styleLbl name="parChTrans2D2">
+    <dgm:fillClrLst meth="repeat">
+      <a:schemeClr val="accent1"/>
+    </dgm:fillClrLst>
+    <dgm:linClrLst meth="repeat">
+      <a:schemeClr val="accent1"/>
+    </dgm:linClrLst>
+    <dgm:effectClrLst/>
+    <dgm:txLinClrLst/>
+    <dgm:txFillClrLst meth="repeat">
+      <a:schemeClr val="lt1"/>
+    </dgm:txFillClrLst>
+    <dgm:txEffectClrLst/>
+  </dgm:styleLbl>
+  <dgm:styleLbl name="parChTrans2D3">
+    <dgm:fillClrLst meth="repeat">
+      <a:schemeClr val="accent1"/>
+    </dgm:fillClrLst>
+    <dgm:linClrLst meth="repeat">
+      <a:schemeClr val="accent1"/>
+    </dgm:linClrLst>
+    <dgm:effectClrLst/>
+    <dgm:txLinClrLst/>
+    <dgm:txFillClrLst meth="repeat">
+      <a:schemeClr val="lt1"/>
+    </dgm:txFillClrLst>
+    <dgm:txEffectClrLst/>
+  </dgm:styleLbl>
+  <dgm:styleLbl name="parChTrans2D4">
+    <dgm:fillClrLst meth="repeat">
+      <a:schemeClr val="accent1"/>
+    </dgm:fillClrLst>
+    <dgm:linClrLst meth="repeat">
+      <a:schemeClr val="accent1"/>
+    </dgm:linClrLst>
+    <dgm:effectClrLst/>
+    <dgm:txLinClrLst/>
+    <dgm:txFillClrLst meth="repeat">
+      <a:schemeClr val="lt1"/>
+    </dgm:txFillClrLst>
+    <dgm:txEffectClrLst/>
+  </dgm:styleLbl>
+  <dgm:styleLbl name="parChTrans1D1">
+    <dgm:fillClrLst meth="repeat">
+      <a:schemeClr val="accent1"/>
+    </dgm:fillClrLst>
+    <dgm:linClrLst meth="repeat">
+      <a:schemeClr val="accent1">
+        <a:shade val="60000"/>
+      </a:schemeClr>
+    </dgm:linClrLst>
+    <dgm:effectClrLst/>
+    <dgm:txLinClrLst/>
+    <dgm:txFillClrLst meth="repeat">
+      <a:schemeClr val="tx1"/>
+    </dgm:txFillClrLst>
+    <dgm:txEffectClrLst/>
+  </dgm:styleLbl>
+  <dgm:styleLbl name="parChTrans1D2">
+    <dgm:fillClrLst meth="repeat">
+      <a:schemeClr val="accent1"/>
+    </dgm:fillClrLst>
+    <dgm:linClrLst meth="repeat">
+      <a:schemeClr val="accent1">
+        <a:shade val="60000"/>
+      </a:schemeClr>
+    </dgm:linClrLst>
+    <dgm:effectClrLst/>
+    <dgm:txLinClrLst/>
+    <dgm:txFillClrLst meth="repeat">
+      <a:schemeClr val="tx1"/>
+    </dgm:txFillClrLst>
+    <dgm:txEffectClrLst/>
+  </dgm:styleLbl>
+  <dgm:styleLbl name="parChTrans1D3">
+    <dgm:fillClrLst meth="repeat">
+      <a:schemeClr val="accent1"/>
+    </dgm:fillClrLst>
+    <dgm:linClrLst meth="repeat">
+      <a:schemeClr val="accent1">
+        <a:shade val="80000"/>
+      </a:schemeClr>
+    </dgm:linClrLst>
+    <dgm:effectClrLst/>
+    <dgm:txLinClrLst/>
+    <dgm:txFillClrLst meth="repeat">
+      <a:schemeClr val="tx1"/>
+    </dgm:txFillClrLst>
+    <dgm:txEffectClrLst/>
+  </dgm:styleLbl>
+  <dgm:styleLbl name="parChTrans1D4">
+    <dgm:fillClrLst meth="repeat">
+      <a:schemeClr val="accent1"/>
+    </dgm:fillClrLst>
+    <dgm:linClrLst meth="repeat">
+      <a:schemeClr val="accent1">
+        <a:shade val="80000"/>
+      </a:schemeClr>
+    </dgm:linClrLst>
+    <dgm:effectClrLst/>
+    <dgm:txLinClrLst/>
+    <dgm:txFillClrLst meth="repeat">
+      <a:schemeClr val="tx1"/>
+    </dgm:txFillClrLst>
+    <dgm:txEffectClrLst/>
+  </dgm:styleLbl>
+  <dgm:styleLbl name="fgAcc1">
+    <dgm:fillClrLst meth="repeat">
+      <a:schemeClr val="lt1">
+        <a:alpha val="90000"/>
+      </a:schemeClr>
+    </dgm:fillClrLst>
+    <dgm:linClrLst meth="repeat">
+      <a:schemeClr val="accent1"/>
+    </dgm:linClrLst>
+    <dgm:effectClrLst/>
+    <dgm:txLinClrLst/>
+    <dgm:txFillClrLst meth="repeat">
+      <a:schemeClr val="dk1"/>
+    </dgm:txFillClrLst>
+    <dgm:txEffectClrLst/>
+  </dgm:styleLbl>
+  <dgm:styleLbl name="conFgAcc1">
+    <dgm:fillClrLst meth="repeat">
+      <a:schemeClr val="lt1">
+        <a:alpha val="90000"/>
+      </a:schemeClr>
+    </dgm:fillClrLst>
+    <dgm:linClrLst meth="repeat">
+      <a:schemeClr val="accent1"/>
+    </dgm:linClrLst>
+    <dgm:effectClrLst/>
+    <dgm:txLinClrLst/>
+    <dgm:txFillClrLst meth="repeat">
+      <a:schemeClr val="dk1"/>
+    </dgm:txFillClrLst>
+    <dgm:txEffectClrLst/>
+  </dgm:styleLbl>
+  <dgm:styleLbl name="alignAcc1">
+    <dgm:fillClrLst meth="repeat">
+      <a:schemeClr val="lt1">
+        <a:alpha val="90000"/>
+      </a:schemeClr>
+    </dgm:fillClrLst>
+    <dgm:linClrLst meth="repeat">
+      <a:schemeClr val="accent1"/>
+    </dgm:linClrLst>
+    <dgm:effectClrLst/>
+    <dgm:txLinClrLst/>
+    <dgm:txFillClrLst meth="repeat">
+      <a:schemeClr val="dk1"/>
+    </dgm:txFillClrLst>
+    <dgm:txEffectClrLst/>
+  </dgm:styleLbl>
+  <dgm:styleLbl name="trAlignAcc1">
+    <dgm:fillClrLst meth="repeat">
+      <a:schemeClr val="lt1">
+        <a:alpha val="40000"/>
+      </a:schemeClr>
+    </dgm:fillClrLst>
+    <dgm:linClrLst meth="repeat">
+      <a:schemeClr val="accent1"/>
+    </dgm:linClrLst>
+    <dgm:effectClrLst/>
+    <dgm:txLinClrLst/>
+    <dgm:txFillClrLst meth="repeat">
+      <a:schemeClr val="dk1"/>
+    </dgm:txFillClrLst>
+    <dgm:txEffectClrLst/>
+  </dgm:styleLbl>
+  <dgm:styleLbl name="bgAcc1">
+    <dgm:fillClrLst meth="repeat">
+      <a:schemeClr val="lt1">
+        <a:alpha val="90000"/>
+      </a:schemeClr>
+    </dgm:fillClrLst>
+    <dgm:linClrLst meth="repeat">
+      <a:schemeClr val="accent1"/>
+    </dgm:linClrLst>
+    <dgm:effectClrLst/>
+    <dgm:txLinClrLst/>
+    <dgm:txFillClrLst meth="repeat">
+      <a:schemeClr val="dk1"/>
+    </dgm:txFillClrLst>
+    <dgm:txEffectClrLst/>
+  </dgm:styleLbl>
+  <dgm:styleLbl name="solidFgAcc1">
+    <dgm:fillClrLst meth="repeat">
+      <a:schemeClr val="lt1"/>
+    </dgm:fillClrLst>
+    <dgm:linClrLst meth="repeat">
+      <a:schemeClr val="accent1"/>
+    </dgm:linClrLst>
+    <dgm:effectClrLst/>
+    <dgm:txLinClrLst/>
+    <dgm:txFillClrLst meth="repeat">
+      <a:schemeClr val="dk1"/>
+    </dgm:txFillClrLst>
+    <dgm:txEffectClrLst/>
+  </dgm:styleLbl>
+  <dgm:styleLbl name="solidAlignAcc1">
+    <dgm:fillClrLst meth="repeat">
+      <a:schemeClr val="lt1"/>
+    </dgm:fillClrLst>
+    <dgm:linClrLst meth="repeat">
+      <a:schemeClr val="accent1"/>
+    </dgm:linClrLst>
+    <dgm:effectClrLst/>
+    <dgm:txLinClrLst/>
+    <dgm:txFillClrLst meth="repeat">
+      <a:schemeClr val="dk1"/>
+    </dgm:txFillClrLst>
+    <dgm:txEffectClrLst/>
+  </dgm:styleLbl>
+  <dgm:styleLbl name="solidBgAcc1">
+    <dgm:fillClrLst meth="repeat">
+      <a:schemeClr val="lt1"/>
+    </dgm:fillClrLst>
+    <dgm:linClrLst meth="repeat">
+      <a:schemeClr val="accent1"/>
+    </dgm:linClrLst>
+    <dgm:effectClrLst/>
+    <dgm:txLinClrLst/>
+    <dgm:txFillClrLst meth="repeat">
+      <a:schemeClr val="dk1"/>
+    </dgm:txFillClrLst>
+    <dgm:txEffectClrLst/>
+  </dgm:styleLbl>
+  <dgm:styleLbl name="fgAccFollowNode1">
+    <dgm:fillClrLst meth="repeat">
+      <a:schemeClr val="accent1">
+        <a:alpha val="90000"/>
+        <a:tint val="40000"/>
+      </a:schemeClr>
+    </dgm:fillClrLst>
+    <dgm:linClrLst meth="repeat">
+      <a:schemeClr val="accent1">
+        <a:alpha val="90000"/>
+        <a:tint val="40000"/>
+      </a:schemeClr>
+    </dgm:linClrLst>
+    <dgm:effectClrLst/>
+    <dgm:txLinClrLst/>
+    <dgm:txFillClrLst meth="repeat">
+      <a:schemeClr val="dk1"/>
+    </dgm:txFillClrLst>
+    <dgm:txEffectClrLst/>
+  </dgm:styleLbl>
+  <dgm:styleLbl name="alignAccFollowNode1">
+    <dgm:fillClrLst meth="repeat">
+      <a:schemeClr val="accent1">
+        <a:alpha val="90000"/>
+        <a:tint val="40000"/>
+      </a:schemeClr>
+    </dgm:fillClrLst>
+    <dgm:linClrLst meth="repeat">
+      <a:schemeClr val="accent1">
+        <a:alpha val="90000"/>
+        <a:tint val="40000"/>
+      </a:schemeClr>
+    </dgm:linClrLst>
+    <dgm:effectClrLst/>
+    <dgm:txLinClrLst/>
+    <dgm:txFillClrLst meth="repeat">
+      <a:schemeClr val="dk1"/>
+    </dgm:txFillClrLst>
+    <dgm:txEffectClrLst/>
+  </dgm:styleLbl>
+  <dgm:styleLbl name="bgAccFollowNode1">
+    <dgm:fillClrLst meth="repeat">
+      <a:schemeClr val="accent1">
+        <a:alpha val="90000"/>
+        <a:tint val="40000"/>
+      </a:schemeClr>
+    </dgm:fillClrLst>
+    <dgm:linClrLst meth="repeat">
+      <a:schemeClr val="accent1">
+        <a:alpha val="90000"/>
+        <a:tint val="40000"/>
+      </a:schemeClr>
+    </dgm:linClrLst>
+    <dgm:effectClrLst/>
+    <dgm:txLinClrLst/>
+    <dgm:txFillClrLst meth="repeat">
+      <a:schemeClr val="dk1"/>
+    </dgm:txFillClrLst>
+    <dgm:txEffectClrLst/>
+  </dgm:styleLbl>
+  <dgm:styleLbl name="fgAcc0">
+    <dgm:fillClrLst meth="repeat">
+      <a:schemeClr val="lt1">
+        <a:alpha val="90000"/>
+      </a:schemeClr>
+    </dgm:fillClrLst>
+    <dgm:linClrLst meth="repeat">
+      <a:schemeClr val="accent1"/>
+    </dgm:linClrLst>
+    <dgm:effectClrLst/>
+    <dgm:txLinClrLst/>
+    <dgm:txFillClrLst meth="repeat">
+      <a:schemeClr val="dk1"/>
+    </dgm:txFillClrLst>
+    <dgm:txEffectClrLst/>
+  </dgm:styleLbl>
+  <dgm:styleLbl name="fgAcc2">
+    <dgm:fillClrLst meth="repeat">
+      <a:schemeClr val="lt1">
+        <a:alpha val="90000"/>
+      </a:schemeClr>
+    </dgm:fillClrLst>
+    <dgm:linClrLst meth="repeat">
+      <a:schemeClr val="accent1"/>
+    </dgm:linClrLst>
+    <dgm:effectClrLst/>
+    <dgm:txLinClrLst/>
+    <dgm:txFillClrLst meth="repeat">
+      <a:schemeClr val="dk1"/>
+    </dgm:txFillClrLst>
+    <dgm:txEffectClrLst/>
+  </dgm:styleLbl>
+  <dgm:styleLbl name="fgAcc3">
+    <dgm:fillClrLst meth="repeat">
+      <a:schemeClr val="lt1">
+        <a:alpha val="90000"/>
+      </a:schemeClr>
+    </dgm:fillClrLst>
+    <dgm:linClrLst meth="repeat">
+      <a:schemeClr val="accent1"/>
+    </dgm:linClrLst>
+    <dgm:effectClrLst/>
+    <dgm:txLinClrLst/>
+    <dgm:txFillClrLst meth="repeat">
+      <a:schemeClr val="dk1"/>
+    </dgm:txFillClrLst>
+    <dgm:txEffectClrLst/>
+  </dgm:styleLbl>
+  <dgm:styleLbl name="fgAcc4">
+    <dgm:fillClrLst meth="repeat">
+      <a:schemeClr val="lt1">
+        <a:alpha val="90000"/>
+      </a:schemeClr>
+    </dgm:fillClrLst>
+    <dgm:linClrLst meth="repeat">
+      <a:schemeClr val="accent1"/>
+    </dgm:linClrLst>
+    <dgm:effectClrLst/>
+    <dgm:txLinClrLst/>
+    <dgm:txFillClrLst meth="repeat">
+      <a:schemeClr val="dk1"/>
+    </dgm:txFillClrLst>
+    <dgm:txEffectClrLst/>
+  </dgm:styleLbl>
+  <dgm:styleLbl name="bgShp">
+    <dgm:fillClrLst meth="repeat">
+      <a:schemeClr val="accent1">
+        <a:tint val="40000"/>
+      </a:schemeClr>
+    </dgm:fillClrLst>
+    <dgm:linClrLst meth="repeat">
+      <a:schemeClr val="accent1"/>
+    </dgm:linClrLst>
+    <dgm:effectClrLst/>
+    <dgm:txLinClrLst/>
+    <dgm:txFillClrLst meth="repeat">
+      <a:schemeClr val="dk1"/>
+    </dgm:txFillClrLst>
+    <dgm:txEffectClrLst/>
+  </dgm:styleLbl>
+  <dgm:styleLbl name="dkBgShp">
+    <dgm:fillClrLst meth="repeat">
+      <a:schemeClr val="accent1">
+        <a:shade val="80000"/>
+      </a:schemeClr>
+    </dgm:fillClrLst>
+    <dgm:linClrLst meth="repeat">
+      <a:schemeClr val="accent1"/>
+    </dgm:linClrLst>
+    <dgm:effectClrLst/>
+    <dgm:txLinClrLst/>
+    <dgm:txFillClrLst meth="repeat">
+      <a:schemeClr val="lt1"/>
+    </dgm:txFillClrLst>
+    <dgm:txEffectClrLst/>
+  </dgm:styleLbl>
+  <dgm:styleLbl name="trBgShp">
+    <dgm:fillClrLst meth="repeat">
+      <a:schemeClr val="accent1">
+        <a:tint val="50000"/>
+        <a:alpha val="40000"/>
+      </a:schemeClr>
+    </dgm:fillClrLst>
+    <dgm:linClrLst meth="repeat">
+      <a:schemeClr val="accent1"/>
+    </dgm:linClrLst>
+    <dgm:effectClrLst/>
+    <dgm:txLinClrLst/>
+    <dgm:txFillClrLst meth="repeat">
+      <a:schemeClr val="lt1"/>
+    </dgm:txFillClrLst>
+    <dgm:txEffectClrLst/>
+  </dgm:styleLbl>
+  <dgm:styleLbl name="fgShp">
+    <dgm:fillClrLst meth="repeat">
+      <a:schemeClr val="accent1">
+        <a:tint val="60000"/>
+      </a:schemeClr>
+    </dgm:fillClrLst>
+    <dgm:linClrLst meth="repeat">
+      <a:schemeClr val="lt1"/>
+    </dgm:linClrLst>
+    <dgm:effectClrLst/>
+    <dgm:txLinClrLst/>
+    <dgm:txFillClrLst meth="repeat">
+      <a:schemeClr val="dk1"/>
+    </dgm:txFillClrLst>
+    <dgm:txEffectClrLst/>
+  </dgm:styleLbl>
+  <dgm:styleLbl name="revTx">
+    <dgm:fillClrLst meth="repeat">
+      <a:schemeClr val="lt1">
+        <a:alpha val="0"/>
+      </a:schemeClr>
+    </dgm:fillClrLst>
+    <dgm:linClrLst meth="repeat">
+      <a:schemeClr val="dk1">
+        <a:alpha val="0"/>
+      </a:schemeClr>
+    </dgm:linClrLst>
+    <dgm:effectClrLst/>
+    <dgm:txLinClrLst/>
+    <dgm:txFillClrLst meth="repeat">
+      <a:schemeClr val="tx1"/>
+    </dgm:txFillClrLst>
+    <dgm:txEffectClrLst/>
+  </dgm:styleLbl>
+</dgm:colorsDef>
+</file>
+
+<file path=ppt/diagrams/data1.xml><?xml version="1.0" encoding="utf-8"?>
+<dgm:dataModel xmlns:dgm="http://schemas.openxmlformats.org/drawingml/2006/diagram" xmlns:a="http://schemas.openxmlformats.org/drawingml/2006/main">
+  <dgm:ptLst>
+    <dgm:pt modelId="{E0D379AC-A470-4A5E-B1B1-628CB7679268}" type="doc">
+      <dgm:prSet loTypeId="urn:microsoft.com/office/officeart/2005/8/layout/hList1" loCatId="list" qsTypeId="urn:microsoft.com/office/officeart/2005/8/quickstyle/simple1" qsCatId="simple" csTypeId="urn:microsoft.com/office/officeart/2005/8/colors/accent1_2" csCatId="accent1" phldr="1"/>
+      <dgm:spPr/>
+      <dgm:t>
+        <a:bodyPr/>
+        <a:lstStyle/>
+        <a:p>
+          <a:endParaRPr lang="en-GB"/>
+        </a:p>
+      </dgm:t>
+    </dgm:pt>
+    <dgm:pt modelId="{32DEA1DB-AE0F-4794-AB57-E64F5E9D2801}">
+      <dgm:prSet phldrT="[Text]"/>
+      <dgm:spPr/>
+      <dgm:t>
+        <a:bodyPr/>
+        <a:lstStyle/>
+        <a:p>
+          <a:r>
+            <a:rPr lang="en-US" dirty="0"/>
+            <a:t>Data Cleaning</a:t>
+          </a:r>
+          <a:endParaRPr lang="en-GB" dirty="0"/>
+        </a:p>
+      </dgm:t>
+    </dgm:pt>
+    <dgm:pt modelId="{3F456C0E-2DF1-4CB0-8865-A19E3F7E6151}" type="parTrans" cxnId="{FDA92C51-6C84-45DB-B243-1980EFA6073B}">
+      <dgm:prSet/>
+      <dgm:spPr/>
+      <dgm:t>
+        <a:bodyPr/>
+        <a:lstStyle/>
+        <a:p>
+          <a:endParaRPr lang="en-GB"/>
+        </a:p>
+      </dgm:t>
+    </dgm:pt>
+    <dgm:pt modelId="{746AD699-FAB2-44B4-B0FB-5F0AF0327A7B}" type="sibTrans" cxnId="{FDA92C51-6C84-45DB-B243-1980EFA6073B}">
+      <dgm:prSet/>
+      <dgm:spPr/>
+      <dgm:t>
+        <a:bodyPr/>
+        <a:lstStyle/>
+        <a:p>
+          <a:endParaRPr lang="en-GB"/>
+        </a:p>
+      </dgm:t>
+    </dgm:pt>
+    <dgm:pt modelId="{AFBFFB29-B581-4F0E-A475-980CB60485C3}">
+      <dgm:prSet phldrT="[Text]" phldr="1"/>
+      <dgm:spPr/>
+      <dgm:t>
+        <a:bodyPr/>
+        <a:lstStyle/>
+        <a:p>
+          <a:endParaRPr lang="en-GB"/>
+        </a:p>
+      </dgm:t>
+    </dgm:pt>
+    <dgm:pt modelId="{D9070730-C98F-461A-B9BB-AC92D0BA2F56}" type="parTrans" cxnId="{C939C884-3C26-43F4-BF41-B9BABB3ADF85}">
+      <dgm:prSet/>
+      <dgm:spPr/>
+      <dgm:t>
+        <a:bodyPr/>
+        <a:lstStyle/>
+        <a:p>
+          <a:endParaRPr lang="en-GB"/>
+        </a:p>
+      </dgm:t>
+    </dgm:pt>
+    <dgm:pt modelId="{32562DEA-8D93-4ACA-A015-F4893D393926}" type="sibTrans" cxnId="{C939C884-3C26-43F4-BF41-B9BABB3ADF85}">
+      <dgm:prSet/>
+      <dgm:spPr/>
+      <dgm:t>
+        <a:bodyPr/>
+        <a:lstStyle/>
+        <a:p>
+          <a:endParaRPr lang="en-GB"/>
+        </a:p>
+      </dgm:t>
+    </dgm:pt>
+    <dgm:pt modelId="{5C900B63-EB6E-4D20-9EE3-4727CC3006E9}">
+      <dgm:prSet phldrT="[Text]" phldr="1"/>
+      <dgm:spPr/>
+      <dgm:t>
+        <a:bodyPr/>
+        <a:lstStyle/>
+        <a:p>
+          <a:endParaRPr lang="en-GB"/>
+        </a:p>
+      </dgm:t>
+    </dgm:pt>
+    <dgm:pt modelId="{41D6808C-68C2-4FAD-910D-97143184BAD7}" type="parTrans" cxnId="{F76D3C47-AF86-4BA3-A7D3-C60B1A4F876F}">
+      <dgm:prSet/>
+      <dgm:spPr/>
+      <dgm:t>
+        <a:bodyPr/>
+        <a:lstStyle/>
+        <a:p>
+          <a:endParaRPr lang="en-GB"/>
+        </a:p>
+      </dgm:t>
+    </dgm:pt>
+    <dgm:pt modelId="{C84DEDD6-8FF2-4F87-B602-F690A97F7F09}" type="sibTrans" cxnId="{F76D3C47-AF86-4BA3-A7D3-C60B1A4F876F}">
+      <dgm:prSet/>
+      <dgm:spPr/>
+      <dgm:t>
+        <a:bodyPr/>
+        <a:lstStyle/>
+        <a:p>
+          <a:endParaRPr lang="en-GB"/>
+        </a:p>
+      </dgm:t>
+    </dgm:pt>
+    <dgm:pt modelId="{042C883B-A0EF-4DB2-B0B9-AD64286D9321}">
+      <dgm:prSet phldrT="[Text]"/>
+      <dgm:spPr/>
+      <dgm:t>
+        <a:bodyPr/>
+        <a:lstStyle/>
+        <a:p>
+          <a:r>
+            <a:rPr lang="en-US" dirty="0"/>
+            <a:t>Data Integration</a:t>
+          </a:r>
+          <a:endParaRPr lang="en-GB" dirty="0"/>
+        </a:p>
+      </dgm:t>
+    </dgm:pt>
+    <dgm:pt modelId="{8107E248-72E4-4B99-877C-B7077C965637}" type="parTrans" cxnId="{F97E85EB-B432-4878-8418-79AB8C9602FD}">
+      <dgm:prSet/>
+      <dgm:spPr/>
+      <dgm:t>
+        <a:bodyPr/>
+        <a:lstStyle/>
+        <a:p>
+          <a:endParaRPr lang="en-GB"/>
+        </a:p>
+      </dgm:t>
+    </dgm:pt>
+    <dgm:pt modelId="{6237227A-B471-4B3D-BD8B-FC7C8A5082F9}" type="sibTrans" cxnId="{F97E85EB-B432-4878-8418-79AB8C9602FD}">
+      <dgm:prSet/>
+      <dgm:spPr/>
+      <dgm:t>
+        <a:bodyPr/>
+        <a:lstStyle/>
+        <a:p>
+          <a:endParaRPr lang="en-GB"/>
+        </a:p>
+      </dgm:t>
+    </dgm:pt>
+    <dgm:pt modelId="{DBF63F92-848A-48D5-9A53-EB0B486BDAE2}">
+      <dgm:prSet phldrT="[Text]" phldr="1"/>
+      <dgm:spPr/>
+      <dgm:t>
+        <a:bodyPr/>
+        <a:lstStyle/>
+        <a:p>
+          <a:endParaRPr lang="en-GB"/>
+        </a:p>
+      </dgm:t>
+    </dgm:pt>
+    <dgm:pt modelId="{0E70FDA4-6CB6-463D-9435-18C709E6EF89}" type="parTrans" cxnId="{ABF7CE93-4264-437F-90B1-AF74E342239E}">
+      <dgm:prSet/>
+      <dgm:spPr/>
+      <dgm:t>
+        <a:bodyPr/>
+        <a:lstStyle/>
+        <a:p>
+          <a:endParaRPr lang="en-GB"/>
+        </a:p>
+      </dgm:t>
+    </dgm:pt>
+    <dgm:pt modelId="{9AEA36A5-5E42-4B14-A4C2-BABAAB30ACEE}" type="sibTrans" cxnId="{ABF7CE93-4264-437F-90B1-AF74E342239E}">
+      <dgm:prSet/>
+      <dgm:spPr/>
+      <dgm:t>
+        <a:bodyPr/>
+        <a:lstStyle/>
+        <a:p>
+          <a:endParaRPr lang="en-GB"/>
+        </a:p>
+      </dgm:t>
+    </dgm:pt>
+    <dgm:pt modelId="{51BFFF39-F429-4AEE-BA38-619AFA58D16B}">
+      <dgm:prSet phldrT="[Text]" phldr="1"/>
+      <dgm:spPr/>
+      <dgm:t>
+        <a:bodyPr/>
+        <a:lstStyle/>
+        <a:p>
+          <a:endParaRPr lang="en-GB"/>
+        </a:p>
+      </dgm:t>
+    </dgm:pt>
+    <dgm:pt modelId="{13BA2A50-762D-4FCF-A62A-D4AA9C402955}" type="parTrans" cxnId="{BD6AADC0-5145-46F7-A21A-9D030AA31256}">
+      <dgm:prSet/>
+      <dgm:spPr/>
+      <dgm:t>
+        <a:bodyPr/>
+        <a:lstStyle/>
+        <a:p>
+          <a:endParaRPr lang="en-GB"/>
+        </a:p>
+      </dgm:t>
+    </dgm:pt>
+    <dgm:pt modelId="{EB97D335-ED45-46C5-9C58-687BDEC0CAD8}" type="sibTrans" cxnId="{BD6AADC0-5145-46F7-A21A-9D030AA31256}">
+      <dgm:prSet/>
+      <dgm:spPr/>
+      <dgm:t>
+        <a:bodyPr/>
+        <a:lstStyle/>
+        <a:p>
+          <a:endParaRPr lang="en-GB"/>
+        </a:p>
+      </dgm:t>
+    </dgm:pt>
+    <dgm:pt modelId="{680C3888-473D-4280-9FB1-B02E3497DBF3}">
+      <dgm:prSet phldrT="[Text]"/>
+      <dgm:spPr/>
+      <dgm:t>
+        <a:bodyPr/>
+        <a:lstStyle/>
+        <a:p>
+          <a:r>
+            <a:rPr lang="en-US" dirty="0"/>
+            <a:t>Data </a:t>
+          </a:r>
+          <a:r>
+            <a:rPr lang="en-US" dirty="0" err="1"/>
+            <a:t>etc</a:t>
+          </a:r>
+          <a:endParaRPr lang="en-GB" dirty="0"/>
+        </a:p>
+      </dgm:t>
+    </dgm:pt>
+    <dgm:pt modelId="{C2304171-3E45-4953-8F2B-B64964B6AC42}" type="parTrans" cxnId="{B33A67E0-601F-4729-9853-368E032A8B28}">
+      <dgm:prSet/>
+      <dgm:spPr/>
+      <dgm:t>
+        <a:bodyPr/>
+        <a:lstStyle/>
+        <a:p>
+          <a:endParaRPr lang="en-GB"/>
+        </a:p>
+      </dgm:t>
+    </dgm:pt>
+    <dgm:pt modelId="{ECEC0F94-CDBD-40AC-A51A-7B55F0E804BB}" type="sibTrans" cxnId="{B33A67E0-601F-4729-9853-368E032A8B28}">
+      <dgm:prSet/>
+      <dgm:spPr/>
+      <dgm:t>
+        <a:bodyPr/>
+        <a:lstStyle/>
+        <a:p>
+          <a:endParaRPr lang="en-GB"/>
+        </a:p>
+      </dgm:t>
+    </dgm:pt>
+    <dgm:pt modelId="{DE95FEF4-E30C-4A28-B49F-CC64B3BDCA11}">
+      <dgm:prSet phldrT="[Text]" phldr="1"/>
+      <dgm:spPr/>
+      <dgm:t>
+        <a:bodyPr/>
+        <a:lstStyle/>
+        <a:p>
+          <a:endParaRPr lang="en-GB"/>
+        </a:p>
+      </dgm:t>
+    </dgm:pt>
+    <dgm:pt modelId="{7852EA6F-46BE-4C3E-856C-8886D6A15DAD}" type="parTrans" cxnId="{C2FEF117-0DBA-43BB-A23C-C685D7ED260E}">
+      <dgm:prSet/>
+      <dgm:spPr/>
+      <dgm:t>
+        <a:bodyPr/>
+        <a:lstStyle/>
+        <a:p>
+          <a:endParaRPr lang="en-GB"/>
+        </a:p>
+      </dgm:t>
+    </dgm:pt>
+    <dgm:pt modelId="{5C3D5B44-CA88-43B4-92C3-09BEE9E27350}" type="sibTrans" cxnId="{C2FEF117-0DBA-43BB-A23C-C685D7ED260E}">
+      <dgm:prSet/>
+      <dgm:spPr/>
+      <dgm:t>
+        <a:bodyPr/>
+        <a:lstStyle/>
+        <a:p>
+          <a:endParaRPr lang="en-GB"/>
+        </a:p>
+      </dgm:t>
+    </dgm:pt>
+    <dgm:pt modelId="{3B9B5FB2-D8B8-4108-957A-9109A14FDC2D}">
+      <dgm:prSet phldrT="[Text]" phldr="1"/>
+      <dgm:spPr/>
+      <dgm:t>
+        <a:bodyPr/>
+        <a:lstStyle/>
+        <a:p>
+          <a:endParaRPr lang="en-GB"/>
+        </a:p>
+      </dgm:t>
+    </dgm:pt>
+    <dgm:pt modelId="{3CEE31CA-2A46-439B-ABED-9AE8B5A95EE9}" type="parTrans" cxnId="{98A5CC48-451B-4622-A867-6197EE6E5334}">
+      <dgm:prSet/>
+      <dgm:spPr/>
+      <dgm:t>
+        <a:bodyPr/>
+        <a:lstStyle/>
+        <a:p>
+          <a:endParaRPr lang="en-GB"/>
+        </a:p>
+      </dgm:t>
+    </dgm:pt>
+    <dgm:pt modelId="{1314D664-5AB2-462E-B0D0-784BCC87B29C}" type="sibTrans" cxnId="{98A5CC48-451B-4622-A867-6197EE6E5334}">
+      <dgm:prSet/>
+      <dgm:spPr/>
+      <dgm:t>
+        <a:bodyPr/>
+        <a:lstStyle/>
+        <a:p>
+          <a:endParaRPr lang="en-GB"/>
+        </a:p>
+      </dgm:t>
+    </dgm:pt>
+    <dgm:pt modelId="{4EAD6859-C843-407F-9635-65DDBAD01139}" type="pres">
+      <dgm:prSet presAssocID="{E0D379AC-A470-4A5E-B1B1-628CB7679268}" presName="Name0" presStyleCnt="0">
+        <dgm:presLayoutVars>
+          <dgm:dir/>
+          <dgm:animLvl val="lvl"/>
+          <dgm:resizeHandles val="exact"/>
+        </dgm:presLayoutVars>
+      </dgm:prSet>
+      <dgm:spPr/>
+    </dgm:pt>
+    <dgm:pt modelId="{346A9DE0-AB8F-4064-8CF0-41482EB48D6D}" type="pres">
+      <dgm:prSet presAssocID="{32DEA1DB-AE0F-4794-AB57-E64F5E9D2801}" presName="composite" presStyleCnt="0"/>
+      <dgm:spPr/>
+    </dgm:pt>
+    <dgm:pt modelId="{68FEB837-C48C-4D67-BE0E-7C38B3225FF7}" type="pres">
+      <dgm:prSet presAssocID="{32DEA1DB-AE0F-4794-AB57-E64F5E9D2801}" presName="parTx" presStyleLbl="alignNode1" presStyleIdx="0" presStyleCnt="3">
+        <dgm:presLayoutVars>
+          <dgm:chMax val="0"/>
+          <dgm:chPref val="0"/>
+          <dgm:bulletEnabled val="1"/>
+        </dgm:presLayoutVars>
+      </dgm:prSet>
+      <dgm:spPr/>
+    </dgm:pt>
+    <dgm:pt modelId="{9EEFC1A7-EA64-4296-A347-C01AAD5BE399}" type="pres">
+      <dgm:prSet presAssocID="{32DEA1DB-AE0F-4794-AB57-E64F5E9D2801}" presName="desTx" presStyleLbl="alignAccFollowNode1" presStyleIdx="0" presStyleCnt="3">
+        <dgm:presLayoutVars>
+          <dgm:bulletEnabled val="1"/>
+        </dgm:presLayoutVars>
+      </dgm:prSet>
+      <dgm:spPr/>
+    </dgm:pt>
+    <dgm:pt modelId="{FC36177F-C738-4248-9B2E-2122F2DC60D5}" type="pres">
+      <dgm:prSet presAssocID="{746AD699-FAB2-44B4-B0FB-5F0AF0327A7B}" presName="space" presStyleCnt="0"/>
+      <dgm:spPr/>
+    </dgm:pt>
+    <dgm:pt modelId="{D5030353-27C1-478A-8DC7-FFE278433692}" type="pres">
+      <dgm:prSet presAssocID="{042C883B-A0EF-4DB2-B0B9-AD64286D9321}" presName="composite" presStyleCnt="0"/>
+      <dgm:spPr/>
+    </dgm:pt>
+    <dgm:pt modelId="{E9B9AB73-6D55-4638-B05B-638C95E71992}" type="pres">
+      <dgm:prSet presAssocID="{042C883B-A0EF-4DB2-B0B9-AD64286D9321}" presName="parTx" presStyleLbl="alignNode1" presStyleIdx="1" presStyleCnt="3">
+        <dgm:presLayoutVars>
+          <dgm:chMax val="0"/>
+          <dgm:chPref val="0"/>
+          <dgm:bulletEnabled val="1"/>
+        </dgm:presLayoutVars>
+      </dgm:prSet>
+      <dgm:spPr/>
+    </dgm:pt>
+    <dgm:pt modelId="{718EB2CA-49AD-4E35-A4B5-A41110203C31}" type="pres">
+      <dgm:prSet presAssocID="{042C883B-A0EF-4DB2-B0B9-AD64286D9321}" presName="desTx" presStyleLbl="alignAccFollowNode1" presStyleIdx="1" presStyleCnt="3">
+        <dgm:presLayoutVars>
+          <dgm:bulletEnabled val="1"/>
+        </dgm:presLayoutVars>
+      </dgm:prSet>
+      <dgm:spPr/>
+    </dgm:pt>
+    <dgm:pt modelId="{320574DB-E9F1-4B9E-8AE1-D1B595095900}" type="pres">
+      <dgm:prSet presAssocID="{6237227A-B471-4B3D-BD8B-FC7C8A5082F9}" presName="space" presStyleCnt="0"/>
+      <dgm:spPr/>
+    </dgm:pt>
+    <dgm:pt modelId="{1B0FB91A-3FB5-43F5-9BFA-3D4061A7B326}" type="pres">
+      <dgm:prSet presAssocID="{680C3888-473D-4280-9FB1-B02E3497DBF3}" presName="composite" presStyleCnt="0"/>
+      <dgm:spPr/>
+    </dgm:pt>
+    <dgm:pt modelId="{F2E9D860-6811-4A8F-92E5-C6E0D2C843DD}" type="pres">
+      <dgm:prSet presAssocID="{680C3888-473D-4280-9FB1-B02E3497DBF3}" presName="parTx" presStyleLbl="alignNode1" presStyleIdx="2" presStyleCnt="3">
+        <dgm:presLayoutVars>
+          <dgm:chMax val="0"/>
+          <dgm:chPref val="0"/>
+          <dgm:bulletEnabled val="1"/>
+        </dgm:presLayoutVars>
+      </dgm:prSet>
+      <dgm:spPr/>
+    </dgm:pt>
+    <dgm:pt modelId="{7F5A2995-5AA7-4022-A0ED-7ABC3A81C85B}" type="pres">
+      <dgm:prSet presAssocID="{680C3888-473D-4280-9FB1-B02E3497DBF3}" presName="desTx" presStyleLbl="alignAccFollowNode1" presStyleIdx="2" presStyleCnt="3">
+        <dgm:presLayoutVars>
+          <dgm:bulletEnabled val="1"/>
+        </dgm:presLayoutVars>
+      </dgm:prSet>
+      <dgm:spPr/>
+    </dgm:pt>
+  </dgm:ptLst>
+  <dgm:cxnLst>
+    <dgm:cxn modelId="{8CFBF601-8B9B-485C-947B-8F3DC3D45BC3}" type="presOf" srcId="{AFBFFB29-B581-4F0E-A475-980CB60485C3}" destId="{9EEFC1A7-EA64-4296-A347-C01AAD5BE399}" srcOrd="0" destOrd="0" presId="urn:microsoft.com/office/officeart/2005/8/layout/hList1"/>
+    <dgm:cxn modelId="{C2FEF117-0DBA-43BB-A23C-C685D7ED260E}" srcId="{680C3888-473D-4280-9FB1-B02E3497DBF3}" destId="{DE95FEF4-E30C-4A28-B49F-CC64B3BDCA11}" srcOrd="0" destOrd="0" parTransId="{7852EA6F-46BE-4C3E-856C-8886D6A15DAD}" sibTransId="{5C3D5B44-CA88-43B4-92C3-09BEE9E27350}"/>
+    <dgm:cxn modelId="{7AFE232C-BEA0-46E0-8E9D-3CB3AC5AD99C}" type="presOf" srcId="{DBF63F92-848A-48D5-9A53-EB0B486BDAE2}" destId="{718EB2CA-49AD-4E35-A4B5-A41110203C31}" srcOrd="0" destOrd="0" presId="urn:microsoft.com/office/officeart/2005/8/layout/hList1"/>
+    <dgm:cxn modelId="{B27B833B-09E0-4960-A45A-27E49294CB31}" type="presOf" srcId="{51BFFF39-F429-4AEE-BA38-619AFA58D16B}" destId="{718EB2CA-49AD-4E35-A4B5-A41110203C31}" srcOrd="0" destOrd="1" presId="urn:microsoft.com/office/officeart/2005/8/layout/hList1"/>
+    <dgm:cxn modelId="{FF668C40-089A-4A81-97EB-DDB085890B05}" type="presOf" srcId="{DE95FEF4-E30C-4A28-B49F-CC64B3BDCA11}" destId="{7F5A2995-5AA7-4022-A0ED-7ABC3A81C85B}" srcOrd="0" destOrd="0" presId="urn:microsoft.com/office/officeart/2005/8/layout/hList1"/>
+    <dgm:cxn modelId="{1B9CB860-BD0E-421B-9FE5-1307D43E19EF}" type="presOf" srcId="{680C3888-473D-4280-9FB1-B02E3497DBF3}" destId="{F2E9D860-6811-4A8F-92E5-C6E0D2C843DD}" srcOrd="0" destOrd="0" presId="urn:microsoft.com/office/officeart/2005/8/layout/hList1"/>
+    <dgm:cxn modelId="{F76D3C47-AF86-4BA3-A7D3-C60B1A4F876F}" srcId="{32DEA1DB-AE0F-4794-AB57-E64F5E9D2801}" destId="{5C900B63-EB6E-4D20-9EE3-4727CC3006E9}" srcOrd="1" destOrd="0" parTransId="{41D6808C-68C2-4FAD-910D-97143184BAD7}" sibTransId="{C84DEDD6-8FF2-4F87-B602-F690A97F7F09}"/>
+    <dgm:cxn modelId="{98A5CC48-451B-4622-A867-6197EE6E5334}" srcId="{680C3888-473D-4280-9FB1-B02E3497DBF3}" destId="{3B9B5FB2-D8B8-4108-957A-9109A14FDC2D}" srcOrd="1" destOrd="0" parTransId="{3CEE31CA-2A46-439B-ABED-9AE8B5A95EE9}" sibTransId="{1314D664-5AB2-462E-B0D0-784BCC87B29C}"/>
+    <dgm:cxn modelId="{FDA92C51-6C84-45DB-B243-1980EFA6073B}" srcId="{E0D379AC-A470-4A5E-B1B1-628CB7679268}" destId="{32DEA1DB-AE0F-4794-AB57-E64F5E9D2801}" srcOrd="0" destOrd="0" parTransId="{3F456C0E-2DF1-4CB0-8865-A19E3F7E6151}" sibTransId="{746AD699-FAB2-44B4-B0FB-5F0AF0327A7B}"/>
+    <dgm:cxn modelId="{579F8271-582B-4038-A4A9-A26EA724E65F}" type="presOf" srcId="{E0D379AC-A470-4A5E-B1B1-628CB7679268}" destId="{4EAD6859-C843-407F-9635-65DDBAD01139}" srcOrd="0" destOrd="0" presId="urn:microsoft.com/office/officeart/2005/8/layout/hList1"/>
+    <dgm:cxn modelId="{C939C884-3C26-43F4-BF41-B9BABB3ADF85}" srcId="{32DEA1DB-AE0F-4794-AB57-E64F5E9D2801}" destId="{AFBFFB29-B581-4F0E-A475-980CB60485C3}" srcOrd="0" destOrd="0" parTransId="{D9070730-C98F-461A-B9BB-AC92D0BA2F56}" sibTransId="{32562DEA-8D93-4ACA-A015-F4893D393926}"/>
+    <dgm:cxn modelId="{ABF7CE93-4264-437F-90B1-AF74E342239E}" srcId="{042C883B-A0EF-4DB2-B0B9-AD64286D9321}" destId="{DBF63F92-848A-48D5-9A53-EB0B486BDAE2}" srcOrd="0" destOrd="0" parTransId="{0E70FDA4-6CB6-463D-9435-18C709E6EF89}" sibTransId="{9AEA36A5-5E42-4B14-A4C2-BABAAB30ACEE}"/>
+    <dgm:cxn modelId="{BD6AADC0-5145-46F7-A21A-9D030AA31256}" srcId="{042C883B-A0EF-4DB2-B0B9-AD64286D9321}" destId="{51BFFF39-F429-4AEE-BA38-619AFA58D16B}" srcOrd="1" destOrd="0" parTransId="{13BA2A50-762D-4FCF-A62A-D4AA9C402955}" sibTransId="{EB97D335-ED45-46C5-9C58-687BDEC0CAD8}"/>
+    <dgm:cxn modelId="{E381DBD5-6E5F-4860-8EE2-32D1A0F466EE}" type="presOf" srcId="{042C883B-A0EF-4DB2-B0B9-AD64286D9321}" destId="{E9B9AB73-6D55-4638-B05B-638C95E71992}" srcOrd="0" destOrd="0" presId="urn:microsoft.com/office/officeart/2005/8/layout/hList1"/>
+    <dgm:cxn modelId="{83C5B0D7-59A3-41FD-8A79-E7855665D375}" type="presOf" srcId="{3B9B5FB2-D8B8-4108-957A-9109A14FDC2D}" destId="{7F5A2995-5AA7-4022-A0ED-7ABC3A81C85B}" srcOrd="0" destOrd="1" presId="urn:microsoft.com/office/officeart/2005/8/layout/hList1"/>
+    <dgm:cxn modelId="{756881DC-F9A3-401A-AA5A-0150CB01B76E}" type="presOf" srcId="{32DEA1DB-AE0F-4794-AB57-E64F5E9D2801}" destId="{68FEB837-C48C-4D67-BE0E-7C38B3225FF7}" srcOrd="0" destOrd="0" presId="urn:microsoft.com/office/officeart/2005/8/layout/hList1"/>
+    <dgm:cxn modelId="{B33A67E0-601F-4729-9853-368E032A8B28}" srcId="{E0D379AC-A470-4A5E-B1B1-628CB7679268}" destId="{680C3888-473D-4280-9FB1-B02E3497DBF3}" srcOrd="2" destOrd="0" parTransId="{C2304171-3E45-4953-8F2B-B64964B6AC42}" sibTransId="{ECEC0F94-CDBD-40AC-A51A-7B55F0E804BB}"/>
+    <dgm:cxn modelId="{D6DA22EA-6F6F-4A02-A0FA-3CE569DCC3FE}" type="presOf" srcId="{5C900B63-EB6E-4D20-9EE3-4727CC3006E9}" destId="{9EEFC1A7-EA64-4296-A347-C01AAD5BE399}" srcOrd="0" destOrd="1" presId="urn:microsoft.com/office/officeart/2005/8/layout/hList1"/>
+    <dgm:cxn modelId="{F97E85EB-B432-4878-8418-79AB8C9602FD}" srcId="{E0D379AC-A470-4A5E-B1B1-628CB7679268}" destId="{042C883B-A0EF-4DB2-B0B9-AD64286D9321}" srcOrd="1" destOrd="0" parTransId="{8107E248-72E4-4B99-877C-B7077C965637}" sibTransId="{6237227A-B471-4B3D-BD8B-FC7C8A5082F9}"/>
+    <dgm:cxn modelId="{E57405D6-1862-4DB8-BEC4-EA2DD59CCDA4}" type="presParOf" srcId="{4EAD6859-C843-407F-9635-65DDBAD01139}" destId="{346A9DE0-AB8F-4064-8CF0-41482EB48D6D}" srcOrd="0" destOrd="0" presId="urn:microsoft.com/office/officeart/2005/8/layout/hList1"/>
+    <dgm:cxn modelId="{26E2EB16-D719-4765-82A2-3567FFD3C29E}" type="presParOf" srcId="{346A9DE0-AB8F-4064-8CF0-41482EB48D6D}" destId="{68FEB837-C48C-4D67-BE0E-7C38B3225FF7}" srcOrd="0" destOrd="0" presId="urn:microsoft.com/office/officeart/2005/8/layout/hList1"/>
+    <dgm:cxn modelId="{B998E750-F2A0-4DA2-8B03-712C1ED851F5}" type="presParOf" srcId="{346A9DE0-AB8F-4064-8CF0-41482EB48D6D}" destId="{9EEFC1A7-EA64-4296-A347-C01AAD5BE399}" srcOrd="1" destOrd="0" presId="urn:microsoft.com/office/officeart/2005/8/layout/hList1"/>
+    <dgm:cxn modelId="{A29D6380-E67A-47CC-90F6-29C84FC859DB}" type="presParOf" srcId="{4EAD6859-C843-407F-9635-65DDBAD01139}" destId="{FC36177F-C738-4248-9B2E-2122F2DC60D5}" srcOrd="1" destOrd="0" presId="urn:microsoft.com/office/officeart/2005/8/layout/hList1"/>
+    <dgm:cxn modelId="{FCBFD447-FC49-4D68-84E8-5FFCAF79EAEA}" type="presParOf" srcId="{4EAD6859-C843-407F-9635-65DDBAD01139}" destId="{D5030353-27C1-478A-8DC7-FFE278433692}" srcOrd="2" destOrd="0" presId="urn:microsoft.com/office/officeart/2005/8/layout/hList1"/>
+    <dgm:cxn modelId="{DC46EF23-4AD7-498A-AF2F-EEF2B5BB7834}" type="presParOf" srcId="{D5030353-27C1-478A-8DC7-FFE278433692}" destId="{E9B9AB73-6D55-4638-B05B-638C95E71992}" srcOrd="0" destOrd="0" presId="urn:microsoft.com/office/officeart/2005/8/layout/hList1"/>
+    <dgm:cxn modelId="{149F58CA-6F0A-44FD-9964-F9ABB1C96EE8}" type="presParOf" srcId="{D5030353-27C1-478A-8DC7-FFE278433692}" destId="{718EB2CA-49AD-4E35-A4B5-A41110203C31}" srcOrd="1" destOrd="0" presId="urn:microsoft.com/office/officeart/2005/8/layout/hList1"/>
+    <dgm:cxn modelId="{C326FECC-36F0-4167-AC12-79EE01435EC6}" type="presParOf" srcId="{4EAD6859-C843-407F-9635-65DDBAD01139}" destId="{320574DB-E9F1-4B9E-8AE1-D1B595095900}" srcOrd="3" destOrd="0" presId="urn:microsoft.com/office/officeart/2005/8/layout/hList1"/>
+    <dgm:cxn modelId="{3E4D0366-345E-49B8-A1E0-40043910E981}" type="presParOf" srcId="{4EAD6859-C843-407F-9635-65DDBAD01139}" destId="{1B0FB91A-3FB5-43F5-9BFA-3D4061A7B326}" srcOrd="4" destOrd="0" presId="urn:microsoft.com/office/officeart/2005/8/layout/hList1"/>
+    <dgm:cxn modelId="{B6F24F27-7A6F-4772-AAB2-0664B30F9190}" type="presParOf" srcId="{1B0FB91A-3FB5-43F5-9BFA-3D4061A7B326}" destId="{F2E9D860-6811-4A8F-92E5-C6E0D2C843DD}" srcOrd="0" destOrd="0" presId="urn:microsoft.com/office/officeart/2005/8/layout/hList1"/>
+    <dgm:cxn modelId="{FCAADB08-5940-4085-867F-D98025D268CE}" type="presParOf" srcId="{1B0FB91A-3FB5-43F5-9BFA-3D4061A7B326}" destId="{7F5A2995-5AA7-4022-A0ED-7ABC3A81C85B}" srcOrd="1" destOrd="0" presId="urn:microsoft.com/office/officeart/2005/8/layout/hList1"/>
+  </dgm:cxnLst>
+  <dgm:bg/>
+  <dgm:whole/>
+  <dgm:extLst>
+    <a:ext uri="http://schemas.microsoft.com/office/drawing/2008/diagram">
+      <dsp:dataModelExt xmlns:dsp="http://schemas.microsoft.com/office/drawing/2008/diagram" relId="rId6" minVer="http://schemas.openxmlformats.org/drawingml/2006/diagram"/>
+    </a:ext>
+  </dgm:extLst>
+</dgm:dataModel>
+</file>
+
+<file path=ppt/diagrams/drawing1.xml><?xml version="1.0" encoding="utf-8"?>
+<dsp:drawing xmlns:dgm="http://schemas.openxmlformats.org/drawingml/2006/diagram" xmlns:dsp="http://schemas.microsoft.com/office/drawing/2008/diagram" xmlns:a="http://schemas.openxmlformats.org/drawingml/2006/main">
+  <dsp:spTree>
+    <dsp:nvGrpSpPr>
+      <dsp:cNvPr id="0" name=""/>
+      <dsp:cNvGrpSpPr/>
+    </dsp:nvGrpSpPr>
+    <dsp:grpSpPr/>
+    <dsp:sp modelId="{68FEB837-C48C-4D67-BE0E-7C38B3225FF7}">
+      <dsp:nvSpPr>
+        <dsp:cNvPr id="0" name=""/>
+        <dsp:cNvSpPr/>
+      </dsp:nvSpPr>
+      <dsp:spPr>
+        <a:xfrm>
+          <a:off x="3200" y="621519"/>
+          <a:ext cx="3120293" cy="1222906"/>
+        </a:xfrm>
+        <a:prstGeom prst="rect">
+          <a:avLst/>
+        </a:prstGeom>
+        <a:solidFill>
+          <a:schemeClr val="accent1">
+            <a:hueOff val="0"/>
+            <a:satOff val="0"/>
+            <a:lumOff val="0"/>
+            <a:alphaOff val="0"/>
+          </a:schemeClr>
+        </a:solidFill>
+        <a:ln w="12700" cap="flat" cmpd="sng" algn="ctr">
+          <a:solidFill>
+            <a:schemeClr val="accent1">
+              <a:hueOff val="0"/>
+              <a:satOff val="0"/>
+              <a:lumOff val="0"/>
+              <a:alphaOff val="0"/>
+            </a:schemeClr>
+          </a:solidFill>
+          <a:prstDash val="solid"/>
+          <a:miter lim="800000"/>
+        </a:ln>
+        <a:effectLst/>
+      </dsp:spPr>
+      <dsp:style>
+        <a:lnRef idx="2">
+          <a:scrgbClr r="0" g="0" b="0"/>
+        </a:lnRef>
+        <a:fillRef idx="1">
+          <a:scrgbClr r="0" g="0" b="0"/>
+        </a:fillRef>
+        <a:effectRef idx="0">
+          <a:scrgbClr r="0" g="0" b="0"/>
+        </a:effectRef>
+        <a:fontRef idx="minor">
+          <a:schemeClr val="lt1"/>
+        </a:fontRef>
+      </dsp:style>
+      <dsp:txBody>
+        <a:bodyPr spcFirstLastPara="0" vert="horz" wrap="square" lIns="241808" tIns="138176" rIns="241808" bIns="138176" numCol="1" spcCol="1270" anchor="ctr" anchorCtr="0">
+          <a:noAutofit/>
+        </a:bodyPr>
+        <a:lstStyle/>
+        <a:p>
+          <a:pPr marL="0" lvl="0" indent="0" algn="ctr" defTabSz="1511300">
+            <a:lnSpc>
+              <a:spcPct val="90000"/>
+            </a:lnSpc>
+            <a:spcBef>
+              <a:spcPct val="0"/>
+            </a:spcBef>
+            <a:spcAft>
+              <a:spcPct val="35000"/>
+            </a:spcAft>
+            <a:buNone/>
+          </a:pPr>
+          <a:r>
+            <a:rPr lang="en-US" sz="3400" kern="1200" dirty="0"/>
+            <a:t>Data Cleaning</a:t>
+          </a:r>
+          <a:endParaRPr lang="en-GB" sz="3400" kern="1200" dirty="0"/>
+        </a:p>
+      </dsp:txBody>
+      <dsp:txXfrm>
+        <a:off x="3200" y="621519"/>
+        <a:ext cx="3120293" cy="1222906"/>
+      </dsp:txXfrm>
+    </dsp:sp>
+    <dsp:sp modelId="{9EEFC1A7-EA64-4296-A347-C01AAD5BE399}">
+      <dsp:nvSpPr>
+        <dsp:cNvPr id="0" name=""/>
+        <dsp:cNvSpPr/>
+      </dsp:nvSpPr>
+      <dsp:spPr>
+        <a:xfrm>
+          <a:off x="3200" y="1844425"/>
+          <a:ext cx="3120293" cy="1493279"/>
+        </a:xfrm>
+        <a:prstGeom prst="rect">
+          <a:avLst/>
+        </a:prstGeom>
+        <a:solidFill>
+          <a:schemeClr val="accent1">
+            <a:alpha val="90000"/>
+            <a:tint val="40000"/>
+            <a:hueOff val="0"/>
+            <a:satOff val="0"/>
+            <a:lumOff val="0"/>
+            <a:alphaOff val="0"/>
+          </a:schemeClr>
+        </a:solidFill>
+        <a:ln w="12700" cap="flat" cmpd="sng" algn="ctr">
+          <a:solidFill>
+            <a:schemeClr val="accent1">
+              <a:alpha val="90000"/>
+              <a:tint val="40000"/>
+              <a:hueOff val="0"/>
+              <a:satOff val="0"/>
+              <a:lumOff val="0"/>
+              <a:alphaOff val="0"/>
+            </a:schemeClr>
+          </a:solidFill>
+          <a:prstDash val="solid"/>
+          <a:miter lim="800000"/>
+        </a:ln>
+        <a:effectLst/>
+      </dsp:spPr>
+      <dsp:style>
+        <a:lnRef idx="2">
+          <a:scrgbClr r="0" g="0" b="0"/>
+        </a:lnRef>
+        <a:fillRef idx="1">
+          <a:scrgbClr r="0" g="0" b="0"/>
+        </a:fillRef>
+        <a:effectRef idx="0">
+          <a:scrgbClr r="0" g="0" b="0"/>
+        </a:effectRef>
+        <a:fontRef idx="minor"/>
+      </dsp:style>
+      <dsp:txBody>
+        <a:bodyPr spcFirstLastPara="0" vert="horz" wrap="square" lIns="181356" tIns="181356" rIns="241808" bIns="272034" numCol="1" spcCol="1270" anchor="t" anchorCtr="0">
+          <a:noAutofit/>
+        </a:bodyPr>
+        <a:lstStyle/>
+        <a:p>
+          <a:pPr marL="285750" lvl="1" indent="-285750" algn="l" defTabSz="1511300">
+            <a:lnSpc>
+              <a:spcPct val="90000"/>
+            </a:lnSpc>
+            <a:spcBef>
+              <a:spcPct val="0"/>
+            </a:spcBef>
+            <a:spcAft>
+              <a:spcPct val="15000"/>
+            </a:spcAft>
+            <a:buChar char="•"/>
+          </a:pPr>
+          <a:endParaRPr lang="en-GB" sz="3400" kern="1200"/>
+        </a:p>
+        <a:p>
+          <a:pPr marL="285750" lvl="1" indent="-285750" algn="l" defTabSz="1511300">
+            <a:lnSpc>
+              <a:spcPct val="90000"/>
+            </a:lnSpc>
+            <a:spcBef>
+              <a:spcPct val="0"/>
+            </a:spcBef>
+            <a:spcAft>
+              <a:spcPct val="15000"/>
+            </a:spcAft>
+            <a:buChar char="•"/>
+          </a:pPr>
+          <a:endParaRPr lang="en-GB" sz="3400" kern="1200"/>
+        </a:p>
+      </dsp:txBody>
+      <dsp:txXfrm>
+        <a:off x="3200" y="1844425"/>
+        <a:ext cx="3120293" cy="1493279"/>
+      </dsp:txXfrm>
+    </dsp:sp>
+    <dsp:sp modelId="{E9B9AB73-6D55-4638-B05B-638C95E71992}">
+      <dsp:nvSpPr>
+        <dsp:cNvPr id="0" name=""/>
+        <dsp:cNvSpPr/>
+      </dsp:nvSpPr>
+      <dsp:spPr>
+        <a:xfrm>
+          <a:off x="3560334" y="621519"/>
+          <a:ext cx="3120293" cy="1222906"/>
+        </a:xfrm>
+        <a:prstGeom prst="rect">
+          <a:avLst/>
+        </a:prstGeom>
+        <a:solidFill>
+          <a:schemeClr val="accent1">
+            <a:hueOff val="0"/>
+            <a:satOff val="0"/>
+            <a:lumOff val="0"/>
+            <a:alphaOff val="0"/>
+          </a:schemeClr>
+        </a:solidFill>
+        <a:ln w="12700" cap="flat" cmpd="sng" algn="ctr">
+          <a:solidFill>
+            <a:schemeClr val="accent1">
+              <a:hueOff val="0"/>
+              <a:satOff val="0"/>
+              <a:lumOff val="0"/>
+              <a:alphaOff val="0"/>
+            </a:schemeClr>
+          </a:solidFill>
+          <a:prstDash val="solid"/>
+          <a:miter lim="800000"/>
+        </a:ln>
+        <a:effectLst/>
+      </dsp:spPr>
+      <dsp:style>
+        <a:lnRef idx="2">
+          <a:scrgbClr r="0" g="0" b="0"/>
+        </a:lnRef>
+        <a:fillRef idx="1">
+          <a:scrgbClr r="0" g="0" b="0"/>
+        </a:fillRef>
+        <a:effectRef idx="0">
+          <a:scrgbClr r="0" g="0" b="0"/>
+        </a:effectRef>
+        <a:fontRef idx="minor">
+          <a:schemeClr val="lt1"/>
+        </a:fontRef>
+      </dsp:style>
+      <dsp:txBody>
+        <a:bodyPr spcFirstLastPara="0" vert="horz" wrap="square" lIns="241808" tIns="138176" rIns="241808" bIns="138176" numCol="1" spcCol="1270" anchor="ctr" anchorCtr="0">
+          <a:noAutofit/>
+        </a:bodyPr>
+        <a:lstStyle/>
+        <a:p>
+          <a:pPr marL="0" lvl="0" indent="0" algn="ctr" defTabSz="1511300">
+            <a:lnSpc>
+              <a:spcPct val="90000"/>
+            </a:lnSpc>
+            <a:spcBef>
+              <a:spcPct val="0"/>
+            </a:spcBef>
+            <a:spcAft>
+              <a:spcPct val="35000"/>
+            </a:spcAft>
+            <a:buNone/>
+          </a:pPr>
+          <a:r>
+            <a:rPr lang="en-US" sz="3400" kern="1200" dirty="0"/>
+            <a:t>Data Integration</a:t>
+          </a:r>
+          <a:endParaRPr lang="en-GB" sz="3400" kern="1200" dirty="0"/>
+        </a:p>
+      </dsp:txBody>
+      <dsp:txXfrm>
+        <a:off x="3560334" y="621519"/>
+        <a:ext cx="3120293" cy="1222906"/>
+      </dsp:txXfrm>
+    </dsp:sp>
+    <dsp:sp modelId="{718EB2CA-49AD-4E35-A4B5-A41110203C31}">
+      <dsp:nvSpPr>
+        <dsp:cNvPr id="0" name=""/>
+        <dsp:cNvSpPr/>
+      </dsp:nvSpPr>
+      <dsp:spPr>
+        <a:xfrm>
+          <a:off x="3560334" y="1844425"/>
+          <a:ext cx="3120293" cy="1493279"/>
+        </a:xfrm>
+        <a:prstGeom prst="rect">
+          <a:avLst/>
+        </a:prstGeom>
+        <a:solidFill>
+          <a:schemeClr val="accent1">
+            <a:alpha val="90000"/>
+            <a:tint val="40000"/>
+            <a:hueOff val="0"/>
+            <a:satOff val="0"/>
+            <a:lumOff val="0"/>
+            <a:alphaOff val="0"/>
+          </a:schemeClr>
+        </a:solidFill>
+        <a:ln w="12700" cap="flat" cmpd="sng" algn="ctr">
+          <a:solidFill>
+            <a:schemeClr val="accent1">
+              <a:alpha val="90000"/>
+              <a:tint val="40000"/>
+              <a:hueOff val="0"/>
+              <a:satOff val="0"/>
+              <a:lumOff val="0"/>
+              <a:alphaOff val="0"/>
+            </a:schemeClr>
+          </a:solidFill>
+          <a:prstDash val="solid"/>
+          <a:miter lim="800000"/>
+        </a:ln>
+        <a:effectLst/>
+      </dsp:spPr>
+      <dsp:style>
+        <a:lnRef idx="2">
+          <a:scrgbClr r="0" g="0" b="0"/>
+        </a:lnRef>
+        <a:fillRef idx="1">
+          <a:scrgbClr r="0" g="0" b="0"/>
+        </a:fillRef>
+        <a:effectRef idx="0">
+          <a:scrgbClr r="0" g="0" b="0"/>
+        </a:effectRef>
+        <a:fontRef idx="minor"/>
+      </dsp:style>
+      <dsp:txBody>
+        <a:bodyPr spcFirstLastPara="0" vert="horz" wrap="square" lIns="181356" tIns="181356" rIns="241808" bIns="272034" numCol="1" spcCol="1270" anchor="t" anchorCtr="0">
+          <a:noAutofit/>
+        </a:bodyPr>
+        <a:lstStyle/>
+        <a:p>
+          <a:pPr marL="285750" lvl="1" indent="-285750" algn="l" defTabSz="1511300">
+            <a:lnSpc>
+              <a:spcPct val="90000"/>
+            </a:lnSpc>
+            <a:spcBef>
+              <a:spcPct val="0"/>
+            </a:spcBef>
+            <a:spcAft>
+              <a:spcPct val="15000"/>
+            </a:spcAft>
+            <a:buChar char="•"/>
+          </a:pPr>
+          <a:endParaRPr lang="en-GB" sz="3400" kern="1200"/>
+        </a:p>
+        <a:p>
+          <a:pPr marL="285750" lvl="1" indent="-285750" algn="l" defTabSz="1511300">
+            <a:lnSpc>
+              <a:spcPct val="90000"/>
+            </a:lnSpc>
+            <a:spcBef>
+              <a:spcPct val="0"/>
+            </a:spcBef>
+            <a:spcAft>
+              <a:spcPct val="15000"/>
+            </a:spcAft>
+            <a:buChar char="•"/>
+          </a:pPr>
+          <a:endParaRPr lang="en-GB" sz="3400" kern="1200"/>
+        </a:p>
+      </dsp:txBody>
+      <dsp:txXfrm>
+        <a:off x="3560334" y="1844425"/>
+        <a:ext cx="3120293" cy="1493279"/>
+      </dsp:txXfrm>
+    </dsp:sp>
+    <dsp:sp modelId="{F2E9D860-6811-4A8F-92E5-C6E0D2C843DD}">
+      <dsp:nvSpPr>
+        <dsp:cNvPr id="0" name=""/>
+        <dsp:cNvSpPr/>
+      </dsp:nvSpPr>
+      <dsp:spPr>
+        <a:xfrm>
+          <a:off x="7117469" y="621519"/>
+          <a:ext cx="3120293" cy="1222906"/>
+        </a:xfrm>
+        <a:prstGeom prst="rect">
+          <a:avLst/>
+        </a:prstGeom>
+        <a:solidFill>
+          <a:schemeClr val="accent1">
+            <a:hueOff val="0"/>
+            <a:satOff val="0"/>
+            <a:lumOff val="0"/>
+            <a:alphaOff val="0"/>
+          </a:schemeClr>
+        </a:solidFill>
+        <a:ln w="12700" cap="flat" cmpd="sng" algn="ctr">
+          <a:solidFill>
+            <a:schemeClr val="accent1">
+              <a:hueOff val="0"/>
+              <a:satOff val="0"/>
+              <a:lumOff val="0"/>
+              <a:alphaOff val="0"/>
+            </a:schemeClr>
+          </a:solidFill>
+          <a:prstDash val="solid"/>
+          <a:miter lim="800000"/>
+        </a:ln>
+        <a:effectLst/>
+      </dsp:spPr>
+      <dsp:style>
+        <a:lnRef idx="2">
+          <a:scrgbClr r="0" g="0" b="0"/>
+        </a:lnRef>
+        <a:fillRef idx="1">
+          <a:scrgbClr r="0" g="0" b="0"/>
+        </a:fillRef>
+        <a:effectRef idx="0">
+          <a:scrgbClr r="0" g="0" b="0"/>
+        </a:effectRef>
+        <a:fontRef idx="minor">
+          <a:schemeClr val="lt1"/>
+        </a:fontRef>
+      </dsp:style>
+      <dsp:txBody>
+        <a:bodyPr spcFirstLastPara="0" vert="horz" wrap="square" lIns="241808" tIns="138176" rIns="241808" bIns="138176" numCol="1" spcCol="1270" anchor="ctr" anchorCtr="0">
+          <a:noAutofit/>
+        </a:bodyPr>
+        <a:lstStyle/>
+        <a:p>
+          <a:pPr marL="0" lvl="0" indent="0" algn="ctr" defTabSz="1511300">
+            <a:lnSpc>
+              <a:spcPct val="90000"/>
+            </a:lnSpc>
+            <a:spcBef>
+              <a:spcPct val="0"/>
+            </a:spcBef>
+            <a:spcAft>
+              <a:spcPct val="35000"/>
+            </a:spcAft>
+            <a:buNone/>
+          </a:pPr>
+          <a:r>
+            <a:rPr lang="en-US" sz="3400" kern="1200" dirty="0"/>
+            <a:t>Data </a:t>
+          </a:r>
+          <a:r>
+            <a:rPr lang="en-US" sz="3400" kern="1200" dirty="0" err="1"/>
+            <a:t>etc</a:t>
+          </a:r>
+          <a:endParaRPr lang="en-GB" sz="3400" kern="1200" dirty="0"/>
+        </a:p>
+      </dsp:txBody>
+      <dsp:txXfrm>
+        <a:off x="7117469" y="621519"/>
+        <a:ext cx="3120293" cy="1222906"/>
+      </dsp:txXfrm>
+    </dsp:sp>
+    <dsp:sp modelId="{7F5A2995-5AA7-4022-A0ED-7ABC3A81C85B}">
+      <dsp:nvSpPr>
+        <dsp:cNvPr id="0" name=""/>
+        <dsp:cNvSpPr/>
+      </dsp:nvSpPr>
+      <dsp:spPr>
+        <a:xfrm>
+          <a:off x="7117469" y="1844425"/>
+          <a:ext cx="3120293" cy="1493279"/>
+        </a:xfrm>
+        <a:prstGeom prst="rect">
+          <a:avLst/>
+        </a:prstGeom>
+        <a:solidFill>
+          <a:schemeClr val="accent1">
+            <a:alpha val="90000"/>
+            <a:tint val="40000"/>
+            <a:hueOff val="0"/>
+            <a:satOff val="0"/>
+            <a:lumOff val="0"/>
+            <a:alphaOff val="0"/>
+          </a:schemeClr>
+        </a:solidFill>
+        <a:ln w="12700" cap="flat" cmpd="sng" algn="ctr">
+          <a:solidFill>
+            <a:schemeClr val="accent1">
+              <a:alpha val="90000"/>
+              <a:tint val="40000"/>
+              <a:hueOff val="0"/>
+              <a:satOff val="0"/>
+              <a:lumOff val="0"/>
+              <a:alphaOff val="0"/>
+            </a:schemeClr>
+          </a:solidFill>
+          <a:prstDash val="solid"/>
+          <a:miter lim="800000"/>
+        </a:ln>
+        <a:effectLst/>
+      </dsp:spPr>
+      <dsp:style>
+        <a:lnRef idx="2">
+          <a:scrgbClr r="0" g="0" b="0"/>
+        </a:lnRef>
+        <a:fillRef idx="1">
+          <a:scrgbClr r="0" g="0" b="0"/>
+        </a:fillRef>
+        <a:effectRef idx="0">
+          <a:scrgbClr r="0" g="0" b="0"/>
+        </a:effectRef>
+        <a:fontRef idx="minor"/>
+      </dsp:style>
+      <dsp:txBody>
+        <a:bodyPr spcFirstLastPara="0" vert="horz" wrap="square" lIns="181356" tIns="181356" rIns="241808" bIns="272034" numCol="1" spcCol="1270" anchor="t" anchorCtr="0">
+          <a:noAutofit/>
+        </a:bodyPr>
+        <a:lstStyle/>
+        <a:p>
+          <a:pPr marL="285750" lvl="1" indent="-285750" algn="l" defTabSz="1511300">
+            <a:lnSpc>
+              <a:spcPct val="90000"/>
+            </a:lnSpc>
+            <a:spcBef>
+              <a:spcPct val="0"/>
+            </a:spcBef>
+            <a:spcAft>
+              <a:spcPct val="15000"/>
+            </a:spcAft>
+            <a:buChar char="•"/>
+          </a:pPr>
+          <a:endParaRPr lang="en-GB" sz="3400" kern="1200"/>
+        </a:p>
+        <a:p>
+          <a:pPr marL="285750" lvl="1" indent="-285750" algn="l" defTabSz="1511300">
+            <a:lnSpc>
+              <a:spcPct val="90000"/>
+            </a:lnSpc>
+            <a:spcBef>
+              <a:spcPct val="0"/>
+            </a:spcBef>
+            <a:spcAft>
+              <a:spcPct val="15000"/>
+            </a:spcAft>
+            <a:buChar char="•"/>
+          </a:pPr>
+          <a:endParaRPr lang="en-GB" sz="3400" kern="1200"/>
+        </a:p>
+      </dsp:txBody>
+      <dsp:txXfrm>
+        <a:off x="7117469" y="1844425"/>
+        <a:ext cx="3120293" cy="1493279"/>
+      </dsp:txXfrm>
+    </dsp:sp>
+  </dsp:spTree>
+</dsp:drawing>
+</file>
+
+<file path=ppt/diagrams/layout1.xml><?xml version="1.0" encoding="utf-8"?>
+<dgm:layoutDef xmlns:dgm="http://schemas.openxmlformats.org/drawingml/2006/diagram" xmlns:a="http://schemas.openxmlformats.org/drawingml/2006/main" uniqueId="urn:microsoft.com/office/officeart/2005/8/layout/hList1">
+  <dgm:title val=""/>
+  <dgm:desc val=""/>
+  <dgm:catLst>
+    <dgm:cat type="list" pri="5000"/>
+    <dgm:cat type="convert" pri="5000"/>
+  </dgm:catLst>
+  <dgm:sampData>
+    <dgm:dataModel>
+      <dgm:ptLst>
+        <dgm:pt modelId="0" type="doc"/>
+        <dgm:pt modelId="1">
+          <dgm:prSet phldr="1"/>
+        </dgm:pt>
+        <dgm:pt modelId="11">
+          <dgm:prSet phldr="1"/>
+        </dgm:pt>
+        <dgm:pt modelId="12">
+          <dgm:prSet phldr="1"/>
+        </dgm:pt>
+        <dgm:pt modelId="2">
+          <dgm:prSet phldr="1"/>
+        </dgm:pt>
+        <dgm:pt modelId="21">
+          <dgm:prSet phldr="1"/>
+        </dgm:pt>
+        <dgm:pt modelId="22">
+          <dgm:prSet phldr="1"/>
+        </dgm:pt>
+        <dgm:pt modelId="3">
+          <dgm:prSet phldr="1"/>
+        </dgm:pt>
+        <dgm:pt modelId="31">
+          <dgm:prSet phldr="1"/>
+        </dgm:pt>
+        <dgm:pt modelId="32">
+          <dgm:prSet phldr="1"/>
+        </dgm:pt>
+      </dgm:ptLst>
+      <dgm:cxnLst>
+        <dgm:cxn modelId="4" srcId="0" destId="1" srcOrd="0" destOrd="0"/>
+        <dgm:cxn modelId="5" srcId="0" destId="2" srcOrd="1" destOrd="0"/>
+        <dgm:cxn modelId="6" srcId="0" destId="3" srcOrd="2" destOrd="0"/>
+        <dgm:cxn modelId="13" srcId="1" destId="11" srcOrd="0" destOrd="0"/>
+        <dgm:cxn modelId="14" srcId="1" destId="12" srcOrd="1" destOrd="0"/>
+        <dgm:cxn modelId="23" srcId="2" destId="21" srcOrd="0" destOrd="0"/>
+        <dgm:cxn modelId="24" srcId="2" destId="22" srcOrd="1" destOrd="0"/>
+        <dgm:cxn modelId="33" srcId="3" destId="31" srcOrd="0" destOrd="0"/>
+        <dgm:cxn modelId="34" srcId="3" destId="32" srcOrd="1" destOrd="0"/>
+      </dgm:cxnLst>
+      <dgm:bg/>
+      <dgm:whole/>
+    </dgm:dataModel>
+  </dgm:sampData>
+  <dgm:styleData>
+    <dgm:dataModel>
+      <dgm:ptLst>
+        <dgm:pt modelId="0" type="doc"/>
+        <dgm:pt modelId="1">
+          <dgm:prSet phldr="1"/>
+        </dgm:pt>
+        <dgm:pt modelId="2">
+          <dgm:prSet phldr="1"/>
+        </dgm:pt>
+      </dgm:ptLst>
+      <dgm:cxnLst>
+        <dgm:cxn modelId="3" srcId="0" destId="1" srcOrd="0" destOrd="0"/>
+        <dgm:cxn modelId="4" srcId="0" destId="2" srcOrd="1" destOrd="0"/>
+      </dgm:cxnLst>
+      <dgm:bg/>
+      <dgm:whole/>
+    </dgm:dataModel>
+  </dgm:styleData>
+  <dgm:clrData>
+    <dgm:dataModel>
+      <dgm:ptLst>
+        <dgm:pt modelId="0" type="doc"/>
+        <dgm:pt modelId="1">
+          <dgm:prSet phldr="1"/>
+        </dgm:pt>
+        <dgm:pt modelId="2">
+          <dgm:prSet phldr="1"/>
+        </dgm:pt>
+        <dgm:pt modelId="3">
+          <dgm:prSet phldr="1"/>
+        </dgm:pt>
+        <dgm:pt modelId="4">
+          <dgm:prSet phldr="1"/>
+        </dgm:pt>
+      </dgm:ptLst>
+      <dgm:cxnLst>
+        <dgm:cxn modelId="5" srcId="0" destId="1" srcOrd="0" destOrd="0"/>
+        <dgm:cxn modelId="6" srcId="0" destId="2" srcOrd="1" destOrd="0"/>
+        <dgm:cxn modelId="7" srcId="0" destId="3" srcOrd="2" destOrd="0"/>
+        <dgm:cxn modelId="8" srcId="0" destId="4" srcOrd="3" destOrd="0"/>
+      </dgm:cxnLst>
+      <dgm:bg/>
+      <dgm:whole/>
+    </dgm:dataModel>
+  </dgm:clrData>
+  <dgm:layoutNode name="Name0">
+    <dgm:varLst>
+      <dgm:dir/>
+      <dgm:animLvl val="lvl"/>
+      <dgm:resizeHandles val="exact"/>
+    </dgm:varLst>
+    <dgm:choose name="Name1">
+      <dgm:if name="Name2" func="var" arg="dir" op="equ" val="norm">
+        <dgm:alg type="lin"/>
+      </dgm:if>
+      <dgm:else name="Name3">
+        <dgm:alg type="lin">
+          <dgm:param type="linDir" val="fromR"/>
+        </dgm:alg>
+      </dgm:else>
+    </dgm:choose>
+    <dgm:shape xmlns:r="http://schemas.openxmlformats.org/officeDocument/2006/relationships" r:blip="">
+      <dgm:adjLst/>
+    </dgm:shape>
+    <dgm:presOf/>
+    <dgm:constrLst>
+      <dgm:constr type="h" for="ch" forName="composite" refType="h"/>
+      <dgm:constr type="w" for="ch" forName="composite" refType="w"/>
+      <dgm:constr type="w" for="des" forName="parTx"/>
+      <dgm:constr type="h" for="des" forName="parTx" op="equ"/>
+      <dgm:constr type="w" for="des" forName="desTx"/>
+      <dgm:constr type="h" for="des" forName="desTx" op="equ"/>
+      <dgm:constr type="primFontSz" for="des" forName="parTx" val="65"/>
+      <dgm:constr type="secFontSz" for="des" forName="desTx" refType="primFontSz" refFor="des" refForName="parTx" op="equ"/>
+      <dgm:constr type="h" for="des" forName="parTx" refType="primFontSz" refFor="des" refForName="parTx" fact="0.8"/>
+      <dgm:constr type="h" for="des" forName="desTx" refType="primFontSz" refFor="des" refForName="parTx" fact="1.22"/>
+      <dgm:constr type="w" for="ch" forName="space" refType="w" refFor="ch" refForName="composite" op="equ" fact="0.14"/>
+    </dgm:constrLst>
+    <dgm:ruleLst>
+      <dgm:rule type="w" for="ch" forName="composite" val="0" fact="NaN" max="NaN"/>
+      <dgm:rule type="primFontSz" for="des" forName="parTx" val="5" fact="NaN" max="NaN"/>
+    </dgm:ruleLst>
+    <dgm:forEach name="Name4" axis="ch" ptType="node">
+      <dgm:layoutNode name="composite">
+        <dgm:alg type="composite"/>
+        <dgm:shape xmlns:r="http://schemas.openxmlformats.org/officeDocument/2006/relationships" r:blip="">
+          <dgm:adjLst/>
+        </dgm:shape>
+        <dgm:presOf/>
+        <dgm:constrLst>
+          <dgm:constr type="l" for="ch" forName="parTx"/>
+          <dgm:constr type="w" for="ch" forName="parTx" refType="w"/>
+          <dgm:constr type="t" for="ch" forName="parTx"/>
+          <dgm:constr type="l" for="ch" forName="desTx"/>
+          <dgm:constr type="w" for="ch" forName="desTx" refType="w" refFor="ch" refForName="parTx"/>
+          <dgm:constr type="t" for="ch" forName="desTx" refType="h" refFor="ch" refForName="parTx"/>
+        </dgm:constrLst>
+        <dgm:ruleLst>
+          <dgm:rule type="h" val="INF" fact="NaN" max="NaN"/>
+        </dgm:ruleLst>
+        <dgm:layoutNode name="parTx" styleLbl="alignNode1">
+          <dgm:varLst>
+            <dgm:chMax val="0"/>
+            <dgm:chPref val="0"/>
+            <dgm:bulletEnabled val="1"/>
+          </dgm:varLst>
+          <dgm:alg type="tx"/>
+          <dgm:shape xmlns:r="http://schemas.openxmlformats.org/officeDocument/2006/relationships" type="rect" r:blip="">
+            <dgm:adjLst/>
+          </dgm:shape>
+          <dgm:presOf axis="self" ptType="node"/>
+          <dgm:constrLst>
+            <dgm:constr type="h" refType="w" op="lte" fact="0.4"/>
+            <dgm:constr type="h"/>
+            <dgm:constr type="tMarg" refType="primFontSz" fact="0.32"/>
+            <dgm:constr type="bMarg" refType="primFontSz" fact="0.32"/>
+          </dgm:constrLst>
+          <dgm:ruleLst>
+            <dgm:rule type="h" val="INF" fact="NaN" max="NaN"/>
+          </dgm:ruleLst>
+        </dgm:layoutNode>
+        <dgm:layoutNode name="desTx" styleLbl="alignAccFollowNode1">
+          <dgm:varLst>
+            <dgm:bulletEnabled val="1"/>
+          </dgm:varLst>
+          <dgm:alg type="tx">
+            <dgm:param type="stBulletLvl" val="1"/>
+          </dgm:alg>
+          <dgm:shape xmlns:r="http://schemas.openxmlformats.org/officeDocument/2006/relationships" type="rect" r:blip="">
+            <dgm:adjLst/>
+          </dgm:shape>
+          <dgm:presOf axis="des" ptType="node"/>
+          <dgm:constrLst>
+            <dgm:constr type="secFontSz" val="65"/>
+            <dgm:constr type="primFontSz" refType="secFontSz"/>
+            <dgm:constr type="h"/>
+            <dgm:constr type="lMarg" refType="primFontSz" fact="0.42"/>
+            <dgm:constr type="tMarg" refType="primFontSz" fact="0.42"/>
+            <dgm:constr type="bMarg" refType="primFontSz" fact="0.63"/>
+          </dgm:constrLst>
+          <dgm:ruleLst>
+            <dgm:rule type="h" val="INF" fact="NaN" max="NaN"/>
+          </dgm:ruleLst>
+        </dgm:layoutNode>
+      </dgm:layoutNode>
+      <dgm:forEach name="Name5" axis="followSib" ptType="sibTrans" cnt="1">
+        <dgm:layoutNode name="space">
+          <dgm:alg type="sp"/>
+          <dgm:shape xmlns:r="http://schemas.openxmlformats.org/officeDocument/2006/relationships" r:blip="">
+            <dgm:adjLst/>
+          </dgm:shape>
+          <dgm:presOf/>
+          <dgm:constrLst/>
+          <dgm:ruleLst/>
+        </dgm:layoutNode>
+      </dgm:forEach>
+    </dgm:forEach>
+  </dgm:layoutNode>
+</dgm:layoutDef>
+</file>
+
+<file path=ppt/diagrams/quickStyle1.xml><?xml version="1.0" encoding="utf-8"?>
+<dgm:styleDef xmlns:dgm="http://schemas.openxmlformats.org/drawingml/2006/diagram" xmlns:a="http://schemas.openxmlformats.org/drawingml/2006/main" uniqueId="urn:microsoft.com/office/officeart/2005/8/quickstyle/simple1">
+  <dgm:title val=""/>
+  <dgm:desc val=""/>
+  <dgm:catLst>
+    <dgm:cat type="simple" pri="10100"/>
+  </dgm:catLst>
+  <dgm:scene3d>
+    <a:camera prst="orthographicFront"/>
+    <a:lightRig rig="threePt" dir="t"/>
+  </dgm:scene3d>
+  <dgm:styleLbl name="node0">
+    <dgm:scene3d>
+      <a:camera prst="orthographicFront"/>
+      <a:lightRig rig="threePt" dir="t"/>
+    </dgm:scene3d>
+    <dgm:sp3d/>
+    <dgm:txPr/>
+    <dgm:style>
+      <a:lnRef idx="2">
+        <a:scrgbClr r="0" g="0" b="0"/>
+      </a:lnRef>
+      <a:fillRef idx="1">
+        <a:scrgbClr r="0" g="0" b="0"/>
+      </a:fillRef>
+      <a:effectRef idx="0">
+        <a:scrgbClr r="0" g="0" b="0"/>
+      </a:effectRef>
+      <a:fontRef idx="minor">
+        <a:schemeClr val="lt1"/>
+      </a:fontRef>
+    </dgm:style>
+  </dgm:styleLbl>
+  <dgm:styleLbl name="lnNode1">
+    <dgm:scene3d>
+      <a:camera prst="orthographicFront"/>
+      <a:lightRig rig="threePt" dir="t"/>
+    </dgm:scene3d>
+    <dgm:sp3d/>
+    <dgm:txPr/>
+    <dgm:style>
+      <a:lnRef idx="2">
+        <a:scrgbClr r="0" g="0" b="0"/>
+      </a:lnRef>
+      <a:fillRef idx="1">
+        <a:scrgbClr r="0" g="0" b="0"/>
+      </a:fillRef>
+      <a:effectRef idx="0">
+        <a:scrgbClr r="0" g="0" b="0"/>
+      </a:effectRef>
+      <a:fontRef idx="minor">
+        <a:schemeClr val="lt1"/>
+      </a:fontRef>
+    </dgm:style>
+  </dgm:styleLbl>
+  <dgm:styleLbl name="vennNode1">
+    <dgm:scene3d>
+      <a:camera prst="orthographicFront"/>
+      <a:lightRig rig="threePt" dir="t"/>
+    </dgm:scene3d>
+    <dgm:sp3d/>
+    <dgm:txPr/>
+    <dgm:style>
+      <a:lnRef idx="2">
+        <a:scrgbClr r="0" g="0" b="0"/>
+      </a:lnRef>
+      <a:fillRef idx="1">
+        <a:scrgbClr r="0" g="0" b="0"/>
+      </a:fillRef>
+      <a:effectRef idx="0">
+        <a:scrgbClr r="0" g="0" b="0"/>
+      </a:effectRef>
+      <a:fontRef idx="minor">
+        <a:schemeClr val="tx1"/>
+      </a:fontRef>
+    </dgm:style>
+  </dgm:styleLbl>
+  <dgm:styleLbl name="alignNode1">
+    <dgm:scene3d>
+      <a:camera prst="orthographicFront"/>
+      <a:lightRig rig="threePt" dir="t"/>
+    </dgm:scene3d>
+    <dgm:sp3d/>
+    <dgm:txPr/>
+    <dgm:style>
+      <a:lnRef idx="2">
+        <a:scrgbClr r="0" g="0" b="0"/>
+      </a:lnRef>
+      <a:fillRef idx="1">
+        <a:scrgbClr r="0" g="0" b="0"/>
+      </a:fillRef>
+      <a:effectRef idx="0">
+        <a:scrgbClr r="0" g="0" b="0"/>
+      </a:effectRef>
+      <a:fontRef idx="minor">
+        <a:schemeClr val="lt1"/>
+      </a:fontRef>
+    </dgm:style>
+  </dgm:styleLbl>
+  <dgm:styleLbl name="node1">
+    <dgm:scene3d>
+      <a:camera prst="orthographicFront"/>
+      <a:lightRig rig="threePt" dir="t"/>
+    </dgm:scene3d>
+    <dgm:sp3d/>
+    <dgm:txPr/>
+    <dgm:style>
+      <a:lnRef idx="2">
+        <a:scrgbClr r="0" g="0" b="0"/>
+      </a:lnRef>
+      <a:fillRef idx="1">
+        <a:scrgbClr r="0" g="0" b="0"/>
+      </a:fillRef>
+      <a:effectRef idx="0">
+        <a:scrgbClr r="0" g="0" b="0"/>
+      </a:effectRef>
+      <a:fontRef idx="minor">
+        <a:schemeClr val="lt1"/>
+      </a:fontRef>
+    </dgm:style>
+  </dgm:styleLbl>
+  <dgm:styleLbl name="node2">
+    <dgm:scene3d>
+      <a:camera prst="orthographicFront"/>
+      <a:lightRig rig="threePt" dir="t"/>
+    </dgm:scene3d>
+    <dgm:sp3d/>
+    <dgm:txPr/>
+    <dgm:style>
+      <a:lnRef idx="2">
+        <a:scrgbClr r="0" g="0" b="0"/>
+      </a:lnRef>
+      <a:fillRef idx="1">
+        <a:scrgbClr r="0" g="0" b="0"/>
+      </a:fillRef>
+      <a:effectRef idx="0">
+        <a:scrgbClr r="0" g="0" b="0"/>
+      </a:effectRef>
+      <a:fontRef idx="minor">
+        <a:schemeClr val="lt1"/>
+      </a:fontRef>
+    </dgm:style>
+  </dgm:styleLbl>
+  <dgm:styleLbl name="node3">
+    <dgm:scene3d>
+      <a:camera prst="orthographicFront"/>
+      <a:lightRig rig="threePt" dir="t"/>
+    </dgm:scene3d>
+    <dgm:sp3d/>
+    <dgm:txPr/>
+    <dgm:style>
+      <a:lnRef idx="2">
+        <a:scrgbClr r="0" g="0" b="0"/>
+      </a:lnRef>
+      <a:fillRef idx="1">
+        <a:scrgbClr r="0" g="0" b="0"/>
+      </a:fillRef>
+      <a:effectRef idx="0">
+        <a:scrgbClr r="0" g="0" b="0"/>
+      </a:effectRef>
+      <a:fontRef idx="minor">
+        <a:schemeClr val="lt1"/>
+      </a:fontRef>
+    </dgm:style>
+  </dgm:styleLbl>
+  <dgm:styleLbl name="node4">
+    <dgm:scene3d>
+      <a:camera prst="orthographicFront"/>
+      <a:lightRig rig="threePt" dir="t"/>
+    </dgm:scene3d>
+    <dgm:sp3d/>
+    <dgm:txPr/>
+    <dgm:style>
+      <a:lnRef idx="2">
+        <a:scrgbClr r="0" g="0" b="0"/>
+      </a:lnRef>
+      <a:fillRef idx="1">
+        <a:scrgbClr r="0" g="0" b="0"/>
+      </a:fillRef>
+      <a:effectRef idx="0">
+        <a:scrgbClr r="0" g="0" b="0"/>
+      </a:effectRef>
+      <a:fontRef idx="minor">
+        <a:schemeClr val="lt1"/>
+      </a:fontRef>
+    </dgm:style>
+  </dgm:styleLbl>
+  <dgm:styleLbl name="fgImgPlace1">
+    <dgm:scene3d>
+      <a:camera prst="orthographicFront"/>
+      <a:lightRig rig="threePt" dir="t"/>
+    </dgm:scene3d>
+    <dgm:sp3d/>
+    <dgm:txPr/>
+    <dgm:style>
+      <a:lnRef idx="2">
+        <a:scrgbClr r="0" g="0" b="0"/>
+      </a:lnRef>
+      <a:fillRef idx="1">
+        <a:scrgbClr r="0" g="0" b="0"/>
+      </a:fillRef>
+      <a:effectRef idx="0">
+        <a:scrgbClr r="0" g="0" b="0"/>
+      </a:effectRef>
+      <a:fontRef idx="minor"/>
+    </dgm:style>
+  </dgm:styleLbl>
+  <dgm:styleLbl name="alignImgPlace1">
+    <dgm:scene3d>
+      <a:camera prst="orthographicFront"/>
+      <a:lightRig rig="threePt" dir="t"/>
+    </dgm:scene3d>
+    <dgm:sp3d/>
+    <dgm:txPr/>
+    <dgm:style>
+      <a:lnRef idx="2">
+        <a:scrgbClr r="0" g="0" b="0"/>
+      </a:lnRef>
+      <a:fillRef idx="1">
+        <a:scrgbClr r="0" g="0" b="0"/>
+      </a:fillRef>
+      <a:effectRef idx="0">
+        <a:scrgbClr r="0" g="0" b="0"/>
+      </a:effectRef>
+      <a:fontRef idx="minor"/>
+    </dgm:style>
+  </dgm:styleLbl>
+  <dgm:styleLbl name="bgImgPlace1">
+    <dgm:scene3d>
+      <a:camera prst="orthographicFront"/>
+      <a:lightRig rig="threePt" dir="t"/>
+    </dgm:scene3d>
+    <dgm:sp3d/>
+    <dgm:txPr/>
+    <dgm:style>
+      <a:lnRef idx="2">
+        <a:scrgbClr r="0" g="0" b="0"/>
+      </a:lnRef>
+      <a:fillRef idx="1">
+        <a:scrgbClr r="0" g="0" b="0"/>
+      </a:fillRef>
+      <a:effectRef idx="0">
+        <a:scrgbClr r="0" g="0" b="0"/>
+      </a:effectRef>
+      <a:fontRef idx="minor"/>
+    </dgm:style>
+  </dgm:styleLbl>
+  <dgm:styleLbl name="sibTrans2D1">
+    <dgm:scene3d>
+      <a:camera prst="orthographicFront"/>
+      <a:lightRig rig="threePt" dir="t"/>
+    </dgm:scene3d>
+    <dgm:sp3d/>
+    <dgm:txPr/>
+    <dgm:style>
+      <a:lnRef idx="0">
+        <a:scrgbClr r="0" g="0" b="0"/>
+      </a:lnRef>
+      <a:fillRef idx="1">
+        <a:scrgbClr r="0" g="0" b="0"/>
+      </a:fillRef>
+      <a:effectRef idx="0">
+        <a:scrgbClr r="0" g="0" b="0"/>
+      </a:effectRef>
+      <a:fontRef idx="minor">
+        <a:schemeClr val="lt1"/>
+      </a:fontRef>
+    </dgm:style>
+  </dgm:styleLbl>
+  <dgm:styleLbl name="fgSibTrans2D1">
+    <dgm:scene3d>
+      <a:camera prst="orthographicFront"/>
+      <a:lightRig rig="threePt" dir="t"/>
+    </dgm:scene3d>
+    <dgm:sp3d/>
+    <dgm:txPr/>
+    <dgm:style>
+      <a:lnRef idx="0">
+        <a:scrgbClr r="0" g="0" b="0"/>
+      </a:lnRef>
+      <a:fillRef idx="1">
+        <a:scrgbClr r="0" g="0" b="0"/>
+      </a:fillRef>
+      <a:effectRef idx="0">
+        <a:scrgbClr r="0" g="0" b="0"/>
+      </a:effectRef>
+      <a:fontRef idx="minor">
+        <a:schemeClr val="lt1"/>
+      </a:fontRef>
+    </dgm:style>
+  </dgm:styleLbl>
+  <dgm:styleLbl name="bgSibTrans2D1">
+    <dgm:scene3d>
+      <a:camera prst="orthographicFront"/>
+      <a:lightRig rig="threePt" dir="t"/>
+    </dgm:scene3d>
+    <dgm:sp3d/>
+    <dgm:txPr/>
+    <dgm:style>
+      <a:lnRef idx="0">
+        <a:scrgbClr r="0" g="0" b="0"/>
+      </a:lnRef>
+      <a:fillRef idx="1">
+        <a:scrgbClr r="0" g="0" b="0"/>
+      </a:fillRef>
+      <a:effectRef idx="0">
+        <a:scrgbClr r="0" g="0" b="0"/>
+      </a:effectRef>
+      <a:fontRef idx="minor">
+        <a:schemeClr val="lt1"/>
+      </a:fontRef>
+    </dgm:style>
+  </dgm:styleLbl>
+  <dgm:styleLbl name="sibTrans1D1">
+    <dgm:scene3d>
+      <a:camera prst="orthographicFront"/>
+      <a:lightRig rig="threePt" dir="t"/>
+    </dgm:scene3d>
+    <dgm:sp3d/>
+    <dgm:txPr/>
+    <dgm:style>
+      <a:lnRef idx="1">
+        <a:scrgbClr r="0" g="0" b="0"/>
+      </a:lnRef>
+      <a:fillRef idx="0">
+        <a:scrgbClr r="0" g="0" b="0"/>
+      </a:fillRef>
+      <a:effectRef idx="0">
+        <a:scrgbClr r="0" g="0" b="0"/>
+      </a:effectRef>
+      <a:fontRef idx="minor"/>
+    </dgm:style>
+  </dgm:styleLbl>
+  <dgm:styleLbl name="callout">
+    <dgm:scene3d>
+      <a:camera prst="orthographicFront"/>
+      <a:lightRig rig="threePt" dir="t"/>
+    </dgm:scene3d>
+    <dgm:sp3d/>
+    <dgm:txPr/>
+    <dgm:style>
+      <a:lnRef idx="2">
+        <a:scrgbClr r="0" g="0" b="0"/>
+      </a:lnRef>
+      <a:fillRef idx="1">
+        <a:scrgbClr r="0" g="0" b="0"/>
+      </a:fillRef>
+      <a:effectRef idx="0">
+        <a:scrgbClr r="0" g="0" b="0"/>
+      </a:effectRef>
+      <a:fontRef idx="minor"/>
+    </dgm:style>
+  </dgm:styleLbl>
+  <dgm:styleLbl name="asst0">
+    <dgm:scene3d>
+      <a:camera prst="orthographicFront"/>
+      <a:lightRig rig="threePt" dir="t"/>
+    </dgm:scene3d>
+    <dgm:sp3d/>
+    <dgm:txPr/>
+    <dgm:style>
+      <a:lnRef idx="2">
+        <a:scrgbClr r="0" g="0" b="0"/>
+      </a:lnRef>
+      <a:fillRef idx="1">
+        <a:scrgbClr r="0" g="0" b="0"/>
+      </a:fillRef>
+      <a:effectRef idx="0">
+        <a:scrgbClr r="0" g="0" b="0"/>
+      </a:effectRef>
+      <a:fontRef idx="minor">
+        <a:schemeClr val="lt1"/>
+      </a:fontRef>
+    </dgm:style>
+  </dgm:styleLbl>
+  <dgm:styleLbl name="asst1">
+    <dgm:scene3d>
+      <a:camera prst="orthographicFront"/>
+      <a:lightRig rig="threePt" dir="t"/>
+    </dgm:scene3d>
+    <dgm:sp3d/>
+    <dgm:txPr/>
+    <dgm:style>
+      <a:lnRef idx="2">
+        <a:scrgbClr r="0" g="0" b="0"/>
+      </a:lnRef>
+      <a:fillRef idx="1">
+        <a:scrgbClr r="0" g="0" b="0"/>
+      </a:fillRef>
+      <a:effectRef idx="0">
+        <a:scrgbClr r="0" g="0" b="0"/>
+      </a:effectRef>
+      <a:fontRef idx="minor">
+        <a:schemeClr val="lt1"/>
+      </a:fontRef>
+    </dgm:style>
+  </dgm:styleLbl>
+  <dgm:styleLbl name="asst2">
+    <dgm:scene3d>
+      <a:camera prst="orthographicFront"/>
+      <a:lightRig rig="threePt" dir="t"/>
+    </dgm:scene3d>
+    <dgm:sp3d/>
+    <dgm:txPr/>
+    <dgm:style>
+      <a:lnRef idx="2">
+        <a:scrgbClr r="0" g="0" b="0"/>
+      </a:lnRef>
+      <a:fillRef idx="1">
+        <a:scrgbClr r="0" g="0" b="0"/>
+      </a:fillRef>
+      <a:effectRef idx="0">
+        <a:scrgbClr r="0" g="0" b="0"/>
+      </a:effectRef>
+      <a:fontRef idx="minor">
+        <a:schemeClr val="lt1"/>
+      </a:fontRef>
+    </dgm:style>
+  </dgm:styleLbl>
+  <dgm:styleLbl name="asst3">
+    <dgm:scene3d>
+      <a:camera prst="orthographicFront"/>
+      <a:lightRig rig="threePt" dir="t"/>
+    </dgm:scene3d>
+    <dgm:sp3d/>
+    <dgm:txPr/>
+    <dgm:style>
+      <a:lnRef idx="2">
+        <a:scrgbClr r="0" g="0" b="0"/>
+      </a:lnRef>
+      <a:fillRef idx="1">
+        <a:scrgbClr r="0" g="0" b="0"/>
+      </a:fillRef>
+      <a:effectRef idx="0">
+        <a:scrgbClr r="0" g="0" b="0"/>
+      </a:effectRef>
+      <a:fontRef idx="minor">
+        <a:schemeClr val="lt1"/>
+      </a:fontRef>
+    </dgm:style>
+  </dgm:styleLbl>
+  <dgm:styleLbl name="asst4">
+    <dgm:scene3d>
+      <a:camera prst="orthographicFront"/>
+      <a:lightRig rig="threePt" dir="t"/>
+    </dgm:scene3d>
+    <dgm:sp3d/>
+    <dgm:txPr/>
+    <dgm:style>
+      <a:lnRef idx="2">
+        <a:scrgbClr r="0" g="0" b="0"/>
+      </a:lnRef>
+      <a:fillRef idx="1">
+        <a:scrgbClr r="0" g="0" b="0"/>
+      </a:fillRef>
+      <a:effectRef idx="0">
+        <a:scrgbClr r="0" g="0" b="0"/>
+      </a:effectRef>
+      <a:fontRef idx="minor">
+        <a:schemeClr val="lt1"/>
+      </a:fontRef>
+    </dgm:style>
+  </dgm:styleLbl>
+  <dgm:styleLbl name="parChTrans2D1">
+    <dgm:scene3d>
+      <a:camera prst="orthographicFront"/>
+      <a:lightRig rig="threePt" dir="t"/>
+    </dgm:scene3d>
+    <dgm:sp3d/>
+    <dgm:txPr/>
+    <dgm:style>
+      <a:lnRef idx="2">
+        <a:scrgbClr r="0" g="0" b="0"/>
+      </a:lnRef>
+      <a:fillRef idx="1">
+        <a:scrgbClr r="0" g="0" b="0"/>
+      </a:fillRef>
+      <a:effectRef idx="0">
+        <a:scrgbClr r="0" g="0" b="0"/>
+      </a:effectRef>
+      <a:fontRef idx="minor">
+        <a:schemeClr val="lt1"/>
+      </a:fontRef>
+    </dgm:style>
+  </dgm:styleLbl>
+  <dgm:styleLbl name="parChTrans2D2">
+    <dgm:scene3d>
+      <a:camera prst="orthographicFront"/>
+      <a:lightRig rig="threePt" dir="t"/>
+    </dgm:scene3d>
+    <dgm:sp3d/>
+    <dgm:txPr/>
+    <dgm:style>
+      <a:lnRef idx="2">
+        <a:scrgbClr r="0" g="0" b="0"/>
+      </a:lnRef>
+      <a:fillRef idx="1">
+        <a:scrgbClr r="0" g="0" b="0"/>
+      </a:fillRef>
+      <a:effectRef idx="0">
+        <a:scrgbClr r="0" g="0" b="0"/>
+      </a:effectRef>
+      <a:fontRef idx="minor">
+        <a:schemeClr val="lt1"/>
+      </a:fontRef>
+    </dgm:style>
+  </dgm:styleLbl>
+  <dgm:styleLbl name="parChTrans2D3">
+    <dgm:scene3d>
+      <a:camera prst="orthographicFront"/>
+      <a:lightRig rig="threePt" dir="t"/>
+    </dgm:scene3d>
+    <dgm:sp3d/>
+    <dgm:txPr/>
+    <dgm:style>
+      <a:lnRef idx="2">
+        <a:scrgbClr r="0" g="0" b="0"/>
+      </a:lnRef>
+      <a:fillRef idx="1">
+        <a:scrgbClr r="0" g="0" b="0"/>
+      </a:fillRef>
+      <a:effectRef idx="0">
+        <a:scrgbClr r="0" g="0" b="0"/>
+      </a:effectRef>
+      <a:fontRef idx="minor">
+        <a:schemeClr val="lt1"/>
+      </a:fontRef>
+    </dgm:style>
+  </dgm:styleLbl>
+  <dgm:styleLbl name="parChTrans2D4">
+    <dgm:scene3d>
+      <a:camera prst="orthographicFront"/>
+      <a:lightRig rig="threePt" dir="t"/>
+    </dgm:scene3d>
+    <dgm:sp3d/>
+    <dgm:txPr/>
+    <dgm:style>
+      <a:lnRef idx="2">
+        <a:scrgbClr r="0" g="0" b="0"/>
+      </a:lnRef>
+      <a:fillRef idx="1">
+        <a:scrgbClr r="0" g="0" b="0"/>
+      </a:fillRef>
+      <a:effectRef idx="0">
+        <a:scrgbClr r="0" g="0" b="0"/>
+      </a:effectRef>
+      <a:fontRef idx="minor">
+        <a:schemeClr val="lt1"/>
+      </a:fontRef>
+    </dgm:style>
+  </dgm:styleLbl>
+  <dgm:styleLbl name="parChTrans1D1">
+    <dgm:scene3d>
+      <a:camera prst="orthographicFront"/>
+      <a:lightRig rig="threePt" dir="t"/>
+    </dgm:scene3d>
+    <dgm:sp3d/>
+    <dgm:txPr/>
+    <dgm:style>
+      <a:lnRef idx="2">
+        <a:scrgbClr r="0" g="0" b="0"/>
+      </a:lnRef>
+      <a:fillRef idx="0">
+        <a:scrgbClr r="0" g="0" b="0"/>
+      </a:fillRef>
+      <a:effectRef idx="0">
+        <a:scrgbClr r="0" g="0" b="0"/>
+      </a:effectRef>
+      <a:fontRef idx="minor"/>
+    </dgm:style>
+  </dgm:styleLbl>
+  <dgm:styleLbl name="parChTrans1D2">
+    <dgm:scene3d>
+      <a:camera prst="orthographicFront"/>
+      <a:lightRig rig="threePt" dir="t"/>
+    </dgm:scene3d>
+    <dgm:sp3d/>
+    <dgm:txPr/>
+    <dgm:style>
+      <a:lnRef idx="2">
+        <a:scrgbClr r="0" g="0" b="0"/>
+      </a:lnRef>
+      <a:fillRef idx="0">
+        <a:scrgbClr r="0" g="0" b="0"/>
+      </a:fillRef>
+      <a:effectRef idx="0">
+        <a:scrgbClr r="0" g="0" b="0"/>
+      </a:effectRef>
+      <a:fontRef idx="minor"/>
+    </dgm:style>
+  </dgm:styleLbl>
+  <dgm:styleLbl name="parChTrans1D3">
+    <dgm:scene3d>
+      <a:camera prst="orthographicFront"/>
+      <a:lightRig rig="threePt" dir="t"/>
+    </dgm:scene3d>
+    <dgm:sp3d/>
+    <dgm:txPr/>
+    <dgm:style>
+      <a:lnRef idx="2">
+        <a:scrgbClr r="0" g="0" b="0"/>
+      </a:lnRef>
+      <a:fillRef idx="0">
+        <a:scrgbClr r="0" g="0" b="0"/>
+      </a:fillRef>
+      <a:effectRef idx="0">
+        <a:scrgbClr r="0" g="0" b="0"/>
+      </a:effectRef>
+      <a:fontRef idx="minor"/>
+    </dgm:style>
+  </dgm:styleLbl>
+  <dgm:styleLbl name="parChTrans1D4">
+    <dgm:scene3d>
+      <a:camera prst="orthographicFront"/>
+      <a:lightRig rig="threePt" dir="t"/>
+    </dgm:scene3d>
+    <dgm:sp3d/>
+    <dgm:txPr/>
+    <dgm:style>
+      <a:lnRef idx="2">
+        <a:scrgbClr r="0" g="0" b="0"/>
+      </a:lnRef>
+      <a:fillRef idx="0">
+        <a:scrgbClr r="0" g="0" b="0"/>
+      </a:fillRef>
+      <a:effectRef idx="0">
+        <a:scrgbClr r="0" g="0" b="0"/>
+      </a:effectRef>
+      <a:fontRef idx="minor"/>
+    </dgm:style>
+  </dgm:styleLbl>
+  <dgm:styleLbl name="fgAcc1">
+    <dgm:scene3d>
+      <a:camera prst="orthographicFront"/>
+      <a:lightRig rig="threePt" dir="t"/>
+    </dgm:scene3d>
+    <dgm:sp3d/>
+    <dgm:txPr/>
+    <dgm:style>
+      <a:lnRef idx="2">
+        <a:scrgbClr r="0" g="0" b="0"/>
+      </a:lnRef>
+      <a:fillRef idx="1">
+        <a:scrgbClr r="0" g="0" b="0"/>
+      </a:fillRef>
+      <a:effectRef idx="0">
+        <a:scrgbClr r="0" g="0" b="0"/>
+      </a:effectRef>
+      <a:fontRef idx="minor"/>
+    </dgm:style>
+  </dgm:styleLbl>
+  <dgm:styleLbl name="conFgAcc1">
+    <dgm:scene3d>
+      <a:camera prst="orthographicFront"/>
+      <a:lightRig rig="threePt" dir="t"/>
+    </dgm:scene3d>
+    <dgm:sp3d/>
+    <dgm:txPr/>
+    <dgm:style>
+      <a:lnRef idx="2">
+        <a:scrgbClr r="0" g="0" b="0"/>
+      </a:lnRef>
+      <a:fillRef idx="1">
+        <a:scrgbClr r="0" g="0" b="0"/>
+      </a:fillRef>
+      <a:effectRef idx="0">
+        <a:scrgbClr r="0" g="0" b="0"/>
+      </a:effectRef>
+      <a:fontRef idx="minor"/>
+    </dgm:style>
+  </dgm:styleLbl>
+  <dgm:styleLbl name="alignAcc1">
+    <dgm:scene3d>
+      <a:camera prst="orthographicFront"/>
+      <a:lightRig rig="threePt" dir="t"/>
+    </dgm:scene3d>
+    <dgm:sp3d/>
+    <dgm:txPr/>
+    <dgm:style>
+      <a:lnRef idx="2">
+        <a:scrgbClr r="0" g="0" b="0"/>
+      </a:lnRef>
+      <a:fillRef idx="1">
+        <a:scrgbClr r="0" g="0" b="0"/>
+      </a:fillRef>
+      <a:effectRef idx="0">
+        <a:scrgbClr r="0" g="0" b="0"/>
+      </a:effectRef>
+      <a:fontRef idx="minor"/>
+    </dgm:style>
+  </dgm:styleLbl>
+  <dgm:styleLbl name="trAlignAcc1">
+    <dgm:scene3d>
+      <a:camera prst="orthographicFront"/>
+      <a:lightRig rig="threePt" dir="t"/>
+    </dgm:scene3d>
+    <dgm:sp3d/>
+    <dgm:txPr/>
+    <dgm:style>
+      <a:lnRef idx="1">
+        <a:scrgbClr r="0" g="0" b="0"/>
+      </a:lnRef>
+      <a:fillRef idx="1">
+        <a:scrgbClr r="0" g="0" b="0"/>
+      </a:fillRef>
+      <a:effectRef idx="0">
+        <a:scrgbClr r="0" g="0" b="0"/>
+      </a:effectRef>
+      <a:fontRef idx="minor"/>
+    </dgm:style>
+  </dgm:styleLbl>
+  <dgm:styleLbl name="bgAcc1">
+    <dgm:scene3d>
+      <a:camera prst="orthographicFront"/>
+      <a:lightRig rig="threePt" dir="t"/>
+    </dgm:scene3d>
+    <dgm:sp3d/>
+    <dgm:txPr/>
+    <dgm:style>
+      <a:lnRef idx="2">
+        <a:scrgbClr r="0" g="0" b="0"/>
+      </a:lnRef>
+      <a:fillRef idx="1">
+        <a:scrgbClr r="0" g="0" b="0"/>
+      </a:fillRef>
+      <a:effectRef idx="0">
+        <a:scrgbClr r="0" g="0" b="0"/>
+      </a:effectRef>
+      <a:fontRef idx="minor"/>
+    </dgm:style>
+  </dgm:styleLbl>
+  <dgm:styleLbl name="solidFgAcc1">
+    <dgm:scene3d>
+      <a:camera prst="orthographicFront"/>
+      <a:lightRig rig="threePt" dir="t"/>
+    </dgm:scene3d>
+    <dgm:sp3d/>
+    <dgm:txPr/>
+    <dgm:style>
+      <a:lnRef idx="2">
+        <a:scrgbClr r="0" g="0" b="0"/>
+      </a:lnRef>
+      <a:fillRef idx="1">
+        <a:scrgbClr r="0" g="0" b="0"/>
+      </a:fillRef>
+      <a:effectRef idx="0">
+        <a:scrgbClr r="0" g="0" b="0"/>
+      </a:effectRef>
+      <a:fontRef idx="minor"/>
+    </dgm:style>
+  </dgm:styleLbl>
+  <dgm:styleLbl name="solidAlignAcc1">
+    <dgm:scene3d>
+      <a:camera prst="orthographicFront"/>
+      <a:lightRig rig="threePt" dir="t"/>
+    </dgm:scene3d>
+    <dgm:sp3d/>
+    <dgm:txPr/>
+    <dgm:style>
+      <a:lnRef idx="2">
+        <a:scrgbClr r="0" g="0" b="0"/>
+      </a:lnRef>
+      <a:fillRef idx="1">
+        <a:scrgbClr r="0" g="0" b="0"/>
+      </a:fillRef>
+      <a:effectRef idx="0">
+        <a:scrgbClr r="0" g="0" b="0"/>
+      </a:effectRef>
+      <a:fontRef idx="minor"/>
+    </dgm:style>
+  </dgm:styleLbl>
+  <dgm:styleLbl name="solidBgAcc1">
+    <dgm:scene3d>
+      <a:camera prst="orthographicFront"/>
+      <a:lightRig rig="threePt" dir="t"/>
+    </dgm:scene3d>
+    <dgm:sp3d/>
+    <dgm:txPr/>
+    <dgm:style>
+      <a:lnRef idx="2">
+        <a:scrgbClr r="0" g="0" b="0"/>
+      </a:lnRef>
+      <a:fillRef idx="1">
+        <a:scrgbClr r="0" g="0" b="0"/>
+      </a:fillRef>
+      <a:effectRef idx="0">
+        <a:scrgbClr r="0" g="0" b="0"/>
+      </a:effectRef>
+      <a:fontRef idx="minor"/>
+    </dgm:style>
+  </dgm:styleLbl>
+  <dgm:styleLbl name="fgAccFollowNode1">
+    <dgm:scene3d>
+      <a:camera prst="orthographicFront"/>
+      <a:lightRig rig="threePt" dir="t"/>
+    </dgm:scene3d>
+    <dgm:sp3d/>
+    <dgm:txPr/>
+    <dgm:style>
+      <a:lnRef idx="2">
+        <a:scrgbClr r="0" g="0" b="0"/>
+      </a:lnRef>
+      <a:fillRef idx="1">
+        <a:scrgbClr r="0" g="0" b="0"/>
+      </a:fillRef>
+      <a:effectRef idx="0">
+        <a:scrgbClr r="0" g="0" b="0"/>
+      </a:effectRef>
+      <a:fontRef idx="minor"/>
+    </dgm:style>
+  </dgm:styleLbl>
+  <dgm:styleLbl name="alignAccFollowNode1">
+    <dgm:scene3d>
+      <a:camera prst="orthographicFront"/>
+      <a:lightRig rig="threePt" dir="t"/>
+    </dgm:scene3d>
+    <dgm:sp3d/>
+    <dgm:txPr/>
+    <dgm:style>
+      <a:lnRef idx="2">
+        <a:scrgbClr r="0" g="0" b="0"/>
+      </a:lnRef>
+      <a:fillRef idx="1">
+        <a:scrgbClr r="0" g="0" b="0"/>
+      </a:fillRef>
+      <a:effectRef idx="0">
+        <a:scrgbClr r="0" g="0" b="0"/>
+      </a:effectRef>
+      <a:fontRef idx="minor"/>
+    </dgm:style>
+  </dgm:styleLbl>
+  <dgm:styleLbl name="bgAccFollowNode1">
+    <dgm:scene3d>
+      <a:camera prst="orthographicFront"/>
+      <a:lightRig rig="threePt" dir="t"/>
+    </dgm:scene3d>
+    <dgm:sp3d/>
+    <dgm:txPr/>
+    <dgm:style>
+      <a:lnRef idx="2">
+        <a:scrgbClr r="0" g="0" b="0"/>
+      </a:lnRef>
+      <a:fillRef idx="1">
+        <a:scrgbClr r="0" g="0" b="0"/>
+      </a:fillRef>
+      <a:effectRef idx="0">
+        <a:scrgbClr r="0" g="0" b="0"/>
+      </a:effectRef>
+      <a:fontRef idx="minor"/>
+    </dgm:style>
+  </dgm:styleLbl>
+  <dgm:styleLbl name="fgAcc0">
+    <dgm:scene3d>
+      <a:camera prst="orthographicFront"/>
+      <a:lightRig rig="threePt" dir="t"/>
+    </dgm:scene3d>
+    <dgm:sp3d/>
+    <dgm:txPr/>
+    <dgm:style>
+      <a:lnRef idx="2">
+        <a:scrgbClr r="0" g="0" b="0"/>
+      </a:lnRef>
+      <a:fillRef idx="1">
+        <a:scrgbClr r="0" g="0" b="0"/>
+      </a:fillRef>
+      <a:effectRef idx="0">
+        <a:scrgbClr r="0" g="0" b="0"/>
+      </a:effectRef>
+      <a:fontRef idx="minor"/>
+    </dgm:style>
+  </dgm:styleLbl>
+  <dgm:styleLbl name="fgAcc2">
+    <dgm:scene3d>
+      <a:camera prst="orthographicFront"/>
+      <a:lightRig rig="threePt" dir="t"/>
+    </dgm:scene3d>
+    <dgm:sp3d/>
+    <dgm:txPr/>
+    <dgm:style>
+      <a:lnRef idx="2">
+        <a:scrgbClr r="0" g="0" b="0"/>
+      </a:lnRef>
+      <a:fillRef idx="1">
+        <a:scrgbClr r="0" g="0" b="0"/>
+      </a:fillRef>
+      <a:effectRef idx="0">
+        <a:scrgbClr r="0" g="0" b="0"/>
+      </a:effectRef>
+      <a:fontRef idx="minor"/>
+    </dgm:style>
+  </dgm:styleLbl>
+  <dgm:styleLbl name="fgAcc3">
+    <dgm:scene3d>
+      <a:camera prst="orthographicFront"/>
+      <a:lightRig rig="threePt" dir="t"/>
+    </dgm:scene3d>
+    <dgm:sp3d/>
+    <dgm:txPr/>
+    <dgm:style>
+      <a:lnRef idx="2">
+        <a:scrgbClr r="0" g="0" b="0"/>
+      </a:lnRef>
+      <a:fillRef idx="1">
+        <a:scrgbClr r="0" g="0" b="0"/>
+      </a:fillRef>
+      <a:effectRef idx="0">
+        <a:scrgbClr r="0" g="0" b="0"/>
+      </a:effectRef>
+      <a:fontRef idx="minor"/>
+    </dgm:style>
+  </dgm:styleLbl>
+  <dgm:styleLbl name="fgAcc4">
+    <dgm:scene3d>
+      <a:camera prst="orthographicFront"/>
+      <a:lightRig rig="threePt" dir="t"/>
+    </dgm:scene3d>
+    <dgm:sp3d/>
+    <dgm:txPr/>
+    <dgm:style>
+      <a:lnRef idx="2">
+        <a:scrgbClr r="0" g="0" b="0"/>
+      </a:lnRef>
+      <a:fillRef idx="1">
+        <a:scrgbClr r="0" g="0" b="0"/>
+      </a:fillRef>
+      <a:effectRef idx="0">
+        <a:scrgbClr r="0" g="0" b="0"/>
+      </a:effectRef>
+      <a:fontRef idx="minor"/>
+    </dgm:style>
+  </dgm:styleLbl>
+  <dgm:styleLbl name="bgShp">
+    <dgm:scene3d>
+      <a:camera prst="orthographicFront"/>
+      <a:lightRig rig="threePt" dir="t"/>
+    </dgm:scene3d>
+    <dgm:sp3d/>
+    <dgm:txPr/>
+    <dgm:style>
+      <a:lnRef idx="0">
+        <a:scrgbClr r="0" g="0" b="0"/>
+      </a:lnRef>
+      <a:fillRef idx="1">
+        <a:scrgbClr r="0" g="0" b="0"/>
+      </a:fillRef>
+      <a:effectRef idx="0">
+        <a:scrgbClr r="0" g="0" b="0"/>
+      </a:effectRef>
+      <a:fontRef idx="minor"/>
+    </dgm:style>
+  </dgm:styleLbl>
+  <dgm:styleLbl name="dkBgShp">
+    <dgm:scene3d>
+      <a:camera prst="orthographicFront"/>
+      <a:lightRig rig="threePt" dir="t"/>
+    </dgm:scene3d>
+    <dgm:sp3d/>
+    <dgm:txPr/>
+    <dgm:style>
+      <a:lnRef idx="0">
+        <a:scrgbClr r="0" g="0" b="0"/>
+      </a:lnRef>
+      <a:fillRef idx="1">
+        <a:scrgbClr r="0" g="0" b="0"/>
+      </a:fillRef>
+      <a:effectRef idx="0">
+        <a:scrgbClr r="0" g="0" b="0"/>
+      </a:effectRef>
+      <a:fontRef idx="minor"/>
+    </dgm:style>
+  </dgm:styleLbl>
+  <dgm:styleLbl name="trBgShp">
+    <dgm:scene3d>
+      <a:camera prst="orthographicFront"/>
+      <a:lightRig rig="threePt" dir="t"/>
+    </dgm:scene3d>
+    <dgm:sp3d/>
+    <dgm:txPr/>
+    <dgm:style>
+      <a:lnRef idx="0">
+        <a:scrgbClr r="0" g="0" b="0"/>
+      </a:lnRef>
+      <a:fillRef idx="1">
+        <a:scrgbClr r="0" g="0" b="0"/>
+      </a:fillRef>
+      <a:effectRef idx="0">
+        <a:scrgbClr r="0" g="0" b="0"/>
+      </a:effectRef>
+      <a:fontRef idx="minor"/>
+    </dgm:style>
+  </dgm:styleLbl>
+  <dgm:styleLbl name="fgShp">
+    <dgm:scene3d>
+      <a:camera prst="orthographicFront"/>
+      <a:lightRig rig="threePt" dir="t"/>
+    </dgm:scene3d>
+    <dgm:sp3d/>
+    <dgm:txPr/>
+    <dgm:style>
+      <a:lnRef idx="2">
+        <a:scrgbClr r="0" g="0" b="0"/>
+      </a:lnRef>
+      <a:fillRef idx="1">
+        <a:scrgbClr r="0" g="0" b="0"/>
+      </a:fillRef>
+      <a:effectRef idx="0">
+        <a:scrgbClr r="0" g="0" b="0"/>
+      </a:effectRef>
+      <a:fontRef idx="minor"/>
+    </dgm:style>
+  </dgm:styleLbl>
+  <dgm:styleLbl name="revTx">
+    <dgm:scene3d>
+      <a:camera prst="orthographicFront"/>
+      <a:lightRig rig="threePt" dir="t"/>
+    </dgm:scene3d>
+    <dgm:sp3d/>
+    <dgm:txPr/>
+    <dgm:style>
+      <a:lnRef idx="0">
+        <a:scrgbClr r="0" g="0" b="0"/>
+      </a:lnRef>
+      <a:fillRef idx="0">
+        <a:scrgbClr r="0" g="0" b="0"/>
+      </a:fillRef>
+      <a:effectRef idx="0">
+        <a:scrgbClr r="0" g="0" b="0"/>
+      </a:effectRef>
+      <a:fontRef idx="minor"/>
+    </dgm:style>
+  </dgm:styleLbl>
+</dgm:styleDef>
 </file>
 
 <file path=ppt/slideLayouts/slideLayout1.xml><?xml version="1.0" encoding="utf-8"?>
@@ -271,7 +3258,7 @@
           <a:p>
             <a:fld id="{655A5808-3B61-48CC-92EF-85AC2E0DFA56}" type="datetime2">
               <a:rPr lang="en-US" smtClean="0"/>
-              <a:t>Wednesday, May 7, 2025</a:t>
+              <a:t>Thursday, May 8, 2025</a:t>
             </a:fld>
             <a:endParaRPr lang="en-US"/>
           </a:p>
@@ -469,7 +3456,7 @@
           <a:p>
             <a:fld id="{735E98AF-4574-4509-BF7A-519ACD5BF826}" type="datetime2">
               <a:rPr lang="en-US" smtClean="0"/>
-              <a:t>Wednesday, May 7, 2025</a:t>
+              <a:t>Thursday, May 8, 2025</a:t>
             </a:fld>
             <a:endParaRPr lang="en-US"/>
           </a:p>
@@ -679,7 +3666,7 @@
           <a:p>
             <a:fld id="{93DD97D4-9636-490F-85D0-E926C2B6F3B1}" type="datetime2">
               <a:rPr lang="en-US" smtClean="0"/>
-              <a:t>Wednesday, May 7, 2025</a:t>
+              <a:t>Thursday, May 8, 2025</a:t>
             </a:fld>
             <a:endParaRPr lang="en-US"/>
           </a:p>
@@ -878,7 +3865,7 @@
           <a:p>
             <a:fld id="{2F3AF3C6-0FD4-4939-991C-00DDE5C56815}" type="datetime2">
               <a:rPr lang="en-US" smtClean="0"/>
-              <a:t>Wednesday, May 7, 2025</a:t>
+              <a:t>Thursday, May 8, 2025</a:t>
             </a:fld>
             <a:endParaRPr lang="en-US"/>
           </a:p>
@@ -1159,7 +4146,7 @@
           <a:p>
             <a:fld id="{86807482-8128-47C6-A8DD-6452B0291CFF}" type="datetime2">
               <a:rPr lang="en-US" smtClean="0"/>
-              <a:t>Wednesday, May 7, 2025</a:t>
+              <a:t>Thursday, May 8, 2025</a:t>
             </a:fld>
             <a:endParaRPr lang="en-US"/>
           </a:p>
@@ -1427,7 +4414,7 @@
           <a:p>
             <a:fld id="{37903F25-275E-41DE-BE3B-EBF0DB49F9B1}" type="datetime2">
               <a:rPr lang="en-US" smtClean="0"/>
-              <a:t>Wednesday, May 7, 2025</a:t>
+              <a:t>Thursday, May 8, 2025</a:t>
             </a:fld>
             <a:endParaRPr lang="en-US"/>
           </a:p>
@@ -1808,7 +4795,7 @@
           <a:p>
             <a:fld id="{EE475572-4A44-4171-84AA-64D42C8050A6}" type="datetime2">
               <a:rPr lang="en-US" smtClean="0"/>
-              <a:t>Wednesday, May 7, 2025</a:t>
+              <a:t>Thursday, May 8, 2025</a:t>
             </a:fld>
             <a:endParaRPr lang="en-US"/>
           </a:p>
@@ -1978,7 +4965,7 @@
           <a:p>
             <a:fld id="{C4C1612E-528E-4FD5-9E9E-E15F1108F171}" type="datetime2">
               <a:rPr lang="en-US" smtClean="0"/>
-              <a:t>Wednesday, May 7, 2025</a:t>
+              <a:t>Thursday, May 8, 2025</a:t>
             </a:fld>
             <a:endParaRPr lang="en-US"/>
           </a:p>
@@ -2091,7 +5078,7 @@
           <a:p>
             <a:fld id="{D4F6D862-A06D-436F-A92E-EBAAD50B6E50}" type="datetime2">
               <a:rPr lang="en-US" smtClean="0"/>
-              <a:t>Wednesday, May 7, 2025</a:t>
+              <a:t>Thursday, May 8, 2025</a:t>
             </a:fld>
             <a:endParaRPr lang="en-US"/>
           </a:p>
@@ -2408,7 +5395,7 @@
           <a:p>
             <a:fld id="{B73E0B7D-2260-4809-8F0A-9E5F3E24F169}" type="datetime2">
               <a:rPr lang="en-US" smtClean="0"/>
-              <a:t>Wednesday, May 7, 2025</a:t>
+              <a:t>Thursday, May 8, 2025</a:t>
             </a:fld>
             <a:endParaRPr lang="en-US"/>
           </a:p>
@@ -2700,7 +5687,7 @@
           <a:p>
             <a:fld id="{3C8E4735-C637-46A3-94EB-AB3AC4188D2F}" type="datetime2">
               <a:rPr lang="en-US" smtClean="0"/>
-              <a:t>Wednesday, May 7, 2025</a:t>
+              <a:t>Thursday, May 8, 2025</a:t>
             </a:fld>
             <a:endParaRPr lang="en-US"/>
           </a:p>
@@ -3068,7 +6055,7 @@
             <a:fld id="{AE0C963C-C1DB-4AFD-9DDC-0691666BF49B}" type="datetime2">
               <a:rPr lang="en-US" smtClean="0"/>
               <a:pPr/>
-              <a:t>Wednesday, May 7, 2025</a:t>
+              <a:t>Thursday, May 8, 2025</a:t>
             </a:fld>
             <a:endParaRPr lang="en-US" cap="all" dirty="0"/>
           </a:p>
@@ -3871,7 +6858,26 @@
             </a:pPr>
             <a:r>
               <a:rPr lang="en-US" sz="1400" dirty="0"/>
-              <a:t>Supervised by: Dr Mohammed </a:t>
+              <a:t>Supervised by</a:t>
+            </a:r>
+            <a:r>
+              <a:rPr lang="en-US" sz="1400"/>
+              <a:t>: </a:t>
+            </a:r>
+          </a:p>
+          <a:p>
+            <a:pPr algn="l">
+              <a:lnSpc>
+                <a:spcPct val="120000"/>
+              </a:lnSpc>
+            </a:pPr>
+            <a:r>
+              <a:rPr lang="en-US" sz="1400"/>
+              <a:t>Dr </a:t>
+            </a:r>
+            <a:r>
+              <a:rPr lang="en-US" sz="1400" dirty="0"/>
+              <a:t>Mohammed </a:t>
             </a:r>
             <a:r>
               <a:rPr lang="en-US" sz="1400" dirty="0" err="1"/>
@@ -4090,12 +7096,966 @@
           </a:p>
         </p:txBody>
       </p:sp>
+      <p:graphicFrame>
+        <p:nvGraphicFramePr>
+          <p:cNvPr id="6" name="Content Placeholder 5">
+            <a:extLst>
+              <a:ext uri="{FF2B5EF4-FFF2-40B4-BE49-F238E27FC236}">
+                <a16:creationId xmlns:a16="http://schemas.microsoft.com/office/drawing/2014/main" id="{78038298-B887-818C-34A2-FAC4EACBEAB2}"/>
+              </a:ext>
+            </a:extLst>
+          </p:cNvPr>
+          <p:cNvGraphicFramePr>
+            <a:graphicFrameLocks noGrp="1"/>
+          </p:cNvGraphicFramePr>
+          <p:nvPr>
+            <p:ph sz="half" idx="1"/>
+            <p:extLst>
+              <p:ext uri="{D42A27DB-BD31-4B8C-83A1-F6EECF244321}">
+                <p14:modId xmlns:p14="http://schemas.microsoft.com/office/powerpoint/2010/main" val="1683623641"/>
+              </p:ext>
+            </p:extLst>
+          </p:nvPr>
+        </p:nvGraphicFramePr>
+        <p:xfrm>
+          <a:off x="160544" y="2449058"/>
+          <a:ext cx="6543918" cy="979942"/>
+        </p:xfrm>
+        <a:graphic>
+          <a:graphicData uri="http://schemas.openxmlformats.org/drawingml/2006/table">
+            <a:tbl>
+              <a:tblPr firstRow="1" firstCol="1" bandRow="1">
+                <a:tableStyleId>{5C22544A-7EE6-4342-B048-85BDC9FD1C3A}</a:tableStyleId>
+              </a:tblPr>
+              <a:tblGrid>
+                <a:gridCol w="982767">
+                  <a:extLst>
+                    <a:ext uri="{9D8B030D-6E8A-4147-A177-3AD203B41FA5}">
+                      <a16:colId xmlns:a16="http://schemas.microsoft.com/office/drawing/2014/main" val="2054325128"/>
+                    </a:ext>
+                  </a:extLst>
+                </a:gridCol>
+                <a:gridCol w="676925">
+                  <a:extLst>
+                    <a:ext uri="{9D8B030D-6E8A-4147-A177-3AD203B41FA5}">
+                      <a16:colId xmlns:a16="http://schemas.microsoft.com/office/drawing/2014/main" val="194821337"/>
+                    </a:ext>
+                  </a:extLst>
+                </a:gridCol>
+                <a:gridCol w="676925">
+                  <a:extLst>
+                    <a:ext uri="{9D8B030D-6E8A-4147-A177-3AD203B41FA5}">
+                      <a16:colId xmlns:a16="http://schemas.microsoft.com/office/drawing/2014/main" val="3328839097"/>
+                    </a:ext>
+                  </a:extLst>
+                </a:gridCol>
+                <a:gridCol w="676925">
+                  <a:extLst>
+                    <a:ext uri="{9D8B030D-6E8A-4147-A177-3AD203B41FA5}">
+                      <a16:colId xmlns:a16="http://schemas.microsoft.com/office/drawing/2014/main" val="3503377175"/>
+                    </a:ext>
+                  </a:extLst>
+                </a:gridCol>
+                <a:gridCol w="676925">
+                  <a:extLst>
+                    <a:ext uri="{9D8B030D-6E8A-4147-A177-3AD203B41FA5}">
+                      <a16:colId xmlns:a16="http://schemas.microsoft.com/office/drawing/2014/main" val="2075036390"/>
+                    </a:ext>
+                  </a:extLst>
+                </a:gridCol>
+                <a:gridCol w="964486">
+                  <a:extLst>
+                    <a:ext uri="{9D8B030D-6E8A-4147-A177-3AD203B41FA5}">
+                      <a16:colId xmlns:a16="http://schemas.microsoft.com/office/drawing/2014/main" val="1643030013"/>
+                    </a:ext>
+                  </a:extLst>
+                </a:gridCol>
+                <a:gridCol w="1888965">
+                  <a:extLst>
+                    <a:ext uri="{9D8B030D-6E8A-4147-A177-3AD203B41FA5}">
+                      <a16:colId xmlns:a16="http://schemas.microsoft.com/office/drawing/2014/main" val="743114002"/>
+                    </a:ext>
+                  </a:extLst>
+                </a:gridCol>
+              </a:tblGrid>
+              <a:tr h="307125">
+                <a:tc>
+                  <a:txBody>
+                    <a:bodyPr/>
+                    <a:lstStyle/>
+                    <a:p>
+                      <a:pPr>
+                        <a:lnSpc>
+                          <a:spcPct val="115000"/>
+                        </a:lnSpc>
+                        <a:spcAft>
+                          <a:spcPts val="800"/>
+                        </a:spcAft>
+                        <a:buNone/>
+                      </a:pPr>
+                      <a:r>
+                        <a:rPr lang="en-GB" sz="900" kern="100">
+                          <a:effectLst/>
+                        </a:rPr>
+                        <a:t>Timestamp</a:t>
+                      </a:r>
+                      <a:endParaRPr lang="en-GB" sz="900" kern="100">
+                        <a:effectLst/>
+                        <a:latin typeface="Aptos" panose="020B0004020202020204" pitchFamily="34" charset="0"/>
+                        <a:ea typeface="Aptos" panose="020B0004020202020204" pitchFamily="34" charset="0"/>
+                        <a:cs typeface="Arial" panose="020B0604020202020204" pitchFamily="34" charset="0"/>
+                      </a:endParaRPr>
+                    </a:p>
+                  </a:txBody>
+                  <a:tcPr marL="51646" marR="51646" marT="0" marB="0"/>
+                </a:tc>
+                <a:tc>
+                  <a:txBody>
+                    <a:bodyPr/>
+                    <a:lstStyle/>
+                    <a:p>
+                      <a:pPr>
+                        <a:lnSpc>
+                          <a:spcPct val="115000"/>
+                        </a:lnSpc>
+                        <a:spcAft>
+                          <a:spcPts val="800"/>
+                        </a:spcAft>
+                        <a:buNone/>
+                      </a:pPr>
+                      <a:r>
+                        <a:rPr lang="en-GB" sz="900" kern="100" dirty="0">
+                          <a:effectLst/>
+                        </a:rPr>
+                        <a:t>Open</a:t>
+                      </a:r>
+                      <a:endParaRPr lang="en-GB" sz="900" kern="100" dirty="0">
+                        <a:effectLst/>
+                        <a:latin typeface="Aptos" panose="020B0004020202020204" pitchFamily="34" charset="0"/>
+                        <a:ea typeface="Aptos" panose="020B0004020202020204" pitchFamily="34" charset="0"/>
+                        <a:cs typeface="Arial" panose="020B0604020202020204" pitchFamily="34" charset="0"/>
+                      </a:endParaRPr>
+                    </a:p>
+                  </a:txBody>
+                  <a:tcPr marL="51646" marR="51646" marT="0" marB="0"/>
+                </a:tc>
+                <a:tc>
+                  <a:txBody>
+                    <a:bodyPr/>
+                    <a:lstStyle/>
+                    <a:p>
+                      <a:pPr>
+                        <a:lnSpc>
+                          <a:spcPct val="115000"/>
+                        </a:lnSpc>
+                        <a:spcAft>
+                          <a:spcPts val="800"/>
+                        </a:spcAft>
+                        <a:buNone/>
+                      </a:pPr>
+                      <a:r>
+                        <a:rPr lang="en-GB" sz="900" kern="100">
+                          <a:effectLst/>
+                        </a:rPr>
+                        <a:t>High</a:t>
+                      </a:r>
+                      <a:endParaRPr lang="en-GB" sz="900" kern="100">
+                        <a:effectLst/>
+                        <a:latin typeface="Aptos" panose="020B0004020202020204" pitchFamily="34" charset="0"/>
+                        <a:ea typeface="Aptos" panose="020B0004020202020204" pitchFamily="34" charset="0"/>
+                        <a:cs typeface="Arial" panose="020B0604020202020204" pitchFamily="34" charset="0"/>
+                      </a:endParaRPr>
+                    </a:p>
+                  </a:txBody>
+                  <a:tcPr marL="51646" marR="51646" marT="0" marB="0"/>
+                </a:tc>
+                <a:tc>
+                  <a:txBody>
+                    <a:bodyPr/>
+                    <a:lstStyle/>
+                    <a:p>
+                      <a:pPr>
+                        <a:lnSpc>
+                          <a:spcPct val="115000"/>
+                        </a:lnSpc>
+                        <a:spcAft>
+                          <a:spcPts val="800"/>
+                        </a:spcAft>
+                        <a:buNone/>
+                      </a:pPr>
+                      <a:r>
+                        <a:rPr lang="en-GB" sz="900" kern="100">
+                          <a:effectLst/>
+                        </a:rPr>
+                        <a:t>Low</a:t>
+                      </a:r>
+                      <a:endParaRPr lang="en-GB" sz="900" kern="100">
+                        <a:effectLst/>
+                        <a:latin typeface="Aptos" panose="020B0004020202020204" pitchFamily="34" charset="0"/>
+                        <a:ea typeface="Aptos" panose="020B0004020202020204" pitchFamily="34" charset="0"/>
+                        <a:cs typeface="Arial" panose="020B0604020202020204" pitchFamily="34" charset="0"/>
+                      </a:endParaRPr>
+                    </a:p>
+                  </a:txBody>
+                  <a:tcPr marL="51646" marR="51646" marT="0" marB="0"/>
+                </a:tc>
+                <a:tc>
+                  <a:txBody>
+                    <a:bodyPr/>
+                    <a:lstStyle/>
+                    <a:p>
+                      <a:pPr>
+                        <a:lnSpc>
+                          <a:spcPct val="115000"/>
+                        </a:lnSpc>
+                        <a:spcAft>
+                          <a:spcPts val="800"/>
+                        </a:spcAft>
+                        <a:buNone/>
+                      </a:pPr>
+                      <a:r>
+                        <a:rPr lang="en-GB" sz="900" kern="100">
+                          <a:effectLst/>
+                        </a:rPr>
+                        <a:t>Close</a:t>
+                      </a:r>
+                      <a:endParaRPr lang="en-GB" sz="900" kern="100">
+                        <a:effectLst/>
+                        <a:latin typeface="Aptos" panose="020B0004020202020204" pitchFamily="34" charset="0"/>
+                        <a:ea typeface="Aptos" panose="020B0004020202020204" pitchFamily="34" charset="0"/>
+                        <a:cs typeface="Arial" panose="020B0604020202020204" pitchFamily="34" charset="0"/>
+                      </a:endParaRPr>
+                    </a:p>
+                  </a:txBody>
+                  <a:tcPr marL="51646" marR="51646" marT="0" marB="0"/>
+                </a:tc>
+                <a:tc>
+                  <a:txBody>
+                    <a:bodyPr/>
+                    <a:lstStyle/>
+                    <a:p>
+                      <a:pPr>
+                        <a:lnSpc>
+                          <a:spcPct val="115000"/>
+                        </a:lnSpc>
+                        <a:spcAft>
+                          <a:spcPts val="800"/>
+                        </a:spcAft>
+                        <a:buNone/>
+                      </a:pPr>
+                      <a:r>
+                        <a:rPr lang="en-GB" sz="900" kern="100">
+                          <a:effectLst/>
+                        </a:rPr>
+                        <a:t>Volume</a:t>
+                      </a:r>
+                      <a:endParaRPr lang="en-GB" sz="900" kern="100">
+                        <a:effectLst/>
+                        <a:latin typeface="Aptos" panose="020B0004020202020204" pitchFamily="34" charset="0"/>
+                        <a:ea typeface="Aptos" panose="020B0004020202020204" pitchFamily="34" charset="0"/>
+                        <a:cs typeface="Arial" panose="020B0604020202020204" pitchFamily="34" charset="0"/>
+                      </a:endParaRPr>
+                    </a:p>
+                  </a:txBody>
+                  <a:tcPr marL="51646" marR="51646" marT="0" marB="0"/>
+                </a:tc>
+                <a:tc>
+                  <a:txBody>
+                    <a:bodyPr/>
+                    <a:lstStyle/>
+                    <a:p>
+                      <a:pPr>
+                        <a:lnSpc>
+                          <a:spcPct val="115000"/>
+                        </a:lnSpc>
+                        <a:spcAft>
+                          <a:spcPts val="800"/>
+                        </a:spcAft>
+                        <a:buNone/>
+                      </a:pPr>
+                      <a:r>
+                        <a:rPr lang="en-GB" sz="900" kern="100">
+                          <a:effectLst/>
+                        </a:rPr>
+                        <a:t>Datetime</a:t>
+                      </a:r>
+                      <a:endParaRPr lang="en-GB" sz="900" kern="100">
+                        <a:effectLst/>
+                        <a:latin typeface="Aptos" panose="020B0004020202020204" pitchFamily="34" charset="0"/>
+                        <a:ea typeface="Aptos" panose="020B0004020202020204" pitchFamily="34" charset="0"/>
+                        <a:cs typeface="Arial" panose="020B0604020202020204" pitchFamily="34" charset="0"/>
+                      </a:endParaRPr>
+                    </a:p>
+                  </a:txBody>
+                  <a:tcPr marL="51646" marR="51646" marT="0" marB="0"/>
+                </a:tc>
+                <a:extLst>
+                  <a:ext uri="{0D108BD9-81ED-4DB2-BD59-A6C34878D82A}">
+                    <a16:rowId xmlns:a16="http://schemas.microsoft.com/office/drawing/2014/main" val="3647025407"/>
+                  </a:ext>
+                </a:extLst>
+              </a:tr>
+              <a:tr h="251286">
+                <a:tc>
+                  <a:txBody>
+                    <a:bodyPr/>
+                    <a:lstStyle/>
+                    <a:p>
+                      <a:pPr>
+                        <a:lnSpc>
+                          <a:spcPct val="115000"/>
+                        </a:lnSpc>
+                        <a:spcAft>
+                          <a:spcPts val="800"/>
+                        </a:spcAft>
+                        <a:buNone/>
+                      </a:pPr>
+                      <a:r>
+                        <a:rPr lang="en-GB" sz="900" kern="100">
+                          <a:effectLst/>
+                        </a:rPr>
+                        <a:t>1360887300.0</a:t>
+                      </a:r>
+                      <a:endParaRPr lang="en-GB" sz="900" kern="100">
+                        <a:effectLst/>
+                        <a:latin typeface="Aptos" panose="020B0004020202020204" pitchFamily="34" charset="0"/>
+                        <a:ea typeface="Aptos" panose="020B0004020202020204" pitchFamily="34" charset="0"/>
+                        <a:cs typeface="Arial" panose="020B0604020202020204" pitchFamily="34" charset="0"/>
+                      </a:endParaRPr>
+                    </a:p>
+                  </a:txBody>
+                  <a:tcPr marL="51646" marR="51646" marT="0" marB="0"/>
+                </a:tc>
+                <a:tc>
+                  <a:txBody>
+                    <a:bodyPr/>
+                    <a:lstStyle/>
+                    <a:p>
+                      <a:pPr>
+                        <a:lnSpc>
+                          <a:spcPct val="115000"/>
+                        </a:lnSpc>
+                        <a:spcAft>
+                          <a:spcPts val="800"/>
+                        </a:spcAft>
+                        <a:buNone/>
+                      </a:pPr>
+                      <a:r>
+                        <a:rPr lang="en-GB" sz="900" kern="100">
+                          <a:effectLst/>
+                        </a:rPr>
+                        <a:t>26.63</a:t>
+                      </a:r>
+                      <a:endParaRPr lang="en-GB" sz="900" kern="100">
+                        <a:effectLst/>
+                        <a:latin typeface="Aptos" panose="020B0004020202020204" pitchFamily="34" charset="0"/>
+                        <a:ea typeface="Aptos" panose="020B0004020202020204" pitchFamily="34" charset="0"/>
+                        <a:cs typeface="Arial" panose="020B0604020202020204" pitchFamily="34" charset="0"/>
+                      </a:endParaRPr>
+                    </a:p>
+                  </a:txBody>
+                  <a:tcPr marL="51646" marR="51646" marT="0" marB="0"/>
+                </a:tc>
+                <a:tc>
+                  <a:txBody>
+                    <a:bodyPr/>
+                    <a:lstStyle/>
+                    <a:p>
+                      <a:pPr>
+                        <a:lnSpc>
+                          <a:spcPct val="115000"/>
+                        </a:lnSpc>
+                        <a:spcAft>
+                          <a:spcPts val="800"/>
+                        </a:spcAft>
+                        <a:buNone/>
+                      </a:pPr>
+                      <a:r>
+                        <a:rPr lang="en-GB" sz="900" kern="100">
+                          <a:effectLst/>
+                        </a:rPr>
+                        <a:t>26.63</a:t>
+                      </a:r>
+                      <a:endParaRPr lang="en-GB" sz="900" kern="100">
+                        <a:effectLst/>
+                        <a:latin typeface="Aptos" panose="020B0004020202020204" pitchFamily="34" charset="0"/>
+                        <a:ea typeface="Aptos" panose="020B0004020202020204" pitchFamily="34" charset="0"/>
+                        <a:cs typeface="Arial" panose="020B0604020202020204" pitchFamily="34" charset="0"/>
+                      </a:endParaRPr>
+                    </a:p>
+                  </a:txBody>
+                  <a:tcPr marL="51646" marR="51646" marT="0" marB="0"/>
+                </a:tc>
+                <a:tc>
+                  <a:txBody>
+                    <a:bodyPr/>
+                    <a:lstStyle/>
+                    <a:p>
+                      <a:pPr>
+                        <a:lnSpc>
+                          <a:spcPct val="115000"/>
+                        </a:lnSpc>
+                        <a:spcAft>
+                          <a:spcPts val="800"/>
+                        </a:spcAft>
+                        <a:buNone/>
+                      </a:pPr>
+                      <a:r>
+                        <a:rPr lang="en-GB" sz="900" kern="100">
+                          <a:effectLst/>
+                        </a:rPr>
+                        <a:t>26.63</a:t>
+                      </a:r>
+                      <a:endParaRPr lang="en-GB" sz="900" kern="100">
+                        <a:effectLst/>
+                        <a:latin typeface="Aptos" panose="020B0004020202020204" pitchFamily="34" charset="0"/>
+                        <a:ea typeface="Aptos" panose="020B0004020202020204" pitchFamily="34" charset="0"/>
+                        <a:cs typeface="Arial" panose="020B0604020202020204" pitchFamily="34" charset="0"/>
+                      </a:endParaRPr>
+                    </a:p>
+                  </a:txBody>
+                  <a:tcPr marL="51646" marR="51646" marT="0" marB="0"/>
+                </a:tc>
+                <a:tc>
+                  <a:txBody>
+                    <a:bodyPr/>
+                    <a:lstStyle/>
+                    <a:p>
+                      <a:pPr>
+                        <a:lnSpc>
+                          <a:spcPct val="115000"/>
+                        </a:lnSpc>
+                        <a:spcAft>
+                          <a:spcPts val="800"/>
+                        </a:spcAft>
+                        <a:buNone/>
+                      </a:pPr>
+                      <a:r>
+                        <a:rPr lang="en-GB" sz="900" kern="100">
+                          <a:effectLst/>
+                        </a:rPr>
+                        <a:t>26.63</a:t>
+                      </a:r>
+                      <a:endParaRPr lang="en-GB" sz="900" kern="100">
+                        <a:effectLst/>
+                        <a:latin typeface="Aptos" panose="020B0004020202020204" pitchFamily="34" charset="0"/>
+                        <a:ea typeface="Aptos" panose="020B0004020202020204" pitchFamily="34" charset="0"/>
+                        <a:cs typeface="Arial" panose="020B0604020202020204" pitchFamily="34" charset="0"/>
+                      </a:endParaRPr>
+                    </a:p>
+                  </a:txBody>
+                  <a:tcPr marL="51646" marR="51646" marT="0" marB="0"/>
+                </a:tc>
+                <a:tc>
+                  <a:txBody>
+                    <a:bodyPr/>
+                    <a:lstStyle/>
+                    <a:p>
+                      <a:pPr>
+                        <a:lnSpc>
+                          <a:spcPct val="115000"/>
+                        </a:lnSpc>
+                        <a:spcAft>
+                          <a:spcPts val="800"/>
+                        </a:spcAft>
+                        <a:buNone/>
+                      </a:pPr>
+                      <a:r>
+                        <a:rPr lang="en-GB" sz="900" kern="100" dirty="0">
+                          <a:effectLst/>
+                        </a:rPr>
+                        <a:t>17.98955015</a:t>
+                      </a:r>
+                      <a:endParaRPr lang="en-GB" sz="900" kern="100" dirty="0">
+                        <a:effectLst/>
+                        <a:latin typeface="Aptos" panose="020B0004020202020204" pitchFamily="34" charset="0"/>
+                        <a:ea typeface="Aptos" panose="020B0004020202020204" pitchFamily="34" charset="0"/>
+                        <a:cs typeface="Arial" panose="020B0604020202020204" pitchFamily="34" charset="0"/>
+                      </a:endParaRPr>
+                    </a:p>
+                  </a:txBody>
+                  <a:tcPr marL="51646" marR="51646" marT="0" marB="0"/>
+                </a:tc>
+                <a:tc>
+                  <a:txBody>
+                    <a:bodyPr/>
+                    <a:lstStyle/>
+                    <a:p>
+                      <a:pPr>
+                        <a:lnSpc>
+                          <a:spcPct val="115000"/>
+                        </a:lnSpc>
+                        <a:spcAft>
+                          <a:spcPts val="800"/>
+                        </a:spcAft>
+                        <a:buNone/>
+                      </a:pPr>
+                      <a:r>
+                        <a:rPr lang="en-GB" sz="900" kern="100">
+                          <a:effectLst/>
+                        </a:rPr>
+                        <a:t>2013-02-15 00:15:00+00:00</a:t>
+                      </a:r>
+                      <a:endParaRPr lang="en-GB" sz="900" kern="100">
+                        <a:effectLst/>
+                        <a:latin typeface="Aptos" panose="020B0004020202020204" pitchFamily="34" charset="0"/>
+                        <a:ea typeface="Aptos" panose="020B0004020202020204" pitchFamily="34" charset="0"/>
+                        <a:cs typeface="Arial" panose="020B0604020202020204" pitchFamily="34" charset="0"/>
+                      </a:endParaRPr>
+                    </a:p>
+                  </a:txBody>
+                  <a:tcPr marL="51646" marR="51646" marT="0" marB="0"/>
+                </a:tc>
+                <a:extLst>
+                  <a:ext uri="{0D108BD9-81ED-4DB2-BD59-A6C34878D82A}">
+                    <a16:rowId xmlns:a16="http://schemas.microsoft.com/office/drawing/2014/main" val="2850041642"/>
+                  </a:ext>
+                </a:extLst>
+              </a:tr>
+              <a:tr h="230345">
+                <a:tc>
+                  <a:txBody>
+                    <a:bodyPr/>
+                    <a:lstStyle/>
+                    <a:p>
+                      <a:pPr>
+                        <a:lnSpc>
+                          <a:spcPct val="115000"/>
+                        </a:lnSpc>
+                        <a:spcAft>
+                          <a:spcPts val="800"/>
+                        </a:spcAft>
+                        <a:buNone/>
+                      </a:pPr>
+                      <a:r>
+                        <a:rPr lang="en-GB" sz="900" kern="100">
+                          <a:effectLst/>
+                        </a:rPr>
+                        <a:t>1360887360.0</a:t>
+                      </a:r>
+                      <a:endParaRPr lang="en-GB" sz="900" kern="100">
+                        <a:effectLst/>
+                        <a:latin typeface="Aptos" panose="020B0004020202020204" pitchFamily="34" charset="0"/>
+                        <a:ea typeface="Aptos" panose="020B0004020202020204" pitchFamily="34" charset="0"/>
+                        <a:cs typeface="Arial" panose="020B0604020202020204" pitchFamily="34" charset="0"/>
+                      </a:endParaRPr>
+                    </a:p>
+                  </a:txBody>
+                  <a:tcPr marL="51646" marR="51646" marT="0" marB="0"/>
+                </a:tc>
+                <a:tc>
+                  <a:txBody>
+                    <a:bodyPr/>
+                    <a:lstStyle/>
+                    <a:p>
+                      <a:pPr>
+                        <a:lnSpc>
+                          <a:spcPct val="115000"/>
+                        </a:lnSpc>
+                        <a:spcAft>
+                          <a:spcPts val="800"/>
+                        </a:spcAft>
+                        <a:buNone/>
+                      </a:pPr>
+                      <a:r>
+                        <a:rPr lang="en-GB" sz="900" kern="100" dirty="0">
+                          <a:effectLst/>
+                        </a:rPr>
+                        <a:t>26.63</a:t>
+                      </a:r>
+                      <a:endParaRPr lang="en-GB" sz="900" kern="100" dirty="0">
+                        <a:effectLst/>
+                        <a:latin typeface="Aptos" panose="020B0004020202020204" pitchFamily="34" charset="0"/>
+                        <a:ea typeface="Aptos" panose="020B0004020202020204" pitchFamily="34" charset="0"/>
+                        <a:cs typeface="Arial" panose="020B0604020202020204" pitchFamily="34" charset="0"/>
+                      </a:endParaRPr>
+                    </a:p>
+                  </a:txBody>
+                  <a:tcPr marL="51646" marR="51646" marT="0" marB="0"/>
+                </a:tc>
+                <a:tc>
+                  <a:txBody>
+                    <a:bodyPr/>
+                    <a:lstStyle/>
+                    <a:p>
+                      <a:pPr>
+                        <a:lnSpc>
+                          <a:spcPct val="115000"/>
+                        </a:lnSpc>
+                        <a:spcAft>
+                          <a:spcPts val="800"/>
+                        </a:spcAft>
+                        <a:buNone/>
+                      </a:pPr>
+                      <a:r>
+                        <a:rPr lang="en-GB" sz="900" kern="100">
+                          <a:effectLst/>
+                        </a:rPr>
+                        <a:t>26.63</a:t>
+                      </a:r>
+                      <a:endParaRPr lang="en-GB" sz="900" kern="100">
+                        <a:effectLst/>
+                        <a:latin typeface="Aptos" panose="020B0004020202020204" pitchFamily="34" charset="0"/>
+                        <a:ea typeface="Aptos" panose="020B0004020202020204" pitchFamily="34" charset="0"/>
+                        <a:cs typeface="Arial" panose="020B0604020202020204" pitchFamily="34" charset="0"/>
+                      </a:endParaRPr>
+                    </a:p>
+                  </a:txBody>
+                  <a:tcPr marL="51646" marR="51646" marT="0" marB="0"/>
+                </a:tc>
+                <a:tc>
+                  <a:txBody>
+                    <a:bodyPr/>
+                    <a:lstStyle/>
+                    <a:p>
+                      <a:pPr>
+                        <a:lnSpc>
+                          <a:spcPct val="115000"/>
+                        </a:lnSpc>
+                        <a:spcAft>
+                          <a:spcPts val="800"/>
+                        </a:spcAft>
+                        <a:buNone/>
+                      </a:pPr>
+                      <a:r>
+                        <a:rPr lang="en-GB" sz="900" kern="100">
+                          <a:effectLst/>
+                        </a:rPr>
+                        <a:t>26.63</a:t>
+                      </a:r>
+                      <a:endParaRPr lang="en-GB" sz="900" kern="100">
+                        <a:effectLst/>
+                        <a:latin typeface="Aptos" panose="020B0004020202020204" pitchFamily="34" charset="0"/>
+                        <a:ea typeface="Aptos" panose="020B0004020202020204" pitchFamily="34" charset="0"/>
+                        <a:cs typeface="Arial" panose="020B0604020202020204" pitchFamily="34" charset="0"/>
+                      </a:endParaRPr>
+                    </a:p>
+                  </a:txBody>
+                  <a:tcPr marL="51646" marR="51646" marT="0" marB="0"/>
+                </a:tc>
+                <a:tc>
+                  <a:txBody>
+                    <a:bodyPr/>
+                    <a:lstStyle/>
+                    <a:p>
+                      <a:pPr>
+                        <a:lnSpc>
+                          <a:spcPct val="115000"/>
+                        </a:lnSpc>
+                        <a:spcAft>
+                          <a:spcPts val="800"/>
+                        </a:spcAft>
+                        <a:buNone/>
+                      </a:pPr>
+                      <a:r>
+                        <a:rPr lang="en-GB" sz="900" kern="100">
+                          <a:effectLst/>
+                        </a:rPr>
+                        <a:t>26.63</a:t>
+                      </a:r>
+                      <a:endParaRPr lang="en-GB" sz="900" kern="100">
+                        <a:effectLst/>
+                        <a:latin typeface="Aptos" panose="020B0004020202020204" pitchFamily="34" charset="0"/>
+                        <a:ea typeface="Aptos" panose="020B0004020202020204" pitchFamily="34" charset="0"/>
+                        <a:cs typeface="Arial" panose="020B0604020202020204" pitchFamily="34" charset="0"/>
+                      </a:endParaRPr>
+                    </a:p>
+                  </a:txBody>
+                  <a:tcPr marL="51646" marR="51646" marT="0" marB="0"/>
+                </a:tc>
+                <a:tc>
+                  <a:txBody>
+                    <a:bodyPr/>
+                    <a:lstStyle/>
+                    <a:p>
+                      <a:pPr>
+                        <a:lnSpc>
+                          <a:spcPct val="115000"/>
+                        </a:lnSpc>
+                        <a:spcAft>
+                          <a:spcPts val="800"/>
+                        </a:spcAft>
+                        <a:buNone/>
+                      </a:pPr>
+                      <a:r>
+                        <a:rPr lang="en-GB" sz="900" kern="100">
+                          <a:effectLst/>
+                        </a:rPr>
+                        <a:t>0.0</a:t>
+                      </a:r>
+                      <a:endParaRPr lang="en-GB" sz="900" kern="100">
+                        <a:effectLst/>
+                        <a:latin typeface="Aptos" panose="020B0004020202020204" pitchFamily="34" charset="0"/>
+                        <a:ea typeface="Aptos" panose="020B0004020202020204" pitchFamily="34" charset="0"/>
+                        <a:cs typeface="Arial" panose="020B0604020202020204" pitchFamily="34" charset="0"/>
+                      </a:endParaRPr>
+                    </a:p>
+                  </a:txBody>
+                  <a:tcPr marL="51646" marR="51646" marT="0" marB="0"/>
+                </a:tc>
+                <a:tc>
+                  <a:txBody>
+                    <a:bodyPr/>
+                    <a:lstStyle/>
+                    <a:p>
+                      <a:pPr>
+                        <a:lnSpc>
+                          <a:spcPct val="115000"/>
+                        </a:lnSpc>
+                        <a:spcAft>
+                          <a:spcPts val="800"/>
+                        </a:spcAft>
+                        <a:buNone/>
+                      </a:pPr>
+                      <a:r>
+                        <a:rPr lang="en-GB" sz="900" kern="100">
+                          <a:effectLst/>
+                        </a:rPr>
+                        <a:t>2013-02-15 00:16:00+00:00</a:t>
+                      </a:r>
+                      <a:endParaRPr lang="en-GB" sz="900" kern="100">
+                        <a:effectLst/>
+                        <a:latin typeface="Aptos" panose="020B0004020202020204" pitchFamily="34" charset="0"/>
+                        <a:ea typeface="Aptos" panose="020B0004020202020204" pitchFamily="34" charset="0"/>
+                        <a:cs typeface="Arial" panose="020B0604020202020204" pitchFamily="34" charset="0"/>
+                      </a:endParaRPr>
+                    </a:p>
+                  </a:txBody>
+                  <a:tcPr marL="51646" marR="51646" marT="0" marB="0"/>
+                </a:tc>
+                <a:extLst>
+                  <a:ext uri="{0D108BD9-81ED-4DB2-BD59-A6C34878D82A}">
+                    <a16:rowId xmlns:a16="http://schemas.microsoft.com/office/drawing/2014/main" val="1677120251"/>
+                  </a:ext>
+                </a:extLst>
+              </a:tr>
+              <a:tr h="191186">
+                <a:tc>
+                  <a:txBody>
+                    <a:bodyPr/>
+                    <a:lstStyle/>
+                    <a:p>
+                      <a:pPr>
+                        <a:lnSpc>
+                          <a:spcPct val="115000"/>
+                        </a:lnSpc>
+                        <a:spcAft>
+                          <a:spcPts val="800"/>
+                        </a:spcAft>
+                        <a:buNone/>
+                      </a:pPr>
+                      <a:r>
+                        <a:rPr lang="en-GB" sz="900" kern="100">
+                          <a:effectLst/>
+                        </a:rPr>
+                        <a:t>1360887420.0</a:t>
+                      </a:r>
+                      <a:endParaRPr lang="en-GB" sz="900" kern="100">
+                        <a:effectLst/>
+                        <a:latin typeface="Aptos" panose="020B0004020202020204" pitchFamily="34" charset="0"/>
+                        <a:ea typeface="Aptos" panose="020B0004020202020204" pitchFamily="34" charset="0"/>
+                        <a:cs typeface="Arial" panose="020B0604020202020204" pitchFamily="34" charset="0"/>
+                      </a:endParaRPr>
+                    </a:p>
+                  </a:txBody>
+                  <a:tcPr marL="51646" marR="51646" marT="0" marB="0"/>
+                </a:tc>
+                <a:tc>
+                  <a:txBody>
+                    <a:bodyPr/>
+                    <a:lstStyle/>
+                    <a:p>
+                      <a:pPr>
+                        <a:lnSpc>
+                          <a:spcPct val="115000"/>
+                        </a:lnSpc>
+                        <a:spcAft>
+                          <a:spcPts val="800"/>
+                        </a:spcAft>
+                        <a:buNone/>
+                      </a:pPr>
+                      <a:r>
+                        <a:rPr lang="en-GB" sz="900" kern="100">
+                          <a:effectLst/>
+                        </a:rPr>
+                        <a:t>26.60</a:t>
+                      </a:r>
+                      <a:endParaRPr lang="en-GB" sz="900" kern="100">
+                        <a:effectLst/>
+                        <a:latin typeface="Aptos" panose="020B0004020202020204" pitchFamily="34" charset="0"/>
+                        <a:ea typeface="Aptos" panose="020B0004020202020204" pitchFamily="34" charset="0"/>
+                        <a:cs typeface="Arial" panose="020B0604020202020204" pitchFamily="34" charset="0"/>
+                      </a:endParaRPr>
+                    </a:p>
+                  </a:txBody>
+                  <a:tcPr marL="51646" marR="51646" marT="0" marB="0"/>
+                </a:tc>
+                <a:tc>
+                  <a:txBody>
+                    <a:bodyPr/>
+                    <a:lstStyle/>
+                    <a:p>
+                      <a:pPr>
+                        <a:lnSpc>
+                          <a:spcPct val="115000"/>
+                        </a:lnSpc>
+                        <a:spcAft>
+                          <a:spcPts val="800"/>
+                        </a:spcAft>
+                        <a:buNone/>
+                      </a:pPr>
+                      <a:r>
+                        <a:rPr lang="en-GB" sz="900" kern="100">
+                          <a:effectLst/>
+                        </a:rPr>
+                        <a:t>26.60</a:t>
+                      </a:r>
+                      <a:endParaRPr lang="en-GB" sz="900" kern="100">
+                        <a:effectLst/>
+                        <a:latin typeface="Aptos" panose="020B0004020202020204" pitchFamily="34" charset="0"/>
+                        <a:ea typeface="Aptos" panose="020B0004020202020204" pitchFamily="34" charset="0"/>
+                        <a:cs typeface="Arial" panose="020B0604020202020204" pitchFamily="34" charset="0"/>
+                      </a:endParaRPr>
+                    </a:p>
+                  </a:txBody>
+                  <a:tcPr marL="51646" marR="51646" marT="0" marB="0"/>
+                </a:tc>
+                <a:tc>
+                  <a:txBody>
+                    <a:bodyPr/>
+                    <a:lstStyle/>
+                    <a:p>
+                      <a:pPr>
+                        <a:lnSpc>
+                          <a:spcPct val="115000"/>
+                        </a:lnSpc>
+                        <a:spcAft>
+                          <a:spcPts val="800"/>
+                        </a:spcAft>
+                        <a:buNone/>
+                      </a:pPr>
+                      <a:r>
+                        <a:rPr lang="en-GB" sz="900" kern="100">
+                          <a:effectLst/>
+                        </a:rPr>
+                        <a:t>26.60</a:t>
+                      </a:r>
+                      <a:endParaRPr lang="en-GB" sz="900" kern="100">
+                        <a:effectLst/>
+                        <a:latin typeface="Aptos" panose="020B0004020202020204" pitchFamily="34" charset="0"/>
+                        <a:ea typeface="Aptos" panose="020B0004020202020204" pitchFamily="34" charset="0"/>
+                        <a:cs typeface="Arial" panose="020B0604020202020204" pitchFamily="34" charset="0"/>
+                      </a:endParaRPr>
+                    </a:p>
+                  </a:txBody>
+                  <a:tcPr marL="51646" marR="51646" marT="0" marB="0"/>
+                </a:tc>
+                <a:tc>
+                  <a:txBody>
+                    <a:bodyPr/>
+                    <a:lstStyle/>
+                    <a:p>
+                      <a:pPr>
+                        <a:lnSpc>
+                          <a:spcPct val="115000"/>
+                        </a:lnSpc>
+                        <a:spcAft>
+                          <a:spcPts val="800"/>
+                        </a:spcAft>
+                        <a:buNone/>
+                      </a:pPr>
+                      <a:r>
+                        <a:rPr lang="en-GB" sz="900" kern="100">
+                          <a:effectLst/>
+                        </a:rPr>
+                        <a:t>26.60</a:t>
+                      </a:r>
+                      <a:endParaRPr lang="en-GB" sz="900" kern="100">
+                        <a:effectLst/>
+                        <a:latin typeface="Aptos" panose="020B0004020202020204" pitchFamily="34" charset="0"/>
+                        <a:ea typeface="Aptos" panose="020B0004020202020204" pitchFamily="34" charset="0"/>
+                        <a:cs typeface="Arial" panose="020B0604020202020204" pitchFamily="34" charset="0"/>
+                      </a:endParaRPr>
+                    </a:p>
+                  </a:txBody>
+                  <a:tcPr marL="51646" marR="51646" marT="0" marB="0"/>
+                </a:tc>
+                <a:tc>
+                  <a:txBody>
+                    <a:bodyPr/>
+                    <a:lstStyle/>
+                    <a:p>
+                      <a:pPr>
+                        <a:lnSpc>
+                          <a:spcPct val="115000"/>
+                        </a:lnSpc>
+                        <a:spcAft>
+                          <a:spcPts val="800"/>
+                        </a:spcAft>
+                        <a:buNone/>
+                      </a:pPr>
+                      <a:r>
+                        <a:rPr lang="en-GB" sz="900" kern="100">
+                          <a:effectLst/>
+                        </a:rPr>
+                        <a:t>20.0</a:t>
+                      </a:r>
+                      <a:endParaRPr lang="en-GB" sz="900" kern="100">
+                        <a:effectLst/>
+                        <a:latin typeface="Aptos" panose="020B0004020202020204" pitchFamily="34" charset="0"/>
+                        <a:ea typeface="Aptos" panose="020B0004020202020204" pitchFamily="34" charset="0"/>
+                        <a:cs typeface="Arial" panose="020B0604020202020204" pitchFamily="34" charset="0"/>
+                      </a:endParaRPr>
+                    </a:p>
+                  </a:txBody>
+                  <a:tcPr marL="51646" marR="51646" marT="0" marB="0"/>
+                </a:tc>
+                <a:tc>
+                  <a:txBody>
+                    <a:bodyPr/>
+                    <a:lstStyle/>
+                    <a:p>
+                      <a:pPr>
+                        <a:lnSpc>
+                          <a:spcPct val="115000"/>
+                        </a:lnSpc>
+                        <a:spcAft>
+                          <a:spcPts val="800"/>
+                        </a:spcAft>
+                        <a:buNone/>
+                      </a:pPr>
+                      <a:r>
+                        <a:rPr lang="en-GB" sz="900" kern="100" dirty="0">
+                          <a:effectLst/>
+                        </a:rPr>
+                        <a:t>2013-02-15 00:17:00+00:00</a:t>
+                      </a:r>
+                      <a:endParaRPr lang="en-GB" sz="900" kern="100" dirty="0">
+                        <a:effectLst/>
+                        <a:latin typeface="Aptos" panose="020B0004020202020204" pitchFamily="34" charset="0"/>
+                        <a:ea typeface="Aptos" panose="020B0004020202020204" pitchFamily="34" charset="0"/>
+                        <a:cs typeface="Arial" panose="020B0604020202020204" pitchFamily="34" charset="0"/>
+                      </a:endParaRPr>
+                    </a:p>
+                  </a:txBody>
+                  <a:tcPr marL="51646" marR="51646" marT="0" marB="0"/>
+                </a:tc>
+                <a:extLst>
+                  <a:ext uri="{0D108BD9-81ED-4DB2-BD59-A6C34878D82A}">
+                    <a16:rowId xmlns:a16="http://schemas.microsoft.com/office/drawing/2014/main" val="2823922309"/>
+                  </a:ext>
+                </a:extLst>
+              </a:tr>
+            </a:tbl>
+          </a:graphicData>
+        </a:graphic>
+      </p:graphicFrame>
       <p:sp>
         <p:nvSpPr>
-          <p:cNvPr id="3" name="Content Placeholder 2">
+          <p:cNvPr id="5" name="Content Placeholder 4">
             <a:extLst>
               <a:ext uri="{FF2B5EF4-FFF2-40B4-BE49-F238E27FC236}">
-                <a16:creationId xmlns:a16="http://schemas.microsoft.com/office/drawing/2014/main" id="{6E419852-3EA1-DCDB-F323-2439D4A8E697}"/>
+                <a16:creationId xmlns:a16="http://schemas.microsoft.com/office/drawing/2014/main" id="{AE20B5E5-B76C-8CDE-C496-8778DA5D5F8B}"/>
               </a:ext>
             </a:extLst>
           </p:cNvPr>
@@ -4103,7 +8063,7 @@
             <a:spLocks noGrp="1"/>
           </p:cNvSpPr>
           <p:nvPr>
-            <p:ph idx="1"/>
+            <p:ph sz="half" idx="2"/>
           </p:nvPr>
         </p:nvSpPr>
         <p:spPr/>
@@ -4111,7 +8071,11 @@
           <a:bodyPr/>
           <a:lstStyle/>
           <a:p>
-            <a:endParaRPr lang="en-GB"/>
+            <a:r>
+              <a:rPr lang="en-US" dirty="0"/>
+              <a:t>Baseline Model </a:t>
+            </a:r>
+            <a:endParaRPr lang="en-GB" dirty="0"/>
           </a:p>
         </p:txBody>
       </p:sp>
@@ -4174,31 +8138,37 @@
           </a:p>
         </p:txBody>
       </p:sp>
-      <p:sp>
-        <p:nvSpPr>
-          <p:cNvPr id="3" name="Content Placeholder 2">
+      <p:graphicFrame>
+        <p:nvGraphicFramePr>
+          <p:cNvPr id="9" name="Content Placeholder 8">
             <a:extLst>
               <a:ext uri="{FF2B5EF4-FFF2-40B4-BE49-F238E27FC236}">
-                <a16:creationId xmlns:a16="http://schemas.microsoft.com/office/drawing/2014/main" id="{F7E8ED4C-14F9-A70C-EEDF-1EF945602DFA}"/>
+                <a16:creationId xmlns:a16="http://schemas.microsoft.com/office/drawing/2014/main" id="{03A8E4D9-FAB5-4F56-433B-6EDE2F29EE7A}"/>
               </a:ext>
             </a:extLst>
           </p:cNvPr>
-          <p:cNvSpPr>
-            <a:spLocks noGrp="1"/>
-          </p:cNvSpPr>
+          <p:cNvGraphicFramePr>
+            <a:graphicFrameLocks noGrp="1"/>
+          </p:cNvGraphicFramePr>
           <p:nvPr>
             <p:ph idx="1"/>
+            <p:extLst>
+              <p:ext uri="{D42A27DB-BD31-4B8C-83A1-F6EECF244321}">
+                <p14:modId xmlns:p14="http://schemas.microsoft.com/office/powerpoint/2010/main" val="261231050"/>
+              </p:ext>
+            </p:extLst>
           </p:nvPr>
-        </p:nvSpPr>
-        <p:spPr/>
-        <p:txBody>
-          <a:bodyPr/>
-          <a:lstStyle/>
-          <a:p>
-            <a:endParaRPr lang="en-GB"/>
-          </a:p>
-        </p:txBody>
-      </p:sp>
+        </p:nvGraphicFramePr>
+        <p:xfrm>
+          <a:off x="1371600" y="2112963"/>
+          <a:ext cx="10240963" cy="3959225"/>
+        </p:xfrm>
+        <a:graphic>
+          <a:graphicData uri="http://schemas.openxmlformats.org/drawingml/2006/diagram">
+            <dgm:relIds xmlns:dgm="http://schemas.openxmlformats.org/drawingml/2006/diagram" xmlns:r="http://schemas.openxmlformats.org/officeDocument/2006/relationships" r:dm="rId2" r:lo="rId3" r:qs="rId4" r:cs="rId5"/>
+          </a:graphicData>
+        </a:graphic>
+      </p:graphicFrame>
     </p:spTree>
     <p:extLst>
       <p:ext uri="{BB962C8B-B14F-4D97-AF65-F5344CB8AC3E}">
@@ -4213,6 +8183,2571 @@
 </file>
 
 <file path=ppt/slides/slide4.xml><?xml version="1.0" encoding="utf-8"?>
+<p:sld xmlns:a="http://schemas.openxmlformats.org/drawingml/2006/main" xmlns:r="http://schemas.openxmlformats.org/officeDocument/2006/relationships" xmlns:p="http://schemas.openxmlformats.org/presentationml/2006/main">
+  <p:cSld>
+    <p:bg>
+      <p:bgPr>
+        <a:solidFill>
+          <a:schemeClr val="bg1"/>
+        </a:solidFill>
+        <a:effectLst/>
+      </p:bgPr>
+    </p:bg>
+    <p:spTree>
+      <p:nvGrpSpPr>
+        <p:cNvPr id="1" name=""/>
+        <p:cNvGrpSpPr/>
+        <p:nvPr/>
+      </p:nvGrpSpPr>
+      <p:grpSpPr>
+        <a:xfrm>
+          <a:off x="0" y="0"/>
+          <a:ext cx="0" cy="0"/>
+          <a:chOff x="0" y="0"/>
+          <a:chExt cx="0" cy="0"/>
+        </a:xfrm>
+      </p:grpSpPr>
+      <p:sp useBgFill="1">
+        <p:nvSpPr>
+          <p:cNvPr id="12" name="Rectangle 11">
+            <a:extLst>
+              <a:ext uri="{FF2B5EF4-FFF2-40B4-BE49-F238E27FC236}">
+                <a16:creationId xmlns:a16="http://schemas.microsoft.com/office/drawing/2014/main" id="{1CC4AFFA-9868-4B7D-9F63-93C34D36234F}"/>
+              </a:ext>
+              <a:ext uri="{C183D7F6-B498-43B3-948B-1728B52AA6E4}">
+                <adec:decorative xmlns:adec="http://schemas.microsoft.com/office/drawing/2017/decorative" val="1"/>
+              </a:ext>
+            </a:extLst>
+          </p:cNvPr>
+          <p:cNvSpPr>
+            <a:spLocks noGrp="1" noRot="1" noChangeAspect="1" noMove="1" noResize="1" noEditPoints="1" noAdjustHandles="1" noChangeArrowheads="1" noChangeShapeType="1" noTextEdit="1"/>
+          </p:cNvSpPr>
+          <p:nvPr>
+            <p:extLst>
+              <p:ext uri="{386F3935-93C4-4BCD-93E2-E3B085C9AB24}">
+                <p16:designElem xmlns:p16="http://schemas.microsoft.com/office/powerpoint/2015/main" val="1"/>
+              </p:ext>
+            </p:extLst>
+          </p:nvPr>
+        </p:nvSpPr>
+        <p:spPr>
+          <a:xfrm>
+            <a:off x="0" y="0"/>
+            <a:ext cx="12192000" cy="6858000"/>
+          </a:xfrm>
+          <a:prstGeom prst="rect">
+            <a:avLst/>
+          </a:prstGeom>
+          <a:ln w="12700" cap="flat" cmpd="sng" algn="ctr">
+            <a:noFill/>
+            <a:prstDash val="solid"/>
+            <a:miter lim="800000"/>
+          </a:ln>
+          <a:effectLst/>
+          <a:extLst>
+            <a:ext uri="{91240B29-F687-4F45-9708-019B960494DF}">
+              <a14:hiddenLine xmlns:a14="http://schemas.microsoft.com/office/drawing/2010/main" w="12700" cap="flat" cmpd="sng" algn="ctr">
+                <a:solidFill>
+                  <a:schemeClr val="accent1">
+                    <a:shade val="50000"/>
+                  </a:schemeClr>
+                </a:solidFill>
+                <a:prstDash val="solid"/>
+                <a:miter lim="800000"/>
+              </a14:hiddenLine>
+            </a:ext>
+          </a:extLst>
+        </p:spPr>
+        <p:style>
+          <a:lnRef idx="2">
+            <a:schemeClr val="accent1">
+              <a:shade val="50000"/>
+            </a:schemeClr>
+          </a:lnRef>
+          <a:fillRef idx="1">
+            <a:schemeClr val="accent1"/>
+          </a:fillRef>
+          <a:effectRef idx="0">
+            <a:schemeClr val="accent1"/>
+          </a:effectRef>
+          <a:fontRef idx="minor">
+            <a:schemeClr val="lt1"/>
+          </a:fontRef>
+        </p:style>
+        <p:txBody>
+          <a:bodyPr rtlCol="0" anchor="ctr"/>
+          <a:lstStyle/>
+          <a:p>
+            <a:pPr algn="ctr"/>
+            <a:endParaRPr lang="en-US"/>
+          </a:p>
+        </p:txBody>
+      </p:sp>
+      <p:sp>
+        <p:nvSpPr>
+          <p:cNvPr id="2" name="Title 1">
+            <a:extLst>
+              <a:ext uri="{FF2B5EF4-FFF2-40B4-BE49-F238E27FC236}">
+                <a16:creationId xmlns:a16="http://schemas.microsoft.com/office/drawing/2014/main" id="{5129CD45-A438-62EC-8A8F-8DE7700ECE4E}"/>
+              </a:ext>
+            </a:extLst>
+          </p:cNvPr>
+          <p:cNvSpPr>
+            <a:spLocks noGrp="1"/>
+          </p:cNvSpPr>
+          <p:nvPr>
+            <p:ph type="title"/>
+          </p:nvPr>
+        </p:nvSpPr>
+        <p:spPr>
+          <a:xfrm>
+            <a:off x="1371601" y="457200"/>
+            <a:ext cx="9549442" cy="1010093"/>
+          </a:xfrm>
+        </p:spPr>
+        <p:txBody>
+          <a:bodyPr anchor="b">
+            <a:normAutofit/>
+          </a:bodyPr>
+          <a:lstStyle/>
+          <a:p>
+            <a:r>
+              <a:rPr lang="en-US" dirty="0"/>
+              <a:t>Data after processing</a:t>
+            </a:r>
+            <a:endParaRPr lang="en-GB" dirty="0"/>
+          </a:p>
+        </p:txBody>
+      </p:sp>
+      <p:sp>
+        <p:nvSpPr>
+          <p:cNvPr id="14" name="Rectangle 13">
+            <a:extLst>
+              <a:ext uri="{FF2B5EF4-FFF2-40B4-BE49-F238E27FC236}">
+                <a16:creationId xmlns:a16="http://schemas.microsoft.com/office/drawing/2014/main" id="{024CCFE6-8D32-4963-9B5D-E742044292DD}"/>
+              </a:ext>
+              <a:ext uri="{C183D7F6-B498-43B3-948B-1728B52AA6E4}">
+                <adec:decorative xmlns:adec="http://schemas.microsoft.com/office/drawing/2017/decorative" val="1"/>
+              </a:ext>
+            </a:extLst>
+          </p:cNvPr>
+          <p:cNvSpPr>
+            <a:spLocks noGrp="1" noRot="1" noChangeAspect="1" noMove="1" noResize="1" noEditPoints="1" noAdjustHandles="1" noChangeArrowheads="1" noChangeShapeType="1" noTextEdit="1"/>
+          </p:cNvSpPr>
+          <p:nvPr>
+            <p:extLst>
+              <p:ext uri="{386F3935-93C4-4BCD-93E2-E3B085C9AB24}">
+                <p16:designElem xmlns:p16="http://schemas.microsoft.com/office/powerpoint/2015/main" val="1"/>
+              </p:ext>
+            </p:extLst>
+          </p:nvPr>
+        </p:nvSpPr>
+        <p:spPr>
+          <a:xfrm rot="10800000" flipH="1">
+            <a:off x="0" y="6408741"/>
+            <a:ext cx="12192000" cy="449256"/>
+          </a:xfrm>
+          <a:prstGeom prst="rect">
+            <a:avLst/>
+          </a:prstGeom>
+          <a:gradFill>
+            <a:gsLst>
+              <a:gs pos="14000">
+                <a:schemeClr val="accent4">
+                  <a:alpha val="28000"/>
+                </a:schemeClr>
+              </a:gs>
+              <a:gs pos="100000">
+                <a:schemeClr val="accent5">
+                  <a:alpha val="85000"/>
+                </a:schemeClr>
+              </a:gs>
+            </a:gsLst>
+            <a:lin ang="9000000" scaled="0"/>
+          </a:gradFill>
+          <a:ln>
+            <a:noFill/>
+          </a:ln>
+        </p:spPr>
+        <p:style>
+          <a:lnRef idx="2">
+            <a:schemeClr val="accent1">
+              <a:shade val="50000"/>
+            </a:schemeClr>
+          </a:lnRef>
+          <a:fillRef idx="1">
+            <a:schemeClr val="accent1"/>
+          </a:fillRef>
+          <a:effectRef idx="0">
+            <a:schemeClr val="accent1"/>
+          </a:effectRef>
+          <a:fontRef idx="minor">
+            <a:schemeClr val="lt1"/>
+          </a:fontRef>
+        </p:style>
+        <p:txBody>
+          <a:bodyPr rtlCol="0" anchor="ctr"/>
+          <a:lstStyle/>
+          <a:p>
+            <a:pPr algn="ctr"/>
+            <a:endParaRPr lang="en-US"/>
+          </a:p>
+        </p:txBody>
+      </p:sp>
+      <p:sp>
+        <p:nvSpPr>
+          <p:cNvPr id="16" name="Rectangle 15">
+            <a:extLst>
+              <a:ext uri="{FF2B5EF4-FFF2-40B4-BE49-F238E27FC236}">
+                <a16:creationId xmlns:a16="http://schemas.microsoft.com/office/drawing/2014/main" id="{43414B78-940D-4BE3-A24D-B003E1C9C018}"/>
+              </a:ext>
+              <a:ext uri="{C183D7F6-B498-43B3-948B-1728B52AA6E4}">
+                <adec:decorative xmlns:adec="http://schemas.microsoft.com/office/drawing/2017/decorative" val="1"/>
+              </a:ext>
+            </a:extLst>
+          </p:cNvPr>
+          <p:cNvSpPr>
+            <a:spLocks noGrp="1" noRot="1" noChangeAspect="1" noMove="1" noResize="1" noEditPoints="1" noAdjustHandles="1" noChangeArrowheads="1" noChangeShapeType="1" noTextEdit="1"/>
+          </p:cNvSpPr>
+          <p:nvPr>
+            <p:extLst>
+              <p:ext uri="{386F3935-93C4-4BCD-93E2-E3B085C9AB24}">
+                <p16:designElem xmlns:p16="http://schemas.microsoft.com/office/powerpoint/2015/main" val="1"/>
+              </p:ext>
+            </p:extLst>
+          </p:nvPr>
+        </p:nvSpPr>
+        <p:spPr>
+          <a:xfrm flipH="1">
+            <a:off x="4038600" y="6408316"/>
+            <a:ext cx="8153398" cy="449684"/>
+          </a:xfrm>
+          <a:prstGeom prst="rect">
+            <a:avLst/>
+          </a:prstGeom>
+          <a:gradFill>
+            <a:gsLst>
+              <a:gs pos="9000">
+                <a:schemeClr val="accent2">
+                  <a:lumMod val="60000"/>
+                  <a:lumOff val="40000"/>
+                  <a:alpha val="68000"/>
+                </a:schemeClr>
+              </a:gs>
+              <a:gs pos="99000">
+                <a:schemeClr val="accent2"/>
+              </a:gs>
+            </a:gsLst>
+            <a:lin ang="13800000" scaled="0"/>
+          </a:gradFill>
+          <a:ln>
+            <a:noFill/>
+          </a:ln>
+        </p:spPr>
+        <p:style>
+          <a:lnRef idx="2">
+            <a:schemeClr val="accent1">
+              <a:shade val="50000"/>
+            </a:schemeClr>
+          </a:lnRef>
+          <a:fillRef idx="1">
+            <a:schemeClr val="accent1"/>
+          </a:fillRef>
+          <a:effectRef idx="0">
+            <a:schemeClr val="accent1"/>
+          </a:effectRef>
+          <a:fontRef idx="minor">
+            <a:schemeClr val="lt1"/>
+          </a:fontRef>
+        </p:style>
+        <p:txBody>
+          <a:bodyPr rtlCol="0" anchor="ctr"/>
+          <a:lstStyle/>
+          <a:p>
+            <a:pPr algn="ctr"/>
+            <a:endParaRPr lang="en-US"/>
+          </a:p>
+        </p:txBody>
+      </p:sp>
+      <p:graphicFrame>
+        <p:nvGraphicFramePr>
+          <p:cNvPr id="7" name="Content Placeholder 6">
+            <a:extLst>
+              <a:ext uri="{FF2B5EF4-FFF2-40B4-BE49-F238E27FC236}">
+                <a16:creationId xmlns:a16="http://schemas.microsoft.com/office/drawing/2014/main" id="{16B10EDE-0840-45DC-BBC3-382FA473DB4F}"/>
+              </a:ext>
+            </a:extLst>
+          </p:cNvPr>
+          <p:cNvGraphicFramePr>
+            <a:graphicFrameLocks noGrp="1"/>
+          </p:cNvGraphicFramePr>
+          <p:nvPr>
+            <p:ph idx="1"/>
+            <p:extLst>
+              <p:ext uri="{D42A27DB-BD31-4B8C-83A1-F6EECF244321}">
+                <p14:modId xmlns:p14="http://schemas.microsoft.com/office/powerpoint/2010/main" val="2306080847"/>
+              </p:ext>
+            </p:extLst>
+          </p:nvPr>
+        </p:nvGraphicFramePr>
+        <p:xfrm>
+          <a:off x="898451" y="2892345"/>
+          <a:ext cx="10334852" cy="1999377"/>
+        </p:xfrm>
+        <a:graphic>
+          <a:graphicData uri="http://schemas.openxmlformats.org/drawingml/2006/table">
+            <a:tbl>
+              <a:tblPr firstRow="1" firstCol="1" bandRow="1">
+                <a:tableStyleId>{5A111915-BE36-4E01-A7E5-04B1672EAD32}</a:tableStyleId>
+              </a:tblPr>
+              <a:tblGrid>
+                <a:gridCol w="1302974">
+                  <a:extLst>
+                    <a:ext uri="{9D8B030D-6E8A-4147-A177-3AD203B41FA5}">
+                      <a16:colId xmlns:a16="http://schemas.microsoft.com/office/drawing/2014/main" val="619438275"/>
+                    </a:ext>
+                  </a:extLst>
+                </a:gridCol>
+                <a:gridCol w="1535431">
+                  <a:extLst>
+                    <a:ext uri="{9D8B030D-6E8A-4147-A177-3AD203B41FA5}">
+                      <a16:colId xmlns:a16="http://schemas.microsoft.com/office/drawing/2014/main" val="2614045969"/>
+                    </a:ext>
+                  </a:extLst>
+                </a:gridCol>
+                <a:gridCol w="775397">
+                  <a:extLst>
+                    <a:ext uri="{9D8B030D-6E8A-4147-A177-3AD203B41FA5}">
+                      <a16:colId xmlns:a16="http://schemas.microsoft.com/office/drawing/2014/main" val="1442158084"/>
+                    </a:ext>
+                  </a:extLst>
+                </a:gridCol>
+                <a:gridCol w="698585">
+                  <a:extLst>
+                    <a:ext uri="{9D8B030D-6E8A-4147-A177-3AD203B41FA5}">
+                      <a16:colId xmlns:a16="http://schemas.microsoft.com/office/drawing/2014/main" val="200010512"/>
+                    </a:ext>
+                  </a:extLst>
+                </a:gridCol>
+                <a:gridCol w="656137">
+                  <a:extLst>
+                    <a:ext uri="{9D8B030D-6E8A-4147-A177-3AD203B41FA5}">
+                      <a16:colId xmlns:a16="http://schemas.microsoft.com/office/drawing/2014/main" val="567089248"/>
+                    </a:ext>
+                  </a:extLst>
+                </a:gridCol>
+                <a:gridCol w="795611">
+                  <a:extLst>
+                    <a:ext uri="{9D8B030D-6E8A-4147-A177-3AD203B41FA5}">
+                      <a16:colId xmlns:a16="http://schemas.microsoft.com/office/drawing/2014/main" val="2100647852"/>
+                    </a:ext>
+                  </a:extLst>
+                </a:gridCol>
+                <a:gridCol w="2178226">
+                  <a:extLst>
+                    <a:ext uri="{9D8B030D-6E8A-4147-A177-3AD203B41FA5}">
+                      <a16:colId xmlns:a16="http://schemas.microsoft.com/office/drawing/2014/main" val="3098033188"/>
+                    </a:ext>
+                  </a:extLst>
+                </a:gridCol>
+                <a:gridCol w="2392491">
+                  <a:extLst>
+                    <a:ext uri="{9D8B030D-6E8A-4147-A177-3AD203B41FA5}">
+                      <a16:colId xmlns:a16="http://schemas.microsoft.com/office/drawing/2014/main" val="602345896"/>
+                    </a:ext>
+                  </a:extLst>
+                </a:gridCol>
+              </a:tblGrid>
+              <a:tr h="299001">
+                <a:tc>
+                  <a:txBody>
+                    <a:bodyPr/>
+                    <a:lstStyle/>
+                    <a:p>
+                      <a:pPr algn="l">
+                        <a:lnSpc>
+                          <a:spcPct val="115000"/>
+                        </a:lnSpc>
+                        <a:spcAft>
+                          <a:spcPts val="800"/>
+                        </a:spcAft>
+                        <a:buNone/>
+                      </a:pPr>
+                      <a:r>
+                        <a:rPr lang="en-GB" sz="1500" kern="100" dirty="0">
+                          <a:effectLst/>
+                        </a:rPr>
+                        <a:t>datetime</a:t>
+                      </a:r>
+                      <a:endParaRPr lang="en-GB" sz="1500" kern="100" dirty="0">
+                        <a:effectLst/>
+                        <a:latin typeface="Aptos" panose="020B0004020202020204" pitchFamily="34" charset="0"/>
+                        <a:ea typeface="Aptos" panose="020B0004020202020204" pitchFamily="34" charset="0"/>
+                        <a:cs typeface="Arial" panose="020B0604020202020204" pitchFamily="34" charset="0"/>
+                      </a:endParaRPr>
+                    </a:p>
+                  </a:txBody>
+                  <a:tcPr marL="87323" marR="87323" marT="0" marB="0">
+                    <a:lnL w="12700" cap="flat" cmpd="sng" algn="ctr">
+                      <a:solidFill>
+                        <a:schemeClr val="tx1"/>
+                      </a:solidFill>
+                      <a:prstDash val="solid"/>
+                      <a:round/>
+                      <a:headEnd type="none" w="med" len="med"/>
+                      <a:tailEnd type="none" w="med" len="med"/>
+                    </a:lnL>
+                    <a:lnR w="12700" cap="flat" cmpd="sng" algn="ctr">
+                      <a:solidFill>
+                        <a:schemeClr val="tx1"/>
+                      </a:solidFill>
+                      <a:prstDash val="solid"/>
+                      <a:round/>
+                      <a:headEnd type="none" w="med" len="med"/>
+                      <a:tailEnd type="none" w="med" len="med"/>
+                    </a:lnR>
+                    <a:lnT w="12700" cap="flat" cmpd="sng" algn="ctr">
+                      <a:solidFill>
+                        <a:schemeClr val="tx1"/>
+                      </a:solidFill>
+                      <a:prstDash val="solid"/>
+                      <a:round/>
+                      <a:headEnd type="none" w="med" len="med"/>
+                      <a:tailEnd type="none" w="med" len="med"/>
+                    </a:lnT>
+                    <a:lnB w="12700" cap="flat" cmpd="sng" algn="ctr">
+                      <a:solidFill>
+                        <a:schemeClr val="tx1"/>
+                      </a:solidFill>
+                      <a:prstDash val="solid"/>
+                      <a:round/>
+                      <a:headEnd type="none" w="med" len="med"/>
+                      <a:tailEnd type="none" w="med" len="med"/>
+                    </a:lnB>
+                  </a:tcPr>
+                </a:tc>
+                <a:tc>
+                  <a:txBody>
+                    <a:bodyPr/>
+                    <a:lstStyle/>
+                    <a:p>
+                      <a:pPr algn="l">
+                        <a:lnSpc>
+                          <a:spcPct val="115000"/>
+                        </a:lnSpc>
+                        <a:spcAft>
+                          <a:spcPts val="800"/>
+                        </a:spcAft>
+                        <a:buNone/>
+                      </a:pPr>
+                      <a:r>
+                        <a:rPr lang="en-GB" sz="1500" kern="100">
+                          <a:effectLst/>
+                        </a:rPr>
+                        <a:t>Timestamp</a:t>
+                      </a:r>
+                      <a:endParaRPr lang="en-GB" sz="1500" kern="100">
+                        <a:effectLst/>
+                        <a:latin typeface="Aptos" panose="020B0004020202020204" pitchFamily="34" charset="0"/>
+                        <a:ea typeface="Aptos" panose="020B0004020202020204" pitchFamily="34" charset="0"/>
+                        <a:cs typeface="Arial" panose="020B0604020202020204" pitchFamily="34" charset="0"/>
+                      </a:endParaRPr>
+                    </a:p>
+                  </a:txBody>
+                  <a:tcPr marL="87323" marR="87323" marT="0" marB="0">
+                    <a:lnL w="12700" cap="flat" cmpd="sng" algn="ctr">
+                      <a:solidFill>
+                        <a:schemeClr val="tx1"/>
+                      </a:solidFill>
+                      <a:prstDash val="solid"/>
+                      <a:round/>
+                      <a:headEnd type="none" w="med" len="med"/>
+                      <a:tailEnd type="none" w="med" len="med"/>
+                    </a:lnL>
+                    <a:lnR w="12700" cap="flat" cmpd="sng" algn="ctr">
+                      <a:solidFill>
+                        <a:schemeClr val="tx1"/>
+                      </a:solidFill>
+                      <a:prstDash val="solid"/>
+                      <a:round/>
+                      <a:headEnd type="none" w="med" len="med"/>
+                      <a:tailEnd type="none" w="med" len="med"/>
+                    </a:lnR>
+                    <a:lnT w="12700" cap="flat" cmpd="sng" algn="ctr">
+                      <a:solidFill>
+                        <a:schemeClr val="tx1"/>
+                      </a:solidFill>
+                      <a:prstDash val="solid"/>
+                      <a:round/>
+                      <a:headEnd type="none" w="med" len="med"/>
+                      <a:tailEnd type="none" w="med" len="med"/>
+                    </a:lnT>
+                    <a:lnB w="12700" cap="flat" cmpd="sng" algn="ctr">
+                      <a:solidFill>
+                        <a:schemeClr val="tx1"/>
+                      </a:solidFill>
+                      <a:prstDash val="solid"/>
+                      <a:round/>
+                      <a:headEnd type="none" w="med" len="med"/>
+                      <a:tailEnd type="none" w="med" len="med"/>
+                    </a:lnB>
+                  </a:tcPr>
+                </a:tc>
+                <a:tc>
+                  <a:txBody>
+                    <a:bodyPr/>
+                    <a:lstStyle/>
+                    <a:p>
+                      <a:pPr algn="l">
+                        <a:lnSpc>
+                          <a:spcPct val="115000"/>
+                        </a:lnSpc>
+                        <a:spcAft>
+                          <a:spcPts val="800"/>
+                        </a:spcAft>
+                        <a:buNone/>
+                      </a:pPr>
+                      <a:r>
+                        <a:rPr lang="en-GB" sz="1500" kern="100">
+                          <a:effectLst/>
+                        </a:rPr>
+                        <a:t>Open</a:t>
+                      </a:r>
+                      <a:endParaRPr lang="en-GB" sz="1500" kern="100">
+                        <a:effectLst/>
+                        <a:latin typeface="Aptos" panose="020B0004020202020204" pitchFamily="34" charset="0"/>
+                        <a:ea typeface="Aptos" panose="020B0004020202020204" pitchFamily="34" charset="0"/>
+                        <a:cs typeface="Arial" panose="020B0604020202020204" pitchFamily="34" charset="0"/>
+                      </a:endParaRPr>
+                    </a:p>
+                  </a:txBody>
+                  <a:tcPr marL="87323" marR="87323" marT="0" marB="0">
+                    <a:lnL w="12700" cap="flat" cmpd="sng" algn="ctr">
+                      <a:solidFill>
+                        <a:schemeClr val="tx1"/>
+                      </a:solidFill>
+                      <a:prstDash val="solid"/>
+                      <a:round/>
+                      <a:headEnd type="none" w="med" len="med"/>
+                      <a:tailEnd type="none" w="med" len="med"/>
+                    </a:lnL>
+                    <a:lnR w="12700" cap="flat" cmpd="sng" algn="ctr">
+                      <a:solidFill>
+                        <a:schemeClr val="tx1"/>
+                      </a:solidFill>
+                      <a:prstDash val="solid"/>
+                      <a:round/>
+                      <a:headEnd type="none" w="med" len="med"/>
+                      <a:tailEnd type="none" w="med" len="med"/>
+                    </a:lnR>
+                    <a:lnT w="12700" cap="flat" cmpd="sng" algn="ctr">
+                      <a:solidFill>
+                        <a:schemeClr val="tx1"/>
+                      </a:solidFill>
+                      <a:prstDash val="solid"/>
+                      <a:round/>
+                      <a:headEnd type="none" w="med" len="med"/>
+                      <a:tailEnd type="none" w="med" len="med"/>
+                    </a:lnT>
+                    <a:lnB w="12700" cap="flat" cmpd="sng" algn="ctr">
+                      <a:solidFill>
+                        <a:schemeClr val="tx1"/>
+                      </a:solidFill>
+                      <a:prstDash val="solid"/>
+                      <a:round/>
+                      <a:headEnd type="none" w="med" len="med"/>
+                      <a:tailEnd type="none" w="med" len="med"/>
+                    </a:lnB>
+                  </a:tcPr>
+                </a:tc>
+                <a:tc>
+                  <a:txBody>
+                    <a:bodyPr/>
+                    <a:lstStyle/>
+                    <a:p>
+                      <a:pPr algn="l">
+                        <a:lnSpc>
+                          <a:spcPct val="115000"/>
+                        </a:lnSpc>
+                        <a:spcAft>
+                          <a:spcPts val="800"/>
+                        </a:spcAft>
+                        <a:buNone/>
+                      </a:pPr>
+                      <a:r>
+                        <a:rPr lang="en-GB" sz="1500" kern="100">
+                          <a:effectLst/>
+                        </a:rPr>
+                        <a:t>High</a:t>
+                      </a:r>
+                      <a:endParaRPr lang="en-GB" sz="1500" kern="100">
+                        <a:effectLst/>
+                        <a:latin typeface="Aptos" panose="020B0004020202020204" pitchFamily="34" charset="0"/>
+                        <a:ea typeface="Aptos" panose="020B0004020202020204" pitchFamily="34" charset="0"/>
+                        <a:cs typeface="Arial" panose="020B0604020202020204" pitchFamily="34" charset="0"/>
+                      </a:endParaRPr>
+                    </a:p>
+                  </a:txBody>
+                  <a:tcPr marL="87323" marR="87323" marT="0" marB="0">
+                    <a:lnL w="12700" cap="flat" cmpd="sng" algn="ctr">
+                      <a:solidFill>
+                        <a:schemeClr val="tx1"/>
+                      </a:solidFill>
+                      <a:prstDash val="solid"/>
+                      <a:round/>
+                      <a:headEnd type="none" w="med" len="med"/>
+                      <a:tailEnd type="none" w="med" len="med"/>
+                    </a:lnL>
+                    <a:lnR w="12700" cap="flat" cmpd="sng" algn="ctr">
+                      <a:solidFill>
+                        <a:schemeClr val="tx1"/>
+                      </a:solidFill>
+                      <a:prstDash val="solid"/>
+                      <a:round/>
+                      <a:headEnd type="none" w="med" len="med"/>
+                      <a:tailEnd type="none" w="med" len="med"/>
+                    </a:lnR>
+                    <a:lnT w="12700" cap="flat" cmpd="sng" algn="ctr">
+                      <a:solidFill>
+                        <a:schemeClr val="tx1"/>
+                      </a:solidFill>
+                      <a:prstDash val="solid"/>
+                      <a:round/>
+                      <a:headEnd type="none" w="med" len="med"/>
+                      <a:tailEnd type="none" w="med" len="med"/>
+                    </a:lnT>
+                    <a:lnB w="12700" cap="flat" cmpd="sng" algn="ctr">
+                      <a:solidFill>
+                        <a:schemeClr val="tx1"/>
+                      </a:solidFill>
+                      <a:prstDash val="solid"/>
+                      <a:round/>
+                      <a:headEnd type="none" w="med" len="med"/>
+                      <a:tailEnd type="none" w="med" len="med"/>
+                    </a:lnB>
+                  </a:tcPr>
+                </a:tc>
+                <a:tc>
+                  <a:txBody>
+                    <a:bodyPr/>
+                    <a:lstStyle/>
+                    <a:p>
+                      <a:pPr algn="l">
+                        <a:lnSpc>
+                          <a:spcPct val="115000"/>
+                        </a:lnSpc>
+                        <a:spcAft>
+                          <a:spcPts val="800"/>
+                        </a:spcAft>
+                        <a:buNone/>
+                      </a:pPr>
+                      <a:r>
+                        <a:rPr lang="en-GB" sz="1500" kern="100">
+                          <a:effectLst/>
+                        </a:rPr>
+                        <a:t>Low</a:t>
+                      </a:r>
+                      <a:endParaRPr lang="en-GB" sz="1500" kern="100">
+                        <a:effectLst/>
+                        <a:latin typeface="Aptos" panose="020B0004020202020204" pitchFamily="34" charset="0"/>
+                        <a:ea typeface="Aptos" panose="020B0004020202020204" pitchFamily="34" charset="0"/>
+                        <a:cs typeface="Arial" panose="020B0604020202020204" pitchFamily="34" charset="0"/>
+                      </a:endParaRPr>
+                    </a:p>
+                  </a:txBody>
+                  <a:tcPr marL="87323" marR="87323" marT="0" marB="0">
+                    <a:lnL w="12700" cap="flat" cmpd="sng" algn="ctr">
+                      <a:solidFill>
+                        <a:schemeClr val="tx1"/>
+                      </a:solidFill>
+                      <a:prstDash val="solid"/>
+                      <a:round/>
+                      <a:headEnd type="none" w="med" len="med"/>
+                      <a:tailEnd type="none" w="med" len="med"/>
+                    </a:lnL>
+                    <a:lnR w="12700" cap="flat" cmpd="sng" algn="ctr">
+                      <a:solidFill>
+                        <a:schemeClr val="tx1"/>
+                      </a:solidFill>
+                      <a:prstDash val="solid"/>
+                      <a:round/>
+                      <a:headEnd type="none" w="med" len="med"/>
+                      <a:tailEnd type="none" w="med" len="med"/>
+                    </a:lnR>
+                    <a:lnT w="12700" cap="flat" cmpd="sng" algn="ctr">
+                      <a:solidFill>
+                        <a:schemeClr val="tx1"/>
+                      </a:solidFill>
+                      <a:prstDash val="solid"/>
+                      <a:round/>
+                      <a:headEnd type="none" w="med" len="med"/>
+                      <a:tailEnd type="none" w="med" len="med"/>
+                    </a:lnT>
+                    <a:lnB w="12700" cap="flat" cmpd="sng" algn="ctr">
+                      <a:solidFill>
+                        <a:schemeClr val="tx1"/>
+                      </a:solidFill>
+                      <a:prstDash val="solid"/>
+                      <a:round/>
+                      <a:headEnd type="none" w="med" len="med"/>
+                      <a:tailEnd type="none" w="med" len="med"/>
+                    </a:lnB>
+                  </a:tcPr>
+                </a:tc>
+                <a:tc>
+                  <a:txBody>
+                    <a:bodyPr/>
+                    <a:lstStyle/>
+                    <a:p>
+                      <a:pPr algn="l">
+                        <a:lnSpc>
+                          <a:spcPct val="115000"/>
+                        </a:lnSpc>
+                        <a:spcAft>
+                          <a:spcPts val="800"/>
+                        </a:spcAft>
+                        <a:buNone/>
+                      </a:pPr>
+                      <a:r>
+                        <a:rPr lang="en-GB" sz="1500" kern="100">
+                          <a:effectLst/>
+                        </a:rPr>
+                        <a:t>Close</a:t>
+                      </a:r>
+                      <a:endParaRPr lang="en-GB" sz="1500" kern="100">
+                        <a:effectLst/>
+                        <a:latin typeface="Aptos" panose="020B0004020202020204" pitchFamily="34" charset="0"/>
+                        <a:ea typeface="Aptos" panose="020B0004020202020204" pitchFamily="34" charset="0"/>
+                        <a:cs typeface="Arial" panose="020B0604020202020204" pitchFamily="34" charset="0"/>
+                      </a:endParaRPr>
+                    </a:p>
+                  </a:txBody>
+                  <a:tcPr marL="87323" marR="87323" marT="0" marB="0">
+                    <a:lnL w="12700" cap="flat" cmpd="sng" algn="ctr">
+                      <a:solidFill>
+                        <a:schemeClr val="tx1"/>
+                      </a:solidFill>
+                      <a:prstDash val="solid"/>
+                      <a:round/>
+                      <a:headEnd type="none" w="med" len="med"/>
+                      <a:tailEnd type="none" w="med" len="med"/>
+                    </a:lnL>
+                    <a:lnR w="12700" cap="flat" cmpd="sng" algn="ctr">
+                      <a:solidFill>
+                        <a:schemeClr val="tx1"/>
+                      </a:solidFill>
+                      <a:prstDash val="solid"/>
+                      <a:round/>
+                      <a:headEnd type="none" w="med" len="med"/>
+                      <a:tailEnd type="none" w="med" len="med"/>
+                    </a:lnR>
+                    <a:lnT w="12700" cap="flat" cmpd="sng" algn="ctr">
+                      <a:solidFill>
+                        <a:schemeClr val="tx1"/>
+                      </a:solidFill>
+                      <a:prstDash val="solid"/>
+                      <a:round/>
+                      <a:headEnd type="none" w="med" len="med"/>
+                      <a:tailEnd type="none" w="med" len="med"/>
+                    </a:lnT>
+                    <a:lnB w="12700" cap="flat" cmpd="sng" algn="ctr">
+                      <a:solidFill>
+                        <a:schemeClr val="tx1"/>
+                      </a:solidFill>
+                      <a:prstDash val="solid"/>
+                      <a:round/>
+                      <a:headEnd type="none" w="med" len="med"/>
+                      <a:tailEnd type="none" w="med" len="med"/>
+                    </a:lnB>
+                  </a:tcPr>
+                </a:tc>
+                <a:tc>
+                  <a:txBody>
+                    <a:bodyPr/>
+                    <a:lstStyle/>
+                    <a:p>
+                      <a:pPr algn="l">
+                        <a:lnSpc>
+                          <a:spcPct val="115000"/>
+                        </a:lnSpc>
+                        <a:spcAft>
+                          <a:spcPts val="800"/>
+                        </a:spcAft>
+                        <a:buNone/>
+                      </a:pPr>
+                      <a:r>
+                        <a:rPr lang="en-GB" sz="1500" kern="100">
+                          <a:effectLst/>
+                        </a:rPr>
+                        <a:t>SMA_200</a:t>
+                      </a:r>
+                      <a:endParaRPr lang="en-GB" sz="1500" kern="100">
+                        <a:effectLst/>
+                        <a:latin typeface="Aptos" panose="020B0004020202020204" pitchFamily="34" charset="0"/>
+                        <a:ea typeface="Aptos" panose="020B0004020202020204" pitchFamily="34" charset="0"/>
+                        <a:cs typeface="Arial" panose="020B0604020202020204" pitchFamily="34" charset="0"/>
+                      </a:endParaRPr>
+                    </a:p>
+                  </a:txBody>
+                  <a:tcPr marL="87323" marR="87323" marT="0" marB="0">
+                    <a:lnL w="12700" cap="flat" cmpd="sng" algn="ctr">
+                      <a:solidFill>
+                        <a:schemeClr val="tx1"/>
+                      </a:solidFill>
+                      <a:prstDash val="solid"/>
+                      <a:round/>
+                      <a:headEnd type="none" w="med" len="med"/>
+                      <a:tailEnd type="none" w="med" len="med"/>
+                    </a:lnL>
+                    <a:lnR w="12700" cap="flat" cmpd="sng" algn="ctr">
+                      <a:solidFill>
+                        <a:schemeClr val="tx1"/>
+                      </a:solidFill>
+                      <a:prstDash val="solid"/>
+                      <a:round/>
+                      <a:headEnd type="none" w="med" len="med"/>
+                      <a:tailEnd type="none" w="med" len="med"/>
+                    </a:lnR>
+                    <a:lnT w="12700" cap="flat" cmpd="sng" algn="ctr">
+                      <a:solidFill>
+                        <a:schemeClr val="tx1"/>
+                      </a:solidFill>
+                      <a:prstDash val="solid"/>
+                      <a:round/>
+                      <a:headEnd type="none" w="med" len="med"/>
+                      <a:tailEnd type="none" w="med" len="med"/>
+                    </a:lnT>
+                    <a:lnB w="12700" cap="flat" cmpd="sng" algn="ctr">
+                      <a:solidFill>
+                        <a:schemeClr val="tx1"/>
+                      </a:solidFill>
+                      <a:prstDash val="solid"/>
+                      <a:round/>
+                      <a:headEnd type="none" w="med" len="med"/>
+                      <a:tailEnd type="none" w="med" len="med"/>
+                    </a:lnB>
+                  </a:tcPr>
+                </a:tc>
+                <a:tc>
+                  <a:txBody>
+                    <a:bodyPr/>
+                    <a:lstStyle/>
+                    <a:p>
+                      <a:pPr algn="l">
+                        <a:lnSpc>
+                          <a:spcPct val="115000"/>
+                        </a:lnSpc>
+                        <a:spcAft>
+                          <a:spcPts val="800"/>
+                        </a:spcAft>
+                        <a:buNone/>
+                      </a:pPr>
+                      <a:r>
+                        <a:rPr lang="en-GB" sz="1500" kern="100">
+                          <a:effectLst/>
+                        </a:rPr>
+                        <a:t>ATR_168</a:t>
+                      </a:r>
+                      <a:endParaRPr lang="en-GB" sz="1500" kern="100">
+                        <a:effectLst/>
+                        <a:latin typeface="Aptos" panose="020B0004020202020204" pitchFamily="34" charset="0"/>
+                        <a:ea typeface="Aptos" panose="020B0004020202020204" pitchFamily="34" charset="0"/>
+                        <a:cs typeface="Arial" panose="020B0604020202020204" pitchFamily="34" charset="0"/>
+                      </a:endParaRPr>
+                    </a:p>
+                  </a:txBody>
+                  <a:tcPr marL="87323" marR="87323" marT="0" marB="0">
+                    <a:lnL w="12700" cap="flat" cmpd="sng" algn="ctr">
+                      <a:solidFill>
+                        <a:schemeClr val="tx1"/>
+                      </a:solidFill>
+                      <a:prstDash val="solid"/>
+                      <a:round/>
+                      <a:headEnd type="none" w="med" len="med"/>
+                      <a:tailEnd type="none" w="med" len="med"/>
+                    </a:lnL>
+                    <a:lnR w="12700" cap="flat" cmpd="sng" algn="ctr">
+                      <a:solidFill>
+                        <a:schemeClr val="tx1"/>
+                      </a:solidFill>
+                      <a:prstDash val="solid"/>
+                      <a:round/>
+                      <a:headEnd type="none" w="med" len="med"/>
+                      <a:tailEnd type="none" w="med" len="med"/>
+                    </a:lnR>
+                    <a:lnT w="12700" cap="flat" cmpd="sng" algn="ctr">
+                      <a:solidFill>
+                        <a:schemeClr val="tx1"/>
+                      </a:solidFill>
+                      <a:prstDash val="solid"/>
+                      <a:round/>
+                      <a:headEnd type="none" w="med" len="med"/>
+                      <a:tailEnd type="none" w="med" len="med"/>
+                    </a:lnT>
+                    <a:lnB w="12700" cap="flat" cmpd="sng" algn="ctr">
+                      <a:solidFill>
+                        <a:schemeClr val="tx1"/>
+                      </a:solidFill>
+                      <a:prstDash val="solid"/>
+                      <a:round/>
+                      <a:headEnd type="none" w="med" len="med"/>
+                      <a:tailEnd type="none" w="med" len="med"/>
+                    </a:lnB>
+                  </a:tcPr>
+                </a:tc>
+                <a:extLst>
+                  <a:ext uri="{0D108BD9-81ED-4DB2-BD59-A6C34878D82A}">
+                    <a16:rowId xmlns:a16="http://schemas.microsoft.com/office/drawing/2014/main" val="10749580"/>
+                  </a:ext>
+                </a:extLst>
+              </a:tr>
+              <a:tr h="566792">
+                <a:tc>
+                  <a:txBody>
+                    <a:bodyPr/>
+                    <a:lstStyle/>
+                    <a:p>
+                      <a:pPr algn="l">
+                        <a:lnSpc>
+                          <a:spcPct val="115000"/>
+                        </a:lnSpc>
+                        <a:spcAft>
+                          <a:spcPts val="800"/>
+                        </a:spcAft>
+                        <a:buNone/>
+                      </a:pPr>
+                      <a:r>
+                        <a:rPr lang="en-GB" sz="1500" b="0" kern="100" dirty="0">
+                          <a:effectLst/>
+                        </a:rPr>
+                        <a:t>2012-01-09 17:00:00</a:t>
+                      </a:r>
+                      <a:endParaRPr lang="en-GB" sz="1500" b="0" kern="100" dirty="0">
+                        <a:effectLst/>
+                        <a:latin typeface="Aptos" panose="020B0004020202020204" pitchFamily="34" charset="0"/>
+                        <a:ea typeface="Aptos" panose="020B0004020202020204" pitchFamily="34" charset="0"/>
+                        <a:cs typeface="Arial" panose="020B0604020202020204" pitchFamily="34" charset="0"/>
+                      </a:endParaRPr>
+                    </a:p>
+                  </a:txBody>
+                  <a:tcPr marL="87323" marR="87323" marT="0" marB="0">
+                    <a:lnL w="12700" cap="flat" cmpd="sng" algn="ctr">
+                      <a:solidFill>
+                        <a:schemeClr val="tx1"/>
+                      </a:solidFill>
+                      <a:prstDash val="solid"/>
+                      <a:round/>
+                      <a:headEnd type="none" w="med" len="med"/>
+                      <a:tailEnd type="none" w="med" len="med"/>
+                    </a:lnL>
+                    <a:lnR w="12700" cap="flat" cmpd="sng" algn="ctr">
+                      <a:solidFill>
+                        <a:schemeClr val="tx1"/>
+                      </a:solidFill>
+                      <a:prstDash val="solid"/>
+                      <a:round/>
+                      <a:headEnd type="none" w="med" len="med"/>
+                      <a:tailEnd type="none" w="med" len="med"/>
+                    </a:lnR>
+                    <a:lnT w="12700" cap="flat" cmpd="sng" algn="ctr">
+                      <a:solidFill>
+                        <a:schemeClr val="tx1"/>
+                      </a:solidFill>
+                      <a:prstDash val="solid"/>
+                      <a:round/>
+                      <a:headEnd type="none" w="med" len="med"/>
+                      <a:tailEnd type="none" w="med" len="med"/>
+                    </a:lnT>
+                    <a:lnB w="12700" cap="flat" cmpd="sng" algn="ctr">
+                      <a:solidFill>
+                        <a:schemeClr val="tx1"/>
+                      </a:solidFill>
+                      <a:prstDash val="solid"/>
+                      <a:round/>
+                      <a:headEnd type="none" w="med" len="med"/>
+                      <a:tailEnd type="none" w="med" len="med"/>
+                    </a:lnB>
+                  </a:tcPr>
+                </a:tc>
+                <a:tc>
+                  <a:txBody>
+                    <a:bodyPr/>
+                    <a:lstStyle/>
+                    <a:p>
+                      <a:pPr algn="l">
+                        <a:lnSpc>
+                          <a:spcPct val="115000"/>
+                        </a:lnSpc>
+                        <a:spcAft>
+                          <a:spcPts val="800"/>
+                        </a:spcAft>
+                        <a:buNone/>
+                      </a:pPr>
+                      <a:r>
+                        <a:rPr lang="en-GB" sz="1500" kern="100">
+                          <a:effectLst/>
+                        </a:rPr>
+                        <a:t>1326128400.0</a:t>
+                      </a:r>
+                      <a:endParaRPr lang="en-GB" sz="1500" kern="100">
+                        <a:effectLst/>
+                        <a:latin typeface="Aptos" panose="020B0004020202020204" pitchFamily="34" charset="0"/>
+                        <a:ea typeface="Aptos" panose="020B0004020202020204" pitchFamily="34" charset="0"/>
+                        <a:cs typeface="Arial" panose="020B0604020202020204" pitchFamily="34" charset="0"/>
+                      </a:endParaRPr>
+                    </a:p>
+                  </a:txBody>
+                  <a:tcPr marL="87323" marR="87323" marT="0" marB="0">
+                    <a:lnL w="12700" cap="flat" cmpd="sng" algn="ctr">
+                      <a:solidFill>
+                        <a:schemeClr val="tx1"/>
+                      </a:solidFill>
+                      <a:prstDash val="solid"/>
+                      <a:round/>
+                      <a:headEnd type="none" w="med" len="med"/>
+                      <a:tailEnd type="none" w="med" len="med"/>
+                    </a:lnL>
+                    <a:lnR w="12700" cap="flat" cmpd="sng" algn="ctr">
+                      <a:solidFill>
+                        <a:schemeClr val="tx1"/>
+                      </a:solidFill>
+                      <a:prstDash val="solid"/>
+                      <a:round/>
+                      <a:headEnd type="none" w="med" len="med"/>
+                      <a:tailEnd type="none" w="med" len="med"/>
+                    </a:lnR>
+                    <a:lnT w="12700" cap="flat" cmpd="sng" algn="ctr">
+                      <a:solidFill>
+                        <a:schemeClr val="tx1"/>
+                      </a:solidFill>
+                      <a:prstDash val="solid"/>
+                      <a:round/>
+                      <a:headEnd type="none" w="med" len="med"/>
+                      <a:tailEnd type="none" w="med" len="med"/>
+                    </a:lnT>
+                    <a:lnB w="12700" cap="flat" cmpd="sng" algn="ctr">
+                      <a:solidFill>
+                        <a:schemeClr val="tx1"/>
+                      </a:solidFill>
+                      <a:prstDash val="solid"/>
+                      <a:round/>
+                      <a:headEnd type="none" w="med" len="med"/>
+                      <a:tailEnd type="none" w="med" len="med"/>
+                    </a:lnB>
+                  </a:tcPr>
+                </a:tc>
+                <a:tc>
+                  <a:txBody>
+                    <a:bodyPr/>
+                    <a:lstStyle/>
+                    <a:p>
+                      <a:pPr algn="l">
+                        <a:lnSpc>
+                          <a:spcPct val="115000"/>
+                        </a:lnSpc>
+                        <a:spcAft>
+                          <a:spcPts val="800"/>
+                        </a:spcAft>
+                        <a:buNone/>
+                      </a:pPr>
+                      <a:r>
+                        <a:rPr lang="en-GB" sz="1500" kern="100">
+                          <a:effectLst/>
+                        </a:rPr>
+                        <a:t>6.9</a:t>
+                      </a:r>
+                      <a:endParaRPr lang="en-GB" sz="1500" kern="100">
+                        <a:effectLst/>
+                        <a:latin typeface="Aptos" panose="020B0004020202020204" pitchFamily="34" charset="0"/>
+                        <a:ea typeface="Aptos" panose="020B0004020202020204" pitchFamily="34" charset="0"/>
+                        <a:cs typeface="Arial" panose="020B0604020202020204" pitchFamily="34" charset="0"/>
+                      </a:endParaRPr>
+                    </a:p>
+                  </a:txBody>
+                  <a:tcPr marL="87323" marR="87323" marT="0" marB="0">
+                    <a:lnL w="12700" cap="flat" cmpd="sng" algn="ctr">
+                      <a:solidFill>
+                        <a:schemeClr val="tx1"/>
+                      </a:solidFill>
+                      <a:prstDash val="solid"/>
+                      <a:round/>
+                      <a:headEnd type="none" w="med" len="med"/>
+                      <a:tailEnd type="none" w="med" len="med"/>
+                    </a:lnL>
+                    <a:lnR w="12700" cap="flat" cmpd="sng" algn="ctr">
+                      <a:solidFill>
+                        <a:schemeClr val="tx1"/>
+                      </a:solidFill>
+                      <a:prstDash val="solid"/>
+                      <a:round/>
+                      <a:headEnd type="none" w="med" len="med"/>
+                      <a:tailEnd type="none" w="med" len="med"/>
+                    </a:lnR>
+                    <a:lnT w="12700" cap="flat" cmpd="sng" algn="ctr">
+                      <a:solidFill>
+                        <a:schemeClr val="tx1"/>
+                      </a:solidFill>
+                      <a:prstDash val="solid"/>
+                      <a:round/>
+                      <a:headEnd type="none" w="med" len="med"/>
+                      <a:tailEnd type="none" w="med" len="med"/>
+                    </a:lnT>
+                    <a:lnB w="12700" cap="flat" cmpd="sng" algn="ctr">
+                      <a:solidFill>
+                        <a:schemeClr val="tx1"/>
+                      </a:solidFill>
+                      <a:prstDash val="solid"/>
+                      <a:round/>
+                      <a:headEnd type="none" w="med" len="med"/>
+                      <a:tailEnd type="none" w="med" len="med"/>
+                    </a:lnB>
+                  </a:tcPr>
+                </a:tc>
+                <a:tc>
+                  <a:txBody>
+                    <a:bodyPr/>
+                    <a:lstStyle/>
+                    <a:p>
+                      <a:pPr algn="l">
+                        <a:lnSpc>
+                          <a:spcPct val="115000"/>
+                        </a:lnSpc>
+                        <a:spcAft>
+                          <a:spcPts val="800"/>
+                        </a:spcAft>
+                        <a:buNone/>
+                      </a:pPr>
+                      <a:r>
+                        <a:rPr lang="en-GB" sz="1500" kern="100">
+                          <a:effectLst/>
+                        </a:rPr>
+                        <a:t>6.9</a:t>
+                      </a:r>
+                      <a:endParaRPr lang="en-GB" sz="1500" kern="100">
+                        <a:effectLst/>
+                        <a:latin typeface="Aptos" panose="020B0004020202020204" pitchFamily="34" charset="0"/>
+                        <a:ea typeface="Aptos" panose="020B0004020202020204" pitchFamily="34" charset="0"/>
+                        <a:cs typeface="Arial" panose="020B0604020202020204" pitchFamily="34" charset="0"/>
+                      </a:endParaRPr>
+                    </a:p>
+                  </a:txBody>
+                  <a:tcPr marL="87323" marR="87323" marT="0" marB="0">
+                    <a:lnL w="12700" cap="flat" cmpd="sng" algn="ctr">
+                      <a:solidFill>
+                        <a:schemeClr val="tx1"/>
+                      </a:solidFill>
+                      <a:prstDash val="solid"/>
+                      <a:round/>
+                      <a:headEnd type="none" w="med" len="med"/>
+                      <a:tailEnd type="none" w="med" len="med"/>
+                    </a:lnL>
+                    <a:lnR w="12700" cap="flat" cmpd="sng" algn="ctr">
+                      <a:solidFill>
+                        <a:schemeClr val="tx1"/>
+                      </a:solidFill>
+                      <a:prstDash val="solid"/>
+                      <a:round/>
+                      <a:headEnd type="none" w="med" len="med"/>
+                      <a:tailEnd type="none" w="med" len="med"/>
+                    </a:lnR>
+                    <a:lnT w="12700" cap="flat" cmpd="sng" algn="ctr">
+                      <a:solidFill>
+                        <a:schemeClr val="tx1"/>
+                      </a:solidFill>
+                      <a:prstDash val="solid"/>
+                      <a:round/>
+                      <a:headEnd type="none" w="med" len="med"/>
+                      <a:tailEnd type="none" w="med" len="med"/>
+                    </a:lnT>
+                    <a:lnB w="12700" cap="flat" cmpd="sng" algn="ctr">
+                      <a:solidFill>
+                        <a:schemeClr val="tx1"/>
+                      </a:solidFill>
+                      <a:prstDash val="solid"/>
+                      <a:round/>
+                      <a:headEnd type="none" w="med" len="med"/>
+                      <a:tailEnd type="none" w="med" len="med"/>
+                    </a:lnB>
+                  </a:tcPr>
+                </a:tc>
+                <a:tc>
+                  <a:txBody>
+                    <a:bodyPr/>
+                    <a:lstStyle/>
+                    <a:p>
+                      <a:pPr algn="l">
+                        <a:lnSpc>
+                          <a:spcPct val="115000"/>
+                        </a:lnSpc>
+                        <a:spcAft>
+                          <a:spcPts val="800"/>
+                        </a:spcAft>
+                        <a:buNone/>
+                      </a:pPr>
+                      <a:r>
+                        <a:rPr lang="en-GB" sz="1500" kern="100">
+                          <a:effectLst/>
+                        </a:rPr>
+                        <a:t>6.5</a:t>
+                      </a:r>
+                      <a:endParaRPr lang="en-GB" sz="1500" kern="100">
+                        <a:effectLst/>
+                        <a:latin typeface="Aptos" panose="020B0004020202020204" pitchFamily="34" charset="0"/>
+                        <a:ea typeface="Aptos" panose="020B0004020202020204" pitchFamily="34" charset="0"/>
+                        <a:cs typeface="Arial" panose="020B0604020202020204" pitchFamily="34" charset="0"/>
+                      </a:endParaRPr>
+                    </a:p>
+                  </a:txBody>
+                  <a:tcPr marL="87323" marR="87323" marT="0" marB="0">
+                    <a:lnL w="12700" cap="flat" cmpd="sng" algn="ctr">
+                      <a:solidFill>
+                        <a:schemeClr val="tx1"/>
+                      </a:solidFill>
+                      <a:prstDash val="solid"/>
+                      <a:round/>
+                      <a:headEnd type="none" w="med" len="med"/>
+                      <a:tailEnd type="none" w="med" len="med"/>
+                    </a:lnL>
+                    <a:lnR w="12700" cap="flat" cmpd="sng" algn="ctr">
+                      <a:solidFill>
+                        <a:schemeClr val="tx1"/>
+                      </a:solidFill>
+                      <a:prstDash val="solid"/>
+                      <a:round/>
+                      <a:headEnd type="none" w="med" len="med"/>
+                      <a:tailEnd type="none" w="med" len="med"/>
+                    </a:lnR>
+                    <a:lnT w="12700" cap="flat" cmpd="sng" algn="ctr">
+                      <a:solidFill>
+                        <a:schemeClr val="tx1"/>
+                      </a:solidFill>
+                      <a:prstDash val="solid"/>
+                      <a:round/>
+                      <a:headEnd type="none" w="med" len="med"/>
+                      <a:tailEnd type="none" w="med" len="med"/>
+                    </a:lnT>
+                    <a:lnB w="12700" cap="flat" cmpd="sng" algn="ctr">
+                      <a:solidFill>
+                        <a:schemeClr val="tx1"/>
+                      </a:solidFill>
+                      <a:prstDash val="solid"/>
+                      <a:round/>
+                      <a:headEnd type="none" w="med" len="med"/>
+                      <a:tailEnd type="none" w="med" len="med"/>
+                    </a:lnB>
+                  </a:tcPr>
+                </a:tc>
+                <a:tc>
+                  <a:txBody>
+                    <a:bodyPr/>
+                    <a:lstStyle/>
+                    <a:p>
+                      <a:pPr algn="l">
+                        <a:lnSpc>
+                          <a:spcPct val="115000"/>
+                        </a:lnSpc>
+                        <a:spcAft>
+                          <a:spcPts val="800"/>
+                        </a:spcAft>
+                        <a:buNone/>
+                      </a:pPr>
+                      <a:r>
+                        <a:rPr lang="en-GB" sz="1500" kern="100">
+                          <a:effectLst/>
+                        </a:rPr>
+                        <a:t>6.5</a:t>
+                      </a:r>
+                      <a:endParaRPr lang="en-GB" sz="1500" kern="100">
+                        <a:effectLst/>
+                        <a:latin typeface="Aptos" panose="020B0004020202020204" pitchFamily="34" charset="0"/>
+                        <a:ea typeface="Aptos" panose="020B0004020202020204" pitchFamily="34" charset="0"/>
+                        <a:cs typeface="Arial" panose="020B0604020202020204" pitchFamily="34" charset="0"/>
+                      </a:endParaRPr>
+                    </a:p>
+                  </a:txBody>
+                  <a:tcPr marL="87323" marR="87323" marT="0" marB="0">
+                    <a:lnL w="12700" cap="flat" cmpd="sng" algn="ctr">
+                      <a:solidFill>
+                        <a:schemeClr val="tx1"/>
+                      </a:solidFill>
+                      <a:prstDash val="solid"/>
+                      <a:round/>
+                      <a:headEnd type="none" w="med" len="med"/>
+                      <a:tailEnd type="none" w="med" len="med"/>
+                    </a:lnL>
+                    <a:lnR w="12700" cap="flat" cmpd="sng" algn="ctr">
+                      <a:solidFill>
+                        <a:schemeClr val="tx1"/>
+                      </a:solidFill>
+                      <a:prstDash val="solid"/>
+                      <a:round/>
+                      <a:headEnd type="none" w="med" len="med"/>
+                      <a:tailEnd type="none" w="med" len="med"/>
+                    </a:lnR>
+                    <a:lnT w="12700" cap="flat" cmpd="sng" algn="ctr">
+                      <a:solidFill>
+                        <a:schemeClr val="tx1"/>
+                      </a:solidFill>
+                      <a:prstDash val="solid"/>
+                      <a:round/>
+                      <a:headEnd type="none" w="med" len="med"/>
+                      <a:tailEnd type="none" w="med" len="med"/>
+                    </a:lnT>
+                    <a:lnB w="12700" cap="flat" cmpd="sng" algn="ctr">
+                      <a:solidFill>
+                        <a:schemeClr val="tx1"/>
+                      </a:solidFill>
+                      <a:prstDash val="solid"/>
+                      <a:round/>
+                      <a:headEnd type="none" w="med" len="med"/>
+                      <a:tailEnd type="none" w="med" len="med"/>
+                    </a:lnB>
+                  </a:tcPr>
+                </a:tc>
+                <a:tc>
+                  <a:txBody>
+                    <a:bodyPr/>
+                    <a:lstStyle/>
+                    <a:p>
+                      <a:pPr algn="l">
+                        <a:lnSpc>
+                          <a:spcPct val="115000"/>
+                        </a:lnSpc>
+                        <a:spcAft>
+                          <a:spcPts val="800"/>
+                        </a:spcAft>
+                        <a:buNone/>
+                      </a:pPr>
+                      <a:r>
+                        <a:rPr lang="en-GB" sz="1500" kern="100">
+                          <a:effectLst/>
+                        </a:rPr>
+                        <a:t>5.83495</a:t>
+                      </a:r>
+                      <a:endParaRPr lang="en-GB" sz="1500" kern="100">
+                        <a:effectLst/>
+                        <a:latin typeface="Aptos" panose="020B0004020202020204" pitchFamily="34" charset="0"/>
+                        <a:ea typeface="Aptos" panose="020B0004020202020204" pitchFamily="34" charset="0"/>
+                        <a:cs typeface="Arial" panose="020B0604020202020204" pitchFamily="34" charset="0"/>
+                      </a:endParaRPr>
+                    </a:p>
+                  </a:txBody>
+                  <a:tcPr marL="87323" marR="87323" marT="0" marB="0">
+                    <a:lnL w="12700" cap="flat" cmpd="sng" algn="ctr">
+                      <a:solidFill>
+                        <a:schemeClr val="tx1"/>
+                      </a:solidFill>
+                      <a:prstDash val="solid"/>
+                      <a:round/>
+                      <a:headEnd type="none" w="med" len="med"/>
+                      <a:tailEnd type="none" w="med" len="med"/>
+                    </a:lnL>
+                    <a:lnR w="12700" cap="flat" cmpd="sng" algn="ctr">
+                      <a:solidFill>
+                        <a:schemeClr val="tx1"/>
+                      </a:solidFill>
+                      <a:prstDash val="solid"/>
+                      <a:round/>
+                      <a:headEnd type="none" w="med" len="med"/>
+                      <a:tailEnd type="none" w="med" len="med"/>
+                    </a:lnR>
+                    <a:lnT w="12700" cap="flat" cmpd="sng" algn="ctr">
+                      <a:solidFill>
+                        <a:schemeClr val="tx1"/>
+                      </a:solidFill>
+                      <a:prstDash val="solid"/>
+                      <a:round/>
+                      <a:headEnd type="none" w="med" len="med"/>
+                      <a:tailEnd type="none" w="med" len="med"/>
+                    </a:lnT>
+                    <a:lnB w="12700" cap="flat" cmpd="sng" algn="ctr">
+                      <a:solidFill>
+                        <a:schemeClr val="tx1"/>
+                      </a:solidFill>
+                      <a:prstDash val="solid"/>
+                      <a:round/>
+                      <a:headEnd type="none" w="med" len="med"/>
+                      <a:tailEnd type="none" w="med" len="med"/>
+                    </a:lnB>
+                  </a:tcPr>
+                </a:tc>
+                <a:tc>
+                  <a:txBody>
+                    <a:bodyPr/>
+                    <a:lstStyle/>
+                    <a:p>
+                      <a:pPr algn="l">
+                        <a:lnSpc>
+                          <a:spcPct val="115000"/>
+                        </a:lnSpc>
+                        <a:spcAft>
+                          <a:spcPts val="800"/>
+                        </a:spcAft>
+                        <a:buNone/>
+                      </a:pPr>
+                      <a:r>
+                        <a:rPr lang="en-GB" sz="1500" kern="100">
+                          <a:effectLst/>
+                        </a:rPr>
+                        <a:t>0.03255952380952383</a:t>
+                      </a:r>
+                      <a:endParaRPr lang="en-GB" sz="1500" kern="100">
+                        <a:effectLst/>
+                        <a:latin typeface="Aptos" panose="020B0004020202020204" pitchFamily="34" charset="0"/>
+                        <a:ea typeface="Aptos" panose="020B0004020202020204" pitchFamily="34" charset="0"/>
+                        <a:cs typeface="Arial" panose="020B0604020202020204" pitchFamily="34" charset="0"/>
+                      </a:endParaRPr>
+                    </a:p>
+                  </a:txBody>
+                  <a:tcPr marL="87323" marR="87323" marT="0" marB="0">
+                    <a:lnL w="12700" cap="flat" cmpd="sng" algn="ctr">
+                      <a:solidFill>
+                        <a:schemeClr val="tx1"/>
+                      </a:solidFill>
+                      <a:prstDash val="solid"/>
+                      <a:round/>
+                      <a:headEnd type="none" w="med" len="med"/>
+                      <a:tailEnd type="none" w="med" len="med"/>
+                    </a:lnL>
+                    <a:lnR w="12700" cap="flat" cmpd="sng" algn="ctr">
+                      <a:solidFill>
+                        <a:schemeClr val="tx1"/>
+                      </a:solidFill>
+                      <a:prstDash val="solid"/>
+                      <a:round/>
+                      <a:headEnd type="none" w="med" len="med"/>
+                      <a:tailEnd type="none" w="med" len="med"/>
+                    </a:lnR>
+                    <a:lnT w="12700" cap="flat" cmpd="sng" algn="ctr">
+                      <a:solidFill>
+                        <a:schemeClr val="tx1"/>
+                      </a:solidFill>
+                      <a:prstDash val="solid"/>
+                      <a:round/>
+                      <a:headEnd type="none" w="med" len="med"/>
+                      <a:tailEnd type="none" w="med" len="med"/>
+                    </a:lnT>
+                    <a:lnB w="12700" cap="flat" cmpd="sng" algn="ctr">
+                      <a:solidFill>
+                        <a:schemeClr val="tx1"/>
+                      </a:solidFill>
+                      <a:prstDash val="solid"/>
+                      <a:round/>
+                      <a:headEnd type="none" w="med" len="med"/>
+                      <a:tailEnd type="none" w="med" len="med"/>
+                    </a:lnB>
+                  </a:tcPr>
+                </a:tc>
+                <a:extLst>
+                  <a:ext uri="{0D108BD9-81ED-4DB2-BD59-A6C34878D82A}">
+                    <a16:rowId xmlns:a16="http://schemas.microsoft.com/office/drawing/2014/main" val="4243485997"/>
+                  </a:ext>
+                </a:extLst>
+              </a:tr>
+              <a:tr h="566792">
+                <a:tc>
+                  <a:txBody>
+                    <a:bodyPr/>
+                    <a:lstStyle/>
+                    <a:p>
+                      <a:pPr algn="l">
+                        <a:lnSpc>
+                          <a:spcPct val="115000"/>
+                        </a:lnSpc>
+                        <a:spcAft>
+                          <a:spcPts val="800"/>
+                        </a:spcAft>
+                        <a:buNone/>
+                      </a:pPr>
+                      <a:r>
+                        <a:rPr lang="en-GB" sz="1500" b="0" kern="100">
+                          <a:effectLst/>
+                        </a:rPr>
+                        <a:t>2012-01-09 18:00:00</a:t>
+                      </a:r>
+                      <a:endParaRPr lang="en-GB" sz="1500" b="0" kern="100">
+                        <a:effectLst/>
+                        <a:latin typeface="Aptos" panose="020B0004020202020204" pitchFamily="34" charset="0"/>
+                        <a:ea typeface="Aptos" panose="020B0004020202020204" pitchFamily="34" charset="0"/>
+                        <a:cs typeface="Arial" panose="020B0604020202020204" pitchFamily="34" charset="0"/>
+                      </a:endParaRPr>
+                    </a:p>
+                  </a:txBody>
+                  <a:tcPr marL="87323" marR="87323" marT="0" marB="0">
+                    <a:lnL w="12700" cap="flat" cmpd="sng" algn="ctr">
+                      <a:solidFill>
+                        <a:schemeClr val="tx1"/>
+                      </a:solidFill>
+                      <a:prstDash val="solid"/>
+                      <a:round/>
+                      <a:headEnd type="none" w="med" len="med"/>
+                      <a:tailEnd type="none" w="med" len="med"/>
+                    </a:lnL>
+                    <a:lnR w="12700" cap="flat" cmpd="sng" algn="ctr">
+                      <a:solidFill>
+                        <a:schemeClr val="tx1"/>
+                      </a:solidFill>
+                      <a:prstDash val="solid"/>
+                      <a:round/>
+                      <a:headEnd type="none" w="med" len="med"/>
+                      <a:tailEnd type="none" w="med" len="med"/>
+                    </a:lnR>
+                    <a:lnT w="12700" cap="flat" cmpd="sng" algn="ctr">
+                      <a:solidFill>
+                        <a:schemeClr val="tx1"/>
+                      </a:solidFill>
+                      <a:prstDash val="solid"/>
+                      <a:round/>
+                      <a:headEnd type="none" w="med" len="med"/>
+                      <a:tailEnd type="none" w="med" len="med"/>
+                    </a:lnT>
+                    <a:lnB w="12700" cap="flat" cmpd="sng" algn="ctr">
+                      <a:solidFill>
+                        <a:schemeClr val="tx1"/>
+                      </a:solidFill>
+                      <a:prstDash val="solid"/>
+                      <a:round/>
+                      <a:headEnd type="none" w="med" len="med"/>
+                      <a:tailEnd type="none" w="med" len="med"/>
+                    </a:lnB>
+                  </a:tcPr>
+                </a:tc>
+                <a:tc>
+                  <a:txBody>
+                    <a:bodyPr/>
+                    <a:lstStyle/>
+                    <a:p>
+                      <a:pPr algn="l">
+                        <a:lnSpc>
+                          <a:spcPct val="115000"/>
+                        </a:lnSpc>
+                        <a:spcAft>
+                          <a:spcPts val="800"/>
+                        </a:spcAft>
+                        <a:buNone/>
+                      </a:pPr>
+                      <a:r>
+                        <a:rPr lang="en-GB" sz="1500" kern="100">
+                          <a:effectLst/>
+                        </a:rPr>
+                        <a:t>1326132000.0</a:t>
+                      </a:r>
+                      <a:endParaRPr lang="en-GB" sz="1500" kern="100">
+                        <a:effectLst/>
+                        <a:latin typeface="Aptos" panose="020B0004020202020204" pitchFamily="34" charset="0"/>
+                        <a:ea typeface="Aptos" panose="020B0004020202020204" pitchFamily="34" charset="0"/>
+                        <a:cs typeface="Arial" panose="020B0604020202020204" pitchFamily="34" charset="0"/>
+                      </a:endParaRPr>
+                    </a:p>
+                  </a:txBody>
+                  <a:tcPr marL="87323" marR="87323" marT="0" marB="0">
+                    <a:lnL w="12700" cap="flat" cmpd="sng" algn="ctr">
+                      <a:solidFill>
+                        <a:schemeClr val="tx1"/>
+                      </a:solidFill>
+                      <a:prstDash val="solid"/>
+                      <a:round/>
+                      <a:headEnd type="none" w="med" len="med"/>
+                      <a:tailEnd type="none" w="med" len="med"/>
+                    </a:lnL>
+                    <a:lnR w="12700" cap="flat" cmpd="sng" algn="ctr">
+                      <a:solidFill>
+                        <a:schemeClr val="tx1"/>
+                      </a:solidFill>
+                      <a:prstDash val="solid"/>
+                      <a:round/>
+                      <a:headEnd type="none" w="med" len="med"/>
+                      <a:tailEnd type="none" w="med" len="med"/>
+                    </a:lnR>
+                    <a:lnT w="12700" cap="flat" cmpd="sng" algn="ctr">
+                      <a:solidFill>
+                        <a:schemeClr val="tx1"/>
+                      </a:solidFill>
+                      <a:prstDash val="solid"/>
+                      <a:round/>
+                      <a:headEnd type="none" w="med" len="med"/>
+                      <a:tailEnd type="none" w="med" len="med"/>
+                    </a:lnT>
+                    <a:lnB w="12700" cap="flat" cmpd="sng" algn="ctr">
+                      <a:solidFill>
+                        <a:schemeClr val="tx1"/>
+                      </a:solidFill>
+                      <a:prstDash val="solid"/>
+                      <a:round/>
+                      <a:headEnd type="none" w="med" len="med"/>
+                      <a:tailEnd type="none" w="med" len="med"/>
+                    </a:lnB>
+                  </a:tcPr>
+                </a:tc>
+                <a:tc>
+                  <a:txBody>
+                    <a:bodyPr/>
+                    <a:lstStyle/>
+                    <a:p>
+                      <a:pPr algn="l">
+                        <a:lnSpc>
+                          <a:spcPct val="115000"/>
+                        </a:lnSpc>
+                        <a:spcAft>
+                          <a:spcPts val="800"/>
+                        </a:spcAft>
+                        <a:buNone/>
+                      </a:pPr>
+                      <a:r>
+                        <a:rPr lang="en-GB" sz="1500" kern="100">
+                          <a:effectLst/>
+                        </a:rPr>
+                        <a:t>6.5</a:t>
+                      </a:r>
+                      <a:endParaRPr lang="en-GB" sz="1500" kern="100">
+                        <a:effectLst/>
+                        <a:latin typeface="Aptos" panose="020B0004020202020204" pitchFamily="34" charset="0"/>
+                        <a:ea typeface="Aptos" panose="020B0004020202020204" pitchFamily="34" charset="0"/>
+                        <a:cs typeface="Arial" panose="020B0604020202020204" pitchFamily="34" charset="0"/>
+                      </a:endParaRPr>
+                    </a:p>
+                  </a:txBody>
+                  <a:tcPr marL="87323" marR="87323" marT="0" marB="0">
+                    <a:lnL w="12700" cap="flat" cmpd="sng" algn="ctr">
+                      <a:solidFill>
+                        <a:schemeClr val="tx1"/>
+                      </a:solidFill>
+                      <a:prstDash val="solid"/>
+                      <a:round/>
+                      <a:headEnd type="none" w="med" len="med"/>
+                      <a:tailEnd type="none" w="med" len="med"/>
+                    </a:lnL>
+                    <a:lnR w="12700" cap="flat" cmpd="sng" algn="ctr">
+                      <a:solidFill>
+                        <a:schemeClr val="tx1"/>
+                      </a:solidFill>
+                      <a:prstDash val="solid"/>
+                      <a:round/>
+                      <a:headEnd type="none" w="med" len="med"/>
+                      <a:tailEnd type="none" w="med" len="med"/>
+                    </a:lnR>
+                    <a:lnT w="12700" cap="flat" cmpd="sng" algn="ctr">
+                      <a:solidFill>
+                        <a:schemeClr val="tx1"/>
+                      </a:solidFill>
+                      <a:prstDash val="solid"/>
+                      <a:round/>
+                      <a:headEnd type="none" w="med" len="med"/>
+                      <a:tailEnd type="none" w="med" len="med"/>
+                    </a:lnT>
+                    <a:lnB w="12700" cap="flat" cmpd="sng" algn="ctr">
+                      <a:solidFill>
+                        <a:schemeClr val="tx1"/>
+                      </a:solidFill>
+                      <a:prstDash val="solid"/>
+                      <a:round/>
+                      <a:headEnd type="none" w="med" len="med"/>
+                      <a:tailEnd type="none" w="med" len="med"/>
+                    </a:lnB>
+                  </a:tcPr>
+                </a:tc>
+                <a:tc>
+                  <a:txBody>
+                    <a:bodyPr/>
+                    <a:lstStyle/>
+                    <a:p>
+                      <a:pPr algn="l">
+                        <a:lnSpc>
+                          <a:spcPct val="115000"/>
+                        </a:lnSpc>
+                        <a:spcAft>
+                          <a:spcPts val="800"/>
+                        </a:spcAft>
+                        <a:buNone/>
+                      </a:pPr>
+                      <a:r>
+                        <a:rPr lang="en-GB" sz="1500" kern="100">
+                          <a:effectLst/>
+                        </a:rPr>
+                        <a:t>6.6</a:t>
+                      </a:r>
+                      <a:endParaRPr lang="en-GB" sz="1500" kern="100">
+                        <a:effectLst/>
+                        <a:latin typeface="Aptos" panose="020B0004020202020204" pitchFamily="34" charset="0"/>
+                        <a:ea typeface="Aptos" panose="020B0004020202020204" pitchFamily="34" charset="0"/>
+                        <a:cs typeface="Arial" panose="020B0604020202020204" pitchFamily="34" charset="0"/>
+                      </a:endParaRPr>
+                    </a:p>
+                  </a:txBody>
+                  <a:tcPr marL="87323" marR="87323" marT="0" marB="0">
+                    <a:lnL w="12700" cap="flat" cmpd="sng" algn="ctr">
+                      <a:solidFill>
+                        <a:schemeClr val="tx1"/>
+                      </a:solidFill>
+                      <a:prstDash val="solid"/>
+                      <a:round/>
+                      <a:headEnd type="none" w="med" len="med"/>
+                      <a:tailEnd type="none" w="med" len="med"/>
+                    </a:lnL>
+                    <a:lnR w="12700" cap="flat" cmpd="sng" algn="ctr">
+                      <a:solidFill>
+                        <a:schemeClr val="tx1"/>
+                      </a:solidFill>
+                      <a:prstDash val="solid"/>
+                      <a:round/>
+                      <a:headEnd type="none" w="med" len="med"/>
+                      <a:tailEnd type="none" w="med" len="med"/>
+                    </a:lnR>
+                    <a:lnT w="12700" cap="flat" cmpd="sng" algn="ctr">
+                      <a:solidFill>
+                        <a:schemeClr val="tx1"/>
+                      </a:solidFill>
+                      <a:prstDash val="solid"/>
+                      <a:round/>
+                      <a:headEnd type="none" w="med" len="med"/>
+                      <a:tailEnd type="none" w="med" len="med"/>
+                    </a:lnT>
+                    <a:lnB w="12700" cap="flat" cmpd="sng" algn="ctr">
+                      <a:solidFill>
+                        <a:schemeClr val="tx1"/>
+                      </a:solidFill>
+                      <a:prstDash val="solid"/>
+                      <a:round/>
+                      <a:headEnd type="none" w="med" len="med"/>
+                      <a:tailEnd type="none" w="med" len="med"/>
+                    </a:lnB>
+                  </a:tcPr>
+                </a:tc>
+                <a:tc>
+                  <a:txBody>
+                    <a:bodyPr/>
+                    <a:lstStyle/>
+                    <a:p>
+                      <a:pPr algn="l">
+                        <a:lnSpc>
+                          <a:spcPct val="115000"/>
+                        </a:lnSpc>
+                        <a:spcAft>
+                          <a:spcPts val="800"/>
+                        </a:spcAft>
+                        <a:buNone/>
+                      </a:pPr>
+                      <a:r>
+                        <a:rPr lang="en-GB" sz="1500" kern="100">
+                          <a:effectLst/>
+                        </a:rPr>
+                        <a:t>6.5</a:t>
+                      </a:r>
+                      <a:endParaRPr lang="en-GB" sz="1500" kern="100">
+                        <a:effectLst/>
+                        <a:latin typeface="Aptos" panose="020B0004020202020204" pitchFamily="34" charset="0"/>
+                        <a:ea typeface="Aptos" panose="020B0004020202020204" pitchFamily="34" charset="0"/>
+                        <a:cs typeface="Arial" panose="020B0604020202020204" pitchFamily="34" charset="0"/>
+                      </a:endParaRPr>
+                    </a:p>
+                  </a:txBody>
+                  <a:tcPr marL="87323" marR="87323" marT="0" marB="0">
+                    <a:lnL w="12700" cap="flat" cmpd="sng" algn="ctr">
+                      <a:solidFill>
+                        <a:schemeClr val="tx1"/>
+                      </a:solidFill>
+                      <a:prstDash val="solid"/>
+                      <a:round/>
+                      <a:headEnd type="none" w="med" len="med"/>
+                      <a:tailEnd type="none" w="med" len="med"/>
+                    </a:lnL>
+                    <a:lnR w="12700" cap="flat" cmpd="sng" algn="ctr">
+                      <a:solidFill>
+                        <a:schemeClr val="tx1"/>
+                      </a:solidFill>
+                      <a:prstDash val="solid"/>
+                      <a:round/>
+                      <a:headEnd type="none" w="med" len="med"/>
+                      <a:tailEnd type="none" w="med" len="med"/>
+                    </a:lnR>
+                    <a:lnT w="12700" cap="flat" cmpd="sng" algn="ctr">
+                      <a:solidFill>
+                        <a:schemeClr val="tx1"/>
+                      </a:solidFill>
+                      <a:prstDash val="solid"/>
+                      <a:round/>
+                      <a:headEnd type="none" w="med" len="med"/>
+                      <a:tailEnd type="none" w="med" len="med"/>
+                    </a:lnT>
+                    <a:lnB w="12700" cap="flat" cmpd="sng" algn="ctr">
+                      <a:solidFill>
+                        <a:schemeClr val="tx1"/>
+                      </a:solidFill>
+                      <a:prstDash val="solid"/>
+                      <a:round/>
+                      <a:headEnd type="none" w="med" len="med"/>
+                      <a:tailEnd type="none" w="med" len="med"/>
+                    </a:lnB>
+                  </a:tcPr>
+                </a:tc>
+                <a:tc>
+                  <a:txBody>
+                    <a:bodyPr/>
+                    <a:lstStyle/>
+                    <a:p>
+                      <a:pPr algn="l">
+                        <a:lnSpc>
+                          <a:spcPct val="115000"/>
+                        </a:lnSpc>
+                        <a:spcAft>
+                          <a:spcPts val="800"/>
+                        </a:spcAft>
+                        <a:buNone/>
+                      </a:pPr>
+                      <a:r>
+                        <a:rPr lang="en-GB" sz="1500" kern="100">
+                          <a:effectLst/>
+                        </a:rPr>
+                        <a:t>6.5</a:t>
+                      </a:r>
+                      <a:endParaRPr lang="en-GB" sz="1500" kern="100">
+                        <a:effectLst/>
+                        <a:latin typeface="Aptos" panose="020B0004020202020204" pitchFamily="34" charset="0"/>
+                        <a:ea typeface="Aptos" panose="020B0004020202020204" pitchFamily="34" charset="0"/>
+                        <a:cs typeface="Arial" panose="020B0604020202020204" pitchFamily="34" charset="0"/>
+                      </a:endParaRPr>
+                    </a:p>
+                  </a:txBody>
+                  <a:tcPr marL="87323" marR="87323" marT="0" marB="0">
+                    <a:lnL w="12700" cap="flat" cmpd="sng" algn="ctr">
+                      <a:solidFill>
+                        <a:schemeClr val="tx1"/>
+                      </a:solidFill>
+                      <a:prstDash val="solid"/>
+                      <a:round/>
+                      <a:headEnd type="none" w="med" len="med"/>
+                      <a:tailEnd type="none" w="med" len="med"/>
+                    </a:lnL>
+                    <a:lnR w="12700" cap="flat" cmpd="sng" algn="ctr">
+                      <a:solidFill>
+                        <a:schemeClr val="tx1"/>
+                      </a:solidFill>
+                      <a:prstDash val="solid"/>
+                      <a:round/>
+                      <a:headEnd type="none" w="med" len="med"/>
+                      <a:tailEnd type="none" w="med" len="med"/>
+                    </a:lnR>
+                    <a:lnT w="12700" cap="flat" cmpd="sng" algn="ctr">
+                      <a:solidFill>
+                        <a:schemeClr val="tx1"/>
+                      </a:solidFill>
+                      <a:prstDash val="solid"/>
+                      <a:round/>
+                      <a:headEnd type="none" w="med" len="med"/>
+                      <a:tailEnd type="none" w="med" len="med"/>
+                    </a:lnT>
+                    <a:lnB w="12700" cap="flat" cmpd="sng" algn="ctr">
+                      <a:solidFill>
+                        <a:schemeClr val="tx1"/>
+                      </a:solidFill>
+                      <a:prstDash val="solid"/>
+                      <a:round/>
+                      <a:headEnd type="none" w="med" len="med"/>
+                      <a:tailEnd type="none" w="med" len="med"/>
+                    </a:lnB>
+                  </a:tcPr>
+                </a:tc>
+                <a:tc>
+                  <a:txBody>
+                    <a:bodyPr/>
+                    <a:lstStyle/>
+                    <a:p>
+                      <a:pPr algn="l">
+                        <a:lnSpc>
+                          <a:spcPct val="115000"/>
+                        </a:lnSpc>
+                        <a:spcAft>
+                          <a:spcPts val="800"/>
+                        </a:spcAft>
+                        <a:buNone/>
+                      </a:pPr>
+                      <a:r>
+                        <a:rPr lang="en-GB" sz="1500" kern="100">
+                          <a:effectLst/>
+                        </a:rPr>
+                        <a:t>5.844550000000001</a:t>
+                      </a:r>
+                      <a:endParaRPr lang="en-GB" sz="1500" kern="100">
+                        <a:effectLst/>
+                        <a:latin typeface="Aptos" panose="020B0004020202020204" pitchFamily="34" charset="0"/>
+                        <a:ea typeface="Aptos" panose="020B0004020202020204" pitchFamily="34" charset="0"/>
+                        <a:cs typeface="Arial" panose="020B0604020202020204" pitchFamily="34" charset="0"/>
+                      </a:endParaRPr>
+                    </a:p>
+                  </a:txBody>
+                  <a:tcPr marL="87323" marR="87323" marT="0" marB="0">
+                    <a:lnL w="12700" cap="flat" cmpd="sng" algn="ctr">
+                      <a:solidFill>
+                        <a:schemeClr val="tx1"/>
+                      </a:solidFill>
+                      <a:prstDash val="solid"/>
+                      <a:round/>
+                      <a:headEnd type="none" w="med" len="med"/>
+                      <a:tailEnd type="none" w="med" len="med"/>
+                    </a:lnL>
+                    <a:lnR w="12700" cap="flat" cmpd="sng" algn="ctr">
+                      <a:solidFill>
+                        <a:schemeClr val="tx1"/>
+                      </a:solidFill>
+                      <a:prstDash val="solid"/>
+                      <a:round/>
+                      <a:headEnd type="none" w="med" len="med"/>
+                      <a:tailEnd type="none" w="med" len="med"/>
+                    </a:lnR>
+                    <a:lnT w="12700" cap="flat" cmpd="sng" algn="ctr">
+                      <a:solidFill>
+                        <a:schemeClr val="tx1"/>
+                      </a:solidFill>
+                      <a:prstDash val="solid"/>
+                      <a:round/>
+                      <a:headEnd type="none" w="med" len="med"/>
+                      <a:tailEnd type="none" w="med" len="med"/>
+                    </a:lnT>
+                    <a:lnB w="12700" cap="flat" cmpd="sng" algn="ctr">
+                      <a:solidFill>
+                        <a:schemeClr val="tx1"/>
+                      </a:solidFill>
+                      <a:prstDash val="solid"/>
+                      <a:round/>
+                      <a:headEnd type="none" w="med" len="med"/>
+                      <a:tailEnd type="none" w="med" len="med"/>
+                    </a:lnB>
+                  </a:tcPr>
+                </a:tc>
+                <a:tc>
+                  <a:txBody>
+                    <a:bodyPr/>
+                    <a:lstStyle/>
+                    <a:p>
+                      <a:pPr algn="l">
+                        <a:lnSpc>
+                          <a:spcPct val="115000"/>
+                        </a:lnSpc>
+                        <a:spcAft>
+                          <a:spcPts val="800"/>
+                        </a:spcAft>
+                        <a:buNone/>
+                      </a:pPr>
+                      <a:r>
+                        <a:rPr lang="en-GB" sz="1500" kern="100">
+                          <a:effectLst/>
+                        </a:rPr>
+                        <a:t>0.03315476190476192</a:t>
+                      </a:r>
+                      <a:endParaRPr lang="en-GB" sz="1500" kern="100">
+                        <a:effectLst/>
+                        <a:latin typeface="Aptos" panose="020B0004020202020204" pitchFamily="34" charset="0"/>
+                        <a:ea typeface="Aptos" panose="020B0004020202020204" pitchFamily="34" charset="0"/>
+                        <a:cs typeface="Arial" panose="020B0604020202020204" pitchFamily="34" charset="0"/>
+                      </a:endParaRPr>
+                    </a:p>
+                  </a:txBody>
+                  <a:tcPr marL="87323" marR="87323" marT="0" marB="0">
+                    <a:lnL w="12700" cap="flat" cmpd="sng" algn="ctr">
+                      <a:solidFill>
+                        <a:schemeClr val="tx1"/>
+                      </a:solidFill>
+                      <a:prstDash val="solid"/>
+                      <a:round/>
+                      <a:headEnd type="none" w="med" len="med"/>
+                      <a:tailEnd type="none" w="med" len="med"/>
+                    </a:lnL>
+                    <a:lnR w="12700" cap="flat" cmpd="sng" algn="ctr">
+                      <a:solidFill>
+                        <a:schemeClr val="tx1"/>
+                      </a:solidFill>
+                      <a:prstDash val="solid"/>
+                      <a:round/>
+                      <a:headEnd type="none" w="med" len="med"/>
+                      <a:tailEnd type="none" w="med" len="med"/>
+                    </a:lnR>
+                    <a:lnT w="12700" cap="flat" cmpd="sng" algn="ctr">
+                      <a:solidFill>
+                        <a:schemeClr val="tx1"/>
+                      </a:solidFill>
+                      <a:prstDash val="solid"/>
+                      <a:round/>
+                      <a:headEnd type="none" w="med" len="med"/>
+                      <a:tailEnd type="none" w="med" len="med"/>
+                    </a:lnT>
+                    <a:lnB w="12700" cap="flat" cmpd="sng" algn="ctr">
+                      <a:solidFill>
+                        <a:schemeClr val="tx1"/>
+                      </a:solidFill>
+                      <a:prstDash val="solid"/>
+                      <a:round/>
+                      <a:headEnd type="none" w="med" len="med"/>
+                      <a:tailEnd type="none" w="med" len="med"/>
+                    </a:lnB>
+                  </a:tcPr>
+                </a:tc>
+                <a:extLst>
+                  <a:ext uri="{0D108BD9-81ED-4DB2-BD59-A6C34878D82A}">
+                    <a16:rowId xmlns:a16="http://schemas.microsoft.com/office/drawing/2014/main" val="1067721993"/>
+                  </a:ext>
+                </a:extLst>
+              </a:tr>
+              <a:tr h="566792">
+                <a:tc>
+                  <a:txBody>
+                    <a:bodyPr/>
+                    <a:lstStyle/>
+                    <a:p>
+                      <a:pPr algn="l">
+                        <a:lnSpc>
+                          <a:spcPct val="115000"/>
+                        </a:lnSpc>
+                        <a:spcAft>
+                          <a:spcPts val="800"/>
+                        </a:spcAft>
+                        <a:buNone/>
+                      </a:pPr>
+                      <a:r>
+                        <a:rPr lang="en-GB" sz="1500" b="0" kern="100" dirty="0">
+                          <a:effectLst/>
+                        </a:rPr>
+                        <a:t>2012-01-09 19:00:00</a:t>
+                      </a:r>
+                      <a:endParaRPr lang="en-GB" sz="1500" b="0" kern="100" dirty="0">
+                        <a:effectLst/>
+                        <a:latin typeface="Aptos" panose="020B0004020202020204" pitchFamily="34" charset="0"/>
+                        <a:ea typeface="Aptos" panose="020B0004020202020204" pitchFamily="34" charset="0"/>
+                        <a:cs typeface="Arial" panose="020B0604020202020204" pitchFamily="34" charset="0"/>
+                      </a:endParaRPr>
+                    </a:p>
+                  </a:txBody>
+                  <a:tcPr marL="87323" marR="87323" marT="0" marB="0">
+                    <a:lnL w="12700" cap="flat" cmpd="sng" algn="ctr">
+                      <a:solidFill>
+                        <a:schemeClr val="tx1"/>
+                      </a:solidFill>
+                      <a:prstDash val="solid"/>
+                      <a:round/>
+                      <a:headEnd type="none" w="med" len="med"/>
+                      <a:tailEnd type="none" w="med" len="med"/>
+                    </a:lnL>
+                    <a:lnR w="12700" cap="flat" cmpd="sng" algn="ctr">
+                      <a:solidFill>
+                        <a:schemeClr val="tx1"/>
+                      </a:solidFill>
+                      <a:prstDash val="solid"/>
+                      <a:round/>
+                      <a:headEnd type="none" w="med" len="med"/>
+                      <a:tailEnd type="none" w="med" len="med"/>
+                    </a:lnR>
+                    <a:lnT w="12700" cap="flat" cmpd="sng" algn="ctr">
+                      <a:solidFill>
+                        <a:schemeClr val="tx1"/>
+                      </a:solidFill>
+                      <a:prstDash val="solid"/>
+                      <a:round/>
+                      <a:headEnd type="none" w="med" len="med"/>
+                      <a:tailEnd type="none" w="med" len="med"/>
+                    </a:lnT>
+                    <a:lnB w="12700" cap="flat" cmpd="sng" algn="ctr">
+                      <a:solidFill>
+                        <a:schemeClr val="tx1"/>
+                      </a:solidFill>
+                      <a:prstDash val="solid"/>
+                      <a:round/>
+                      <a:headEnd type="none" w="med" len="med"/>
+                      <a:tailEnd type="none" w="med" len="med"/>
+                    </a:lnB>
+                  </a:tcPr>
+                </a:tc>
+                <a:tc>
+                  <a:txBody>
+                    <a:bodyPr/>
+                    <a:lstStyle/>
+                    <a:p>
+                      <a:pPr algn="l">
+                        <a:lnSpc>
+                          <a:spcPct val="115000"/>
+                        </a:lnSpc>
+                        <a:spcAft>
+                          <a:spcPts val="800"/>
+                        </a:spcAft>
+                        <a:buNone/>
+                      </a:pPr>
+                      <a:r>
+                        <a:rPr lang="en-GB" sz="1500" kern="100">
+                          <a:effectLst/>
+                        </a:rPr>
+                        <a:t>1326135600.0</a:t>
+                      </a:r>
+                      <a:endParaRPr lang="en-GB" sz="1500" kern="100">
+                        <a:effectLst/>
+                        <a:latin typeface="Aptos" panose="020B0004020202020204" pitchFamily="34" charset="0"/>
+                        <a:ea typeface="Aptos" panose="020B0004020202020204" pitchFamily="34" charset="0"/>
+                        <a:cs typeface="Arial" panose="020B0604020202020204" pitchFamily="34" charset="0"/>
+                      </a:endParaRPr>
+                    </a:p>
+                  </a:txBody>
+                  <a:tcPr marL="87323" marR="87323" marT="0" marB="0">
+                    <a:lnL w="12700" cap="flat" cmpd="sng" algn="ctr">
+                      <a:solidFill>
+                        <a:schemeClr val="tx1"/>
+                      </a:solidFill>
+                      <a:prstDash val="solid"/>
+                      <a:round/>
+                      <a:headEnd type="none" w="med" len="med"/>
+                      <a:tailEnd type="none" w="med" len="med"/>
+                    </a:lnL>
+                    <a:lnR w="12700" cap="flat" cmpd="sng" algn="ctr">
+                      <a:solidFill>
+                        <a:schemeClr val="tx1"/>
+                      </a:solidFill>
+                      <a:prstDash val="solid"/>
+                      <a:round/>
+                      <a:headEnd type="none" w="med" len="med"/>
+                      <a:tailEnd type="none" w="med" len="med"/>
+                    </a:lnR>
+                    <a:lnT w="12700" cap="flat" cmpd="sng" algn="ctr">
+                      <a:solidFill>
+                        <a:schemeClr val="tx1"/>
+                      </a:solidFill>
+                      <a:prstDash val="solid"/>
+                      <a:round/>
+                      <a:headEnd type="none" w="med" len="med"/>
+                      <a:tailEnd type="none" w="med" len="med"/>
+                    </a:lnT>
+                    <a:lnB w="12700" cap="flat" cmpd="sng" algn="ctr">
+                      <a:solidFill>
+                        <a:schemeClr val="tx1"/>
+                      </a:solidFill>
+                      <a:prstDash val="solid"/>
+                      <a:round/>
+                      <a:headEnd type="none" w="med" len="med"/>
+                      <a:tailEnd type="none" w="med" len="med"/>
+                    </a:lnB>
+                  </a:tcPr>
+                </a:tc>
+                <a:tc>
+                  <a:txBody>
+                    <a:bodyPr/>
+                    <a:lstStyle/>
+                    <a:p>
+                      <a:pPr algn="l">
+                        <a:lnSpc>
+                          <a:spcPct val="115000"/>
+                        </a:lnSpc>
+                        <a:spcAft>
+                          <a:spcPts val="800"/>
+                        </a:spcAft>
+                        <a:buNone/>
+                      </a:pPr>
+                      <a:r>
+                        <a:rPr lang="en-GB" sz="1500" kern="100">
+                          <a:effectLst/>
+                        </a:rPr>
+                        <a:t>6.5</a:t>
+                      </a:r>
+                      <a:endParaRPr lang="en-GB" sz="1500" kern="100">
+                        <a:effectLst/>
+                        <a:latin typeface="Aptos" panose="020B0004020202020204" pitchFamily="34" charset="0"/>
+                        <a:ea typeface="Aptos" panose="020B0004020202020204" pitchFamily="34" charset="0"/>
+                        <a:cs typeface="Arial" panose="020B0604020202020204" pitchFamily="34" charset="0"/>
+                      </a:endParaRPr>
+                    </a:p>
+                  </a:txBody>
+                  <a:tcPr marL="87323" marR="87323" marT="0" marB="0">
+                    <a:lnL w="12700" cap="flat" cmpd="sng" algn="ctr">
+                      <a:solidFill>
+                        <a:schemeClr val="tx1"/>
+                      </a:solidFill>
+                      <a:prstDash val="solid"/>
+                      <a:round/>
+                      <a:headEnd type="none" w="med" len="med"/>
+                      <a:tailEnd type="none" w="med" len="med"/>
+                    </a:lnL>
+                    <a:lnR w="12700" cap="flat" cmpd="sng" algn="ctr">
+                      <a:solidFill>
+                        <a:schemeClr val="tx1"/>
+                      </a:solidFill>
+                      <a:prstDash val="solid"/>
+                      <a:round/>
+                      <a:headEnd type="none" w="med" len="med"/>
+                      <a:tailEnd type="none" w="med" len="med"/>
+                    </a:lnR>
+                    <a:lnT w="12700" cap="flat" cmpd="sng" algn="ctr">
+                      <a:solidFill>
+                        <a:schemeClr val="tx1"/>
+                      </a:solidFill>
+                      <a:prstDash val="solid"/>
+                      <a:round/>
+                      <a:headEnd type="none" w="med" len="med"/>
+                      <a:tailEnd type="none" w="med" len="med"/>
+                    </a:lnT>
+                    <a:lnB w="12700" cap="flat" cmpd="sng" algn="ctr">
+                      <a:solidFill>
+                        <a:schemeClr val="tx1"/>
+                      </a:solidFill>
+                      <a:prstDash val="solid"/>
+                      <a:round/>
+                      <a:headEnd type="none" w="med" len="med"/>
+                      <a:tailEnd type="none" w="med" len="med"/>
+                    </a:lnB>
+                  </a:tcPr>
+                </a:tc>
+                <a:tc>
+                  <a:txBody>
+                    <a:bodyPr/>
+                    <a:lstStyle/>
+                    <a:p>
+                      <a:pPr algn="l">
+                        <a:lnSpc>
+                          <a:spcPct val="115000"/>
+                        </a:lnSpc>
+                        <a:spcAft>
+                          <a:spcPts val="800"/>
+                        </a:spcAft>
+                        <a:buNone/>
+                      </a:pPr>
+                      <a:r>
+                        <a:rPr lang="en-GB" sz="1500" kern="100">
+                          <a:effectLst/>
+                        </a:rPr>
+                        <a:t>6.6</a:t>
+                      </a:r>
+                      <a:endParaRPr lang="en-GB" sz="1500" kern="100">
+                        <a:effectLst/>
+                        <a:latin typeface="Aptos" panose="020B0004020202020204" pitchFamily="34" charset="0"/>
+                        <a:ea typeface="Aptos" panose="020B0004020202020204" pitchFamily="34" charset="0"/>
+                        <a:cs typeface="Arial" panose="020B0604020202020204" pitchFamily="34" charset="0"/>
+                      </a:endParaRPr>
+                    </a:p>
+                  </a:txBody>
+                  <a:tcPr marL="87323" marR="87323" marT="0" marB="0">
+                    <a:lnL w="12700" cap="flat" cmpd="sng" algn="ctr">
+                      <a:solidFill>
+                        <a:schemeClr val="tx1"/>
+                      </a:solidFill>
+                      <a:prstDash val="solid"/>
+                      <a:round/>
+                      <a:headEnd type="none" w="med" len="med"/>
+                      <a:tailEnd type="none" w="med" len="med"/>
+                    </a:lnL>
+                    <a:lnR w="12700" cap="flat" cmpd="sng" algn="ctr">
+                      <a:solidFill>
+                        <a:schemeClr val="tx1"/>
+                      </a:solidFill>
+                      <a:prstDash val="solid"/>
+                      <a:round/>
+                      <a:headEnd type="none" w="med" len="med"/>
+                      <a:tailEnd type="none" w="med" len="med"/>
+                    </a:lnR>
+                    <a:lnT w="12700" cap="flat" cmpd="sng" algn="ctr">
+                      <a:solidFill>
+                        <a:schemeClr val="tx1"/>
+                      </a:solidFill>
+                      <a:prstDash val="solid"/>
+                      <a:round/>
+                      <a:headEnd type="none" w="med" len="med"/>
+                      <a:tailEnd type="none" w="med" len="med"/>
+                    </a:lnT>
+                    <a:lnB w="12700" cap="flat" cmpd="sng" algn="ctr">
+                      <a:solidFill>
+                        <a:schemeClr val="tx1"/>
+                      </a:solidFill>
+                      <a:prstDash val="solid"/>
+                      <a:round/>
+                      <a:headEnd type="none" w="med" len="med"/>
+                      <a:tailEnd type="none" w="med" len="med"/>
+                    </a:lnB>
+                  </a:tcPr>
+                </a:tc>
+                <a:tc>
+                  <a:txBody>
+                    <a:bodyPr/>
+                    <a:lstStyle/>
+                    <a:p>
+                      <a:pPr algn="l">
+                        <a:lnSpc>
+                          <a:spcPct val="115000"/>
+                        </a:lnSpc>
+                        <a:spcAft>
+                          <a:spcPts val="800"/>
+                        </a:spcAft>
+                        <a:buNone/>
+                      </a:pPr>
+                      <a:r>
+                        <a:rPr lang="en-GB" sz="1500" kern="100">
+                          <a:effectLst/>
+                        </a:rPr>
+                        <a:t>6.5</a:t>
+                      </a:r>
+                      <a:endParaRPr lang="en-GB" sz="1500" kern="100">
+                        <a:effectLst/>
+                        <a:latin typeface="Aptos" panose="020B0004020202020204" pitchFamily="34" charset="0"/>
+                        <a:ea typeface="Aptos" panose="020B0004020202020204" pitchFamily="34" charset="0"/>
+                        <a:cs typeface="Arial" panose="020B0604020202020204" pitchFamily="34" charset="0"/>
+                      </a:endParaRPr>
+                    </a:p>
+                  </a:txBody>
+                  <a:tcPr marL="87323" marR="87323" marT="0" marB="0">
+                    <a:lnL w="12700" cap="flat" cmpd="sng" algn="ctr">
+                      <a:solidFill>
+                        <a:schemeClr val="tx1"/>
+                      </a:solidFill>
+                      <a:prstDash val="solid"/>
+                      <a:round/>
+                      <a:headEnd type="none" w="med" len="med"/>
+                      <a:tailEnd type="none" w="med" len="med"/>
+                    </a:lnL>
+                    <a:lnR w="12700" cap="flat" cmpd="sng" algn="ctr">
+                      <a:solidFill>
+                        <a:schemeClr val="tx1"/>
+                      </a:solidFill>
+                      <a:prstDash val="solid"/>
+                      <a:round/>
+                      <a:headEnd type="none" w="med" len="med"/>
+                      <a:tailEnd type="none" w="med" len="med"/>
+                    </a:lnR>
+                    <a:lnT w="12700" cap="flat" cmpd="sng" algn="ctr">
+                      <a:solidFill>
+                        <a:schemeClr val="tx1"/>
+                      </a:solidFill>
+                      <a:prstDash val="solid"/>
+                      <a:round/>
+                      <a:headEnd type="none" w="med" len="med"/>
+                      <a:tailEnd type="none" w="med" len="med"/>
+                    </a:lnT>
+                    <a:lnB w="12700" cap="flat" cmpd="sng" algn="ctr">
+                      <a:solidFill>
+                        <a:schemeClr val="tx1"/>
+                      </a:solidFill>
+                      <a:prstDash val="solid"/>
+                      <a:round/>
+                      <a:headEnd type="none" w="med" len="med"/>
+                      <a:tailEnd type="none" w="med" len="med"/>
+                    </a:lnB>
+                  </a:tcPr>
+                </a:tc>
+                <a:tc>
+                  <a:txBody>
+                    <a:bodyPr/>
+                    <a:lstStyle/>
+                    <a:p>
+                      <a:pPr algn="l">
+                        <a:lnSpc>
+                          <a:spcPct val="115000"/>
+                        </a:lnSpc>
+                        <a:spcAft>
+                          <a:spcPts val="800"/>
+                        </a:spcAft>
+                        <a:buNone/>
+                      </a:pPr>
+                      <a:r>
+                        <a:rPr lang="en-GB" sz="1500" kern="100">
+                          <a:effectLst/>
+                        </a:rPr>
+                        <a:t>6.6</a:t>
+                      </a:r>
+                      <a:endParaRPr lang="en-GB" sz="1500" kern="100">
+                        <a:effectLst/>
+                        <a:latin typeface="Aptos" panose="020B0004020202020204" pitchFamily="34" charset="0"/>
+                        <a:ea typeface="Aptos" panose="020B0004020202020204" pitchFamily="34" charset="0"/>
+                        <a:cs typeface="Arial" panose="020B0604020202020204" pitchFamily="34" charset="0"/>
+                      </a:endParaRPr>
+                    </a:p>
+                  </a:txBody>
+                  <a:tcPr marL="87323" marR="87323" marT="0" marB="0">
+                    <a:lnL w="12700" cap="flat" cmpd="sng" algn="ctr">
+                      <a:solidFill>
+                        <a:schemeClr val="tx1"/>
+                      </a:solidFill>
+                      <a:prstDash val="solid"/>
+                      <a:round/>
+                      <a:headEnd type="none" w="med" len="med"/>
+                      <a:tailEnd type="none" w="med" len="med"/>
+                    </a:lnL>
+                    <a:lnR w="12700" cap="flat" cmpd="sng" algn="ctr">
+                      <a:solidFill>
+                        <a:schemeClr val="tx1"/>
+                      </a:solidFill>
+                      <a:prstDash val="solid"/>
+                      <a:round/>
+                      <a:headEnd type="none" w="med" len="med"/>
+                      <a:tailEnd type="none" w="med" len="med"/>
+                    </a:lnR>
+                    <a:lnT w="12700" cap="flat" cmpd="sng" algn="ctr">
+                      <a:solidFill>
+                        <a:schemeClr val="tx1"/>
+                      </a:solidFill>
+                      <a:prstDash val="solid"/>
+                      <a:round/>
+                      <a:headEnd type="none" w="med" len="med"/>
+                      <a:tailEnd type="none" w="med" len="med"/>
+                    </a:lnT>
+                    <a:lnB w="12700" cap="flat" cmpd="sng" algn="ctr">
+                      <a:solidFill>
+                        <a:schemeClr val="tx1"/>
+                      </a:solidFill>
+                      <a:prstDash val="solid"/>
+                      <a:round/>
+                      <a:headEnd type="none" w="med" len="med"/>
+                      <a:tailEnd type="none" w="med" len="med"/>
+                    </a:lnB>
+                  </a:tcPr>
+                </a:tc>
+                <a:tc>
+                  <a:txBody>
+                    <a:bodyPr/>
+                    <a:lstStyle/>
+                    <a:p>
+                      <a:pPr algn="l">
+                        <a:lnSpc>
+                          <a:spcPct val="115000"/>
+                        </a:lnSpc>
+                        <a:spcAft>
+                          <a:spcPts val="800"/>
+                        </a:spcAft>
+                        <a:buNone/>
+                      </a:pPr>
+                      <a:r>
+                        <a:rPr lang="en-GB" sz="1500" kern="100">
+                          <a:effectLst/>
+                        </a:rPr>
+                        <a:t>5.8546499999999995</a:t>
+                      </a:r>
+                      <a:endParaRPr lang="en-GB" sz="1500" kern="100">
+                        <a:effectLst/>
+                        <a:latin typeface="Aptos" panose="020B0004020202020204" pitchFamily="34" charset="0"/>
+                        <a:ea typeface="Aptos" panose="020B0004020202020204" pitchFamily="34" charset="0"/>
+                        <a:cs typeface="Arial" panose="020B0604020202020204" pitchFamily="34" charset="0"/>
+                      </a:endParaRPr>
+                    </a:p>
+                  </a:txBody>
+                  <a:tcPr marL="87323" marR="87323" marT="0" marB="0">
+                    <a:lnL w="12700" cap="flat" cmpd="sng" algn="ctr">
+                      <a:solidFill>
+                        <a:schemeClr val="tx1"/>
+                      </a:solidFill>
+                      <a:prstDash val="solid"/>
+                      <a:round/>
+                      <a:headEnd type="none" w="med" len="med"/>
+                      <a:tailEnd type="none" w="med" len="med"/>
+                    </a:lnL>
+                    <a:lnR w="12700" cap="flat" cmpd="sng" algn="ctr">
+                      <a:solidFill>
+                        <a:schemeClr val="tx1"/>
+                      </a:solidFill>
+                      <a:prstDash val="solid"/>
+                      <a:round/>
+                      <a:headEnd type="none" w="med" len="med"/>
+                      <a:tailEnd type="none" w="med" len="med"/>
+                    </a:lnR>
+                    <a:lnT w="12700" cap="flat" cmpd="sng" algn="ctr">
+                      <a:solidFill>
+                        <a:schemeClr val="tx1"/>
+                      </a:solidFill>
+                      <a:prstDash val="solid"/>
+                      <a:round/>
+                      <a:headEnd type="none" w="med" len="med"/>
+                      <a:tailEnd type="none" w="med" len="med"/>
+                    </a:lnT>
+                    <a:lnB w="12700" cap="flat" cmpd="sng" algn="ctr">
+                      <a:solidFill>
+                        <a:schemeClr val="tx1"/>
+                      </a:solidFill>
+                      <a:prstDash val="solid"/>
+                      <a:round/>
+                      <a:headEnd type="none" w="med" len="med"/>
+                      <a:tailEnd type="none" w="med" len="med"/>
+                    </a:lnB>
+                  </a:tcPr>
+                </a:tc>
+                <a:tc>
+                  <a:txBody>
+                    <a:bodyPr/>
+                    <a:lstStyle/>
+                    <a:p>
+                      <a:pPr algn="l">
+                        <a:lnSpc>
+                          <a:spcPct val="115000"/>
+                        </a:lnSpc>
+                        <a:spcAft>
+                          <a:spcPts val="800"/>
+                        </a:spcAft>
+                        <a:buNone/>
+                      </a:pPr>
+                      <a:r>
+                        <a:rPr lang="en-GB" sz="1500" kern="100" dirty="0">
+                          <a:effectLst/>
+                        </a:rPr>
+                        <a:t>0.033750000000000016</a:t>
+                      </a:r>
+                      <a:endParaRPr lang="en-GB" sz="1500" kern="100" dirty="0">
+                        <a:effectLst/>
+                        <a:latin typeface="Aptos" panose="020B0004020202020204" pitchFamily="34" charset="0"/>
+                        <a:ea typeface="Aptos" panose="020B0004020202020204" pitchFamily="34" charset="0"/>
+                        <a:cs typeface="Arial" panose="020B0604020202020204" pitchFamily="34" charset="0"/>
+                      </a:endParaRPr>
+                    </a:p>
+                  </a:txBody>
+                  <a:tcPr marL="87323" marR="87323" marT="0" marB="0">
+                    <a:lnL w="12700" cap="flat" cmpd="sng" algn="ctr">
+                      <a:solidFill>
+                        <a:schemeClr val="tx1"/>
+                      </a:solidFill>
+                      <a:prstDash val="solid"/>
+                      <a:round/>
+                      <a:headEnd type="none" w="med" len="med"/>
+                      <a:tailEnd type="none" w="med" len="med"/>
+                    </a:lnL>
+                    <a:lnR w="12700" cap="flat" cmpd="sng" algn="ctr">
+                      <a:solidFill>
+                        <a:schemeClr val="tx1"/>
+                      </a:solidFill>
+                      <a:prstDash val="solid"/>
+                      <a:round/>
+                      <a:headEnd type="none" w="med" len="med"/>
+                      <a:tailEnd type="none" w="med" len="med"/>
+                    </a:lnR>
+                    <a:lnT w="12700" cap="flat" cmpd="sng" algn="ctr">
+                      <a:solidFill>
+                        <a:schemeClr val="tx1"/>
+                      </a:solidFill>
+                      <a:prstDash val="solid"/>
+                      <a:round/>
+                      <a:headEnd type="none" w="med" len="med"/>
+                      <a:tailEnd type="none" w="med" len="med"/>
+                    </a:lnT>
+                    <a:lnB w="12700" cap="flat" cmpd="sng" algn="ctr">
+                      <a:solidFill>
+                        <a:schemeClr val="tx1"/>
+                      </a:solidFill>
+                      <a:prstDash val="solid"/>
+                      <a:round/>
+                      <a:headEnd type="none" w="med" len="med"/>
+                      <a:tailEnd type="none" w="med" len="med"/>
+                    </a:lnB>
+                  </a:tcPr>
+                </a:tc>
+                <a:extLst>
+                  <a:ext uri="{0D108BD9-81ED-4DB2-BD59-A6C34878D82A}">
+                    <a16:rowId xmlns:a16="http://schemas.microsoft.com/office/drawing/2014/main" val="3204007857"/>
+                  </a:ext>
+                </a:extLst>
+              </a:tr>
+            </a:tbl>
+          </a:graphicData>
+        </a:graphic>
+      </p:graphicFrame>
+    </p:spTree>
+    <p:extLst>
+      <p:ext uri="{BB962C8B-B14F-4D97-AF65-F5344CB8AC3E}">
+        <p14:creationId xmlns:p14="http://schemas.microsoft.com/office/powerpoint/2010/main" val="2667294963"/>
+      </p:ext>
+    </p:extLst>
+  </p:cSld>
+  <p:clrMapOvr>
+    <a:masterClrMapping/>
+  </p:clrMapOvr>
+</p:sld>
+</file>
+
+<file path=ppt/slides/slide5.xml><?xml version="1.0" encoding="utf-8"?>
 <p:sld xmlns:a="http://schemas.openxmlformats.org/drawingml/2006/main" xmlns:r="http://schemas.openxmlformats.org/officeDocument/2006/relationships" xmlns:p="http://schemas.openxmlformats.org/presentationml/2006/main">
   <p:cSld>
     <p:spTree>
@@ -4262,56 +10797,67 @@
           </a:p>
         </p:txBody>
       </p:sp>
-      <p:sp>
-        <p:nvSpPr>
-          <p:cNvPr id="4" name="Content Placeholder 3">
+      <p:pic>
+        <p:nvPicPr>
+          <p:cNvPr id="7" name="Content Placeholder 6" descr="A diagram of a computer program">
             <a:extLst>
               <a:ext uri="{FF2B5EF4-FFF2-40B4-BE49-F238E27FC236}">
-                <a16:creationId xmlns:a16="http://schemas.microsoft.com/office/drawing/2014/main" id="{36B1D14D-443C-B0D7-7172-AB7FAB6DB2C0}"/>
+                <a16:creationId xmlns:a16="http://schemas.microsoft.com/office/drawing/2014/main" id="{E2DEA39F-F114-BF8C-67B8-288BE273C2F8}"/>
               </a:ext>
             </a:extLst>
           </p:cNvPr>
-          <p:cNvSpPr>
-            <a:spLocks noGrp="1"/>
-          </p:cNvSpPr>
+          <p:cNvPicPr>
+            <a:picLocks noGrp="1" noChangeAspect="1"/>
+          </p:cNvPicPr>
           <p:nvPr>
             <p:ph sz="half" idx="1"/>
           </p:nvPr>
-        </p:nvSpPr>
-        <p:spPr/>
-        <p:txBody>
-          <a:bodyPr/>
-          <a:lstStyle/>
-          <a:p>
-            <a:endParaRPr lang="en-GB" dirty="0"/>
-          </a:p>
-        </p:txBody>
-      </p:sp>
-      <p:sp>
-        <p:nvSpPr>
-          <p:cNvPr id="5" name="Content Placeholder 4">
+        </p:nvPicPr>
+        <p:blipFill>
+          <a:blip r:embed="rId2"/>
+          <a:stretch>
+            <a:fillRect/>
+          </a:stretch>
+        </p:blipFill>
+        <p:spPr>
+          <a:xfrm>
+            <a:off x="1815306" y="2112963"/>
+            <a:ext cx="3959225" cy="3959225"/>
+          </a:xfrm>
+        </p:spPr>
+      </p:pic>
+      <p:pic>
+        <p:nvPicPr>
+          <p:cNvPr id="3" name="Content Placeholder 2">
             <a:extLst>
               <a:ext uri="{FF2B5EF4-FFF2-40B4-BE49-F238E27FC236}">
-                <a16:creationId xmlns:a16="http://schemas.microsoft.com/office/drawing/2014/main" id="{6BF94833-BAAB-4002-B09D-FF73E8B2F457}"/>
+                <a16:creationId xmlns:a16="http://schemas.microsoft.com/office/drawing/2014/main" id="{58E78363-A263-647B-46D3-C0F82E40CD32}"/>
               </a:ext>
             </a:extLst>
           </p:cNvPr>
-          <p:cNvSpPr>
-            <a:spLocks noGrp="1"/>
-          </p:cNvSpPr>
+          <p:cNvPicPr>
+            <a:picLocks noGrp="1" noChangeAspect="1"/>
+          </p:cNvPicPr>
           <p:nvPr>
             <p:ph sz="half" idx="2"/>
           </p:nvPr>
-        </p:nvSpPr>
-        <p:spPr/>
-        <p:txBody>
-          <a:bodyPr/>
-          <a:lstStyle/>
-          <a:p>
-            <a:endParaRPr lang="en-GB"/>
-          </a:p>
-        </p:txBody>
-      </p:sp>
+        </p:nvPicPr>
+        <p:blipFill>
+          <a:blip r:embed="rId3"/>
+          <a:stretch>
+            <a:fillRect/>
+          </a:stretch>
+        </p:blipFill>
+        <p:spPr>
+          <a:xfrm>
+            <a:off x="6765925" y="2816890"/>
+            <a:ext cx="4846638" cy="2551370"/>
+          </a:xfrm>
+          <a:prstGeom prst="rect">
+            <a:avLst/>
+          </a:prstGeom>
+        </p:spPr>
+      </p:pic>
     </p:spTree>
     <p:extLst>
       <p:ext uri="{BB962C8B-B14F-4D97-AF65-F5344CB8AC3E}">
@@ -4325,7 +10871,7 @@
 </p:sld>
 </file>
 
-<file path=ppt/slides/slide5.xml><?xml version="1.0" encoding="utf-8"?>
+<file path=ppt/slides/slide6.xml><?xml version="1.0" encoding="utf-8"?>
 <p:sld xmlns:a="http://schemas.openxmlformats.org/drawingml/2006/main" xmlns:r="http://schemas.openxmlformats.org/officeDocument/2006/relationships" xmlns:p="http://schemas.openxmlformats.org/presentationml/2006/main">
   <p:cSld>
     <p:spTree>
@@ -4409,7 +10955,7 @@
 </p:sld>
 </file>
 
-<file path=ppt/slides/slide6.xml><?xml version="1.0" encoding="utf-8"?>
+<file path=ppt/slides/slide7.xml><?xml version="1.0" encoding="utf-8"?>
 <p:sld xmlns:a="http://schemas.openxmlformats.org/drawingml/2006/main" xmlns:r="http://schemas.openxmlformats.org/officeDocument/2006/relationships" xmlns:p="http://schemas.openxmlformats.org/presentationml/2006/main">
   <p:cSld>
     <p:spTree>
@@ -4493,7 +11039,7 @@
 </p:sld>
 </file>
 
-<file path=ppt/slides/slide7.xml><?xml version="1.0" encoding="utf-8"?>
+<file path=ppt/slides/slide8.xml><?xml version="1.0" encoding="utf-8"?>
 <p:sld xmlns:a="http://schemas.openxmlformats.org/drawingml/2006/main" xmlns:r="http://schemas.openxmlformats.org/officeDocument/2006/relationships" xmlns:p="http://schemas.openxmlformats.org/presentationml/2006/main">
   <p:cSld>
     <p:spTree>

--- a/Resources/PPT/Bitcoin Price Predictor.pptx
+++ b/Resources/PPT/Bitcoin Price Predictor.pptx
@@ -11141,11 +11141,15 @@
             </a:pPr>
             <a:r>
               <a:rPr lang="en-US" sz="900" b="1" dirty="0"/>
-              <a:t>Epochs:</a:t>
+              <a:t>Epochs</a:t>
             </a:r>
             <a:r>
-              <a:rPr lang="en-US" sz="900" dirty="0"/>
-              <a:t> 10, </a:t>
+              <a:rPr lang="en-US" sz="900" b="1"/>
+              <a:t>:</a:t>
+            </a:r>
+            <a:r>
+              <a:rPr lang="en-US" sz="900"/>
+              <a:t> 50, </a:t>
             </a:r>
             <a:r>
               <a:rPr lang="en-US" sz="900" b="1" dirty="0"/>
@@ -11371,10 +11375,10 @@
       </p:sp>
       <p:pic>
         <p:nvPicPr>
-          <p:cNvPr id="6" name="Picture 5">
+          <p:cNvPr id="4" name="Picture 3">
             <a:extLst>
               <a:ext uri="{FF2B5EF4-FFF2-40B4-BE49-F238E27FC236}">
-                <a16:creationId xmlns:a16="http://schemas.microsoft.com/office/drawing/2014/main" id="{2559F61A-48DF-0BBD-9128-E89813B687C2}"/>
+                <a16:creationId xmlns:a16="http://schemas.microsoft.com/office/drawing/2014/main" id="{BB6A7C6E-AF63-6651-DDE6-ADFEBC833278}"/>
               </a:ext>
             </a:extLst>
           </p:cNvPr>
@@ -11397,8 +11401,8 @@
         </p:blipFill>
         <p:spPr>
           <a:xfrm>
-            <a:off x="233680" y="1844447"/>
-            <a:ext cx="5862320" cy="3131820"/>
+            <a:off x="182245" y="1916202"/>
+            <a:ext cx="5731510" cy="3060065"/>
           </a:xfrm>
           <a:prstGeom prst="rect">
             <a:avLst/>
@@ -11407,10 +11411,10 @@
       </p:pic>
       <p:pic>
         <p:nvPicPr>
-          <p:cNvPr id="7" name="Picture 6">
+          <p:cNvPr id="5" name="Picture 4">
             <a:extLst>
               <a:ext uri="{FF2B5EF4-FFF2-40B4-BE49-F238E27FC236}">
-                <a16:creationId xmlns:a16="http://schemas.microsoft.com/office/drawing/2014/main" id="{95964075-FFF2-086D-96C0-13CB25915246}"/>
+                <a16:creationId xmlns:a16="http://schemas.microsoft.com/office/drawing/2014/main" id="{53833D79-DAC0-C7B4-5690-5879DF2FCCF5}"/>
               </a:ext>
             </a:extLst>
           </p:cNvPr>
@@ -11433,8 +11437,8 @@
         </p:blipFill>
         <p:spPr>
           <a:xfrm>
-            <a:off x="6096000" y="1844447"/>
-            <a:ext cx="5001735" cy="3131820"/>
+            <a:off x="6096000" y="1669821"/>
+            <a:ext cx="5731510" cy="3552825"/>
           </a:xfrm>
           <a:prstGeom prst="rect">
             <a:avLst/>

--- a/Resources/PPT/Bitcoin Price Predictor.pptx
+++ b/Resources/PPT/Bitcoin Price Predictor.pptx
@@ -918,13 +918,24 @@
       </dgm:t>
     </dgm:pt>
     <dgm:pt modelId="{AFBFFB29-B581-4F0E-A475-980CB60485C3}">
-      <dgm:prSet phldrT="[Text]" phldr="1"/>
+      <dgm:prSet phldrT="[Text]" custT="1"/>
       <dgm:spPr/>
       <dgm:t>
         <a:bodyPr/>
         <a:lstStyle/>
         <a:p>
-          <a:endParaRPr lang="en-GB"/>
+          <a:r>
+            <a:rPr lang="en-GB" sz="2800" dirty="0"/>
+            <a:t>Drop ‘</a:t>
+          </a:r>
+          <a:r>
+            <a:rPr lang="en-US" sz="2800" b="0" i="0" dirty="0"/>
+            <a:t>datetime’ column</a:t>
+          </a:r>
+          <a:br>
+            <a:rPr lang="en-US" sz="2800" b="0" i="0" dirty="0"/>
+          </a:br>
+          <a:endParaRPr lang="en-GB" sz="2800" dirty="0"/>
         </a:p>
       </dgm:t>
     </dgm:pt>
@@ -951,13 +962,16 @@
       </dgm:t>
     </dgm:pt>
     <dgm:pt modelId="{5C900B63-EB6E-4D20-9EE3-4727CC3006E9}">
-      <dgm:prSet phldrT="[Text]" phldr="1"/>
+      <dgm:prSet phldrT="[Text]" custT="1"/>
       <dgm:spPr/>
       <dgm:t>
         <a:bodyPr/>
         <a:lstStyle/>
         <a:p>
-          <a:endParaRPr lang="en-GB"/>
+          <a:r>
+            <a:rPr lang="en-GB" sz="2800" dirty="0"/>
+            <a:t>Interpolate missing values</a:t>
+          </a:r>
         </a:p>
       </dgm:t>
     </dgm:pt>
@@ -992,7 +1006,7 @@
         <a:p>
           <a:r>
             <a:rPr lang="en-US" dirty="0"/>
-            <a:t>Data Integration</a:t>
+            <a:t>Data Reduction</a:t>
           </a:r>
           <a:endParaRPr lang="en-GB" dirty="0"/>
         </a:p>
@@ -1021,13 +1035,16 @@
       </dgm:t>
     </dgm:pt>
     <dgm:pt modelId="{DBF63F92-848A-48D5-9A53-EB0B486BDAE2}">
-      <dgm:prSet phldrT="[Text]" phldr="1"/>
+      <dgm:prSet phldrT="[Text]"/>
       <dgm:spPr/>
       <dgm:t>
         <a:bodyPr/>
         <a:lstStyle/>
         <a:p>
-          <a:endParaRPr lang="en-GB"/>
+          <a:r>
+            <a:rPr lang="en-GB" dirty="0"/>
+            <a:t>Drop ‘Volume’ column, irrelevant to task</a:t>
+          </a:r>
         </a:p>
       </dgm:t>
     </dgm:pt>
@@ -1053,39 +1070,6 @@
         </a:p>
       </dgm:t>
     </dgm:pt>
-    <dgm:pt modelId="{51BFFF39-F429-4AEE-BA38-619AFA58D16B}">
-      <dgm:prSet phldrT="[Text]" phldr="1"/>
-      <dgm:spPr/>
-      <dgm:t>
-        <a:bodyPr/>
-        <a:lstStyle/>
-        <a:p>
-          <a:endParaRPr lang="en-GB"/>
-        </a:p>
-      </dgm:t>
-    </dgm:pt>
-    <dgm:pt modelId="{13BA2A50-762D-4FCF-A62A-D4AA9C402955}" type="parTrans" cxnId="{BD6AADC0-5145-46F7-A21A-9D030AA31256}">
-      <dgm:prSet/>
-      <dgm:spPr/>
-      <dgm:t>
-        <a:bodyPr/>
-        <a:lstStyle/>
-        <a:p>
-          <a:endParaRPr lang="en-GB"/>
-        </a:p>
-      </dgm:t>
-    </dgm:pt>
-    <dgm:pt modelId="{EB97D335-ED45-46C5-9C58-687BDEC0CAD8}" type="sibTrans" cxnId="{BD6AADC0-5145-46F7-A21A-9D030AA31256}">
-      <dgm:prSet/>
-      <dgm:spPr/>
-      <dgm:t>
-        <a:bodyPr/>
-        <a:lstStyle/>
-        <a:p>
-          <a:endParaRPr lang="en-GB"/>
-        </a:p>
-      </dgm:t>
-    </dgm:pt>
     <dgm:pt modelId="{680C3888-473D-4280-9FB1-B02E3497DBF3}">
       <dgm:prSet phldrT="[Text]"/>
       <dgm:spPr/>
@@ -1095,11 +1079,7 @@
         <a:p>
           <a:r>
             <a:rPr lang="en-US" dirty="0"/>
-            <a:t>Data </a:t>
-          </a:r>
-          <a:r>
-            <a:rPr lang="en-US" dirty="0" err="1"/>
-            <a:t>etc</a:t>
+            <a:t>Feature Engineering</a:t>
           </a:r>
           <a:endParaRPr lang="en-GB" dirty="0"/>
         </a:p>
@@ -1128,13 +1108,20 @@
       </dgm:t>
     </dgm:pt>
     <dgm:pt modelId="{DE95FEF4-E30C-4A28-B49F-CC64B3BDCA11}">
-      <dgm:prSet phldrT="[Text]" phldr="1"/>
+      <dgm:prSet phldrT="[Text]"/>
       <dgm:spPr/>
       <dgm:t>
         <a:bodyPr/>
         <a:lstStyle/>
         <a:p>
-          <a:endParaRPr lang="en-GB"/>
+          <a:r>
+            <a:rPr lang="en-US" b="0" dirty="0"/>
+            <a:t>SMA_200</a:t>
+          </a:r>
+          <a:br>
+            <a:rPr lang="en-US" b="0" dirty="0"/>
+          </a:br>
+          <a:endParaRPr lang="en-GB" dirty="0"/>
         </a:p>
       </dgm:t>
     </dgm:pt>
@@ -1161,13 +1148,17 @@
       </dgm:t>
     </dgm:pt>
     <dgm:pt modelId="{3B9B5FB2-D8B8-4108-957A-9109A14FDC2D}">
-      <dgm:prSet phldrT="[Text]" phldr="1"/>
+      <dgm:prSet phldrT="[Text]"/>
       <dgm:spPr/>
       <dgm:t>
         <a:bodyPr/>
         <a:lstStyle/>
         <a:p>
-          <a:endParaRPr lang="en-GB"/>
+          <a:r>
+            <a:rPr lang="en-US" b="0" dirty="0"/>
+            <a:t>ATR_168</a:t>
+          </a:r>
+          <a:endParaRPr lang="en-GB" dirty="0"/>
         </a:p>
       </dgm:t>
     </dgm:pt>
@@ -1282,16 +1273,14 @@
     <dgm:cxn modelId="{8CFBF601-8B9B-485C-947B-8F3DC3D45BC3}" type="presOf" srcId="{AFBFFB29-B581-4F0E-A475-980CB60485C3}" destId="{9EEFC1A7-EA64-4296-A347-C01AAD5BE399}" srcOrd="0" destOrd="0" presId="urn:microsoft.com/office/officeart/2005/8/layout/hList1"/>
     <dgm:cxn modelId="{C2FEF117-0DBA-43BB-A23C-C685D7ED260E}" srcId="{680C3888-473D-4280-9FB1-B02E3497DBF3}" destId="{DE95FEF4-E30C-4A28-B49F-CC64B3BDCA11}" srcOrd="0" destOrd="0" parTransId="{7852EA6F-46BE-4C3E-856C-8886D6A15DAD}" sibTransId="{5C3D5B44-CA88-43B4-92C3-09BEE9E27350}"/>
     <dgm:cxn modelId="{7AFE232C-BEA0-46E0-8E9D-3CB3AC5AD99C}" type="presOf" srcId="{DBF63F92-848A-48D5-9A53-EB0B486BDAE2}" destId="{718EB2CA-49AD-4E35-A4B5-A41110203C31}" srcOrd="0" destOrd="0" presId="urn:microsoft.com/office/officeart/2005/8/layout/hList1"/>
-    <dgm:cxn modelId="{B27B833B-09E0-4960-A45A-27E49294CB31}" type="presOf" srcId="{51BFFF39-F429-4AEE-BA38-619AFA58D16B}" destId="{718EB2CA-49AD-4E35-A4B5-A41110203C31}" srcOrd="0" destOrd="1" presId="urn:microsoft.com/office/officeart/2005/8/layout/hList1"/>
     <dgm:cxn modelId="{FF668C40-089A-4A81-97EB-DDB085890B05}" type="presOf" srcId="{DE95FEF4-E30C-4A28-B49F-CC64B3BDCA11}" destId="{7F5A2995-5AA7-4022-A0ED-7ABC3A81C85B}" srcOrd="0" destOrd="0" presId="urn:microsoft.com/office/officeart/2005/8/layout/hList1"/>
+    <dgm:cxn modelId="{1B9CB860-BD0E-421B-9FE5-1307D43E19EF}" type="presOf" srcId="{680C3888-473D-4280-9FB1-B02E3497DBF3}" destId="{F2E9D860-6811-4A8F-92E5-C6E0D2C843DD}" srcOrd="0" destOrd="0" presId="urn:microsoft.com/office/officeart/2005/8/layout/hList1"/>
     <dgm:cxn modelId="{F76D3C47-AF86-4BA3-A7D3-C60B1A4F876F}" srcId="{32DEA1DB-AE0F-4794-AB57-E64F5E9D2801}" destId="{5C900B63-EB6E-4D20-9EE3-4727CC3006E9}" srcOrd="1" destOrd="0" parTransId="{41D6808C-68C2-4FAD-910D-97143184BAD7}" sibTransId="{C84DEDD6-8FF2-4F87-B602-F690A97F7F09}"/>
     <dgm:cxn modelId="{98A5CC48-451B-4622-A867-6197EE6E5334}" srcId="{680C3888-473D-4280-9FB1-B02E3497DBF3}" destId="{3B9B5FB2-D8B8-4108-957A-9109A14FDC2D}" srcOrd="1" destOrd="0" parTransId="{3CEE31CA-2A46-439B-ABED-9AE8B5A95EE9}" sibTransId="{1314D664-5AB2-462E-B0D0-784BCC87B29C}"/>
     <dgm:cxn modelId="{FDA92C51-6C84-45DB-B243-1980EFA6073B}" srcId="{E0D379AC-A470-4A5E-B1B1-628CB7679268}" destId="{32DEA1DB-AE0F-4794-AB57-E64F5E9D2801}" srcOrd="0" destOrd="0" parTransId="{3F456C0E-2DF1-4CB0-8865-A19E3F7E6151}" sibTransId="{746AD699-FAB2-44B4-B0FB-5F0AF0327A7B}"/>
-    <dgm:cxn modelId="{1B9CB860-BD0E-421B-9FE5-1307D43E19EF}" type="presOf" srcId="{680C3888-473D-4280-9FB1-B02E3497DBF3}" destId="{F2E9D860-6811-4A8F-92E5-C6E0D2C843DD}" srcOrd="0" destOrd="0" presId="urn:microsoft.com/office/officeart/2005/8/layout/hList1"/>
     <dgm:cxn modelId="{579F8271-582B-4038-A4A9-A26EA724E65F}" type="presOf" srcId="{E0D379AC-A470-4A5E-B1B1-628CB7679268}" destId="{4EAD6859-C843-407F-9635-65DDBAD01139}" srcOrd="0" destOrd="0" presId="urn:microsoft.com/office/officeart/2005/8/layout/hList1"/>
     <dgm:cxn modelId="{C939C884-3C26-43F4-BF41-B9BABB3ADF85}" srcId="{32DEA1DB-AE0F-4794-AB57-E64F5E9D2801}" destId="{AFBFFB29-B581-4F0E-A475-980CB60485C3}" srcOrd="0" destOrd="0" parTransId="{D9070730-C98F-461A-B9BB-AC92D0BA2F56}" sibTransId="{32562DEA-8D93-4ACA-A015-F4893D393926}"/>
     <dgm:cxn modelId="{ABF7CE93-4264-437F-90B1-AF74E342239E}" srcId="{042C883B-A0EF-4DB2-B0B9-AD64286D9321}" destId="{DBF63F92-848A-48D5-9A53-EB0B486BDAE2}" srcOrd="0" destOrd="0" parTransId="{0E70FDA4-6CB6-463D-9435-18C709E6EF89}" sibTransId="{9AEA36A5-5E42-4B14-A4C2-BABAAB30ACEE}"/>
-    <dgm:cxn modelId="{BD6AADC0-5145-46F7-A21A-9D030AA31256}" srcId="{042C883B-A0EF-4DB2-B0B9-AD64286D9321}" destId="{51BFFF39-F429-4AEE-BA38-619AFA58D16B}" srcOrd="1" destOrd="0" parTransId="{13BA2A50-762D-4FCF-A62A-D4AA9C402955}" sibTransId="{EB97D335-ED45-46C5-9C58-687BDEC0CAD8}"/>
     <dgm:cxn modelId="{E381DBD5-6E5F-4860-8EE2-32D1A0F466EE}" type="presOf" srcId="{042C883B-A0EF-4DB2-B0B9-AD64286D9321}" destId="{E9B9AB73-6D55-4638-B05B-638C95E71992}" srcOrd="0" destOrd="0" presId="urn:microsoft.com/office/officeart/2005/8/layout/hList1"/>
     <dgm:cxn modelId="{83C5B0D7-59A3-41FD-8A79-E7855665D375}" type="presOf" srcId="{3B9B5FB2-D8B8-4108-957A-9109A14FDC2D}" destId="{7F5A2995-5AA7-4022-A0ED-7ABC3A81C85B}" srcOrd="0" destOrd="1" presId="urn:microsoft.com/office/officeart/2005/8/layout/hList1"/>
     <dgm:cxn modelId="{756881DC-F9A3-401A-AA5A-0150CB01B76E}" type="presOf" srcId="{32DEA1DB-AE0F-4794-AB57-E64F5E9D2801}" destId="{68FEB837-C48C-4D67-BE0E-7C38B3225FF7}" srcOrd="0" destOrd="0" presId="urn:microsoft.com/office/officeart/2005/8/layout/hList1"/>
@@ -1335,8 +1324,8 @@
       </dsp:nvSpPr>
       <dsp:spPr>
         <a:xfrm>
-          <a:off x="3200" y="621519"/>
-          <a:ext cx="3120293" cy="1222906"/>
+          <a:off x="3200" y="18108"/>
+          <a:ext cx="3120293" cy="1114873"/>
         </a:xfrm>
         <a:prstGeom prst="rect">
           <a:avLst/>
@@ -1378,12 +1367,12 @@
         </a:fontRef>
       </dsp:style>
       <dsp:txBody>
-        <a:bodyPr spcFirstLastPara="0" vert="horz" wrap="square" lIns="241808" tIns="138176" rIns="241808" bIns="138176" numCol="1" spcCol="1270" anchor="ctr" anchorCtr="0">
+        <a:bodyPr spcFirstLastPara="0" vert="horz" wrap="square" lIns="220472" tIns="125984" rIns="220472" bIns="125984" numCol="1" spcCol="1270" anchor="ctr" anchorCtr="0">
           <a:noAutofit/>
         </a:bodyPr>
         <a:lstStyle/>
         <a:p>
-          <a:pPr marL="0" lvl="0" indent="0" algn="ctr" defTabSz="1511300">
+          <a:pPr marL="0" lvl="0" indent="0" algn="ctr" defTabSz="1377950">
             <a:lnSpc>
               <a:spcPct val="90000"/>
             </a:lnSpc>
@@ -1396,15 +1385,15 @@
             <a:buNone/>
           </a:pPr>
           <a:r>
-            <a:rPr lang="en-US" sz="3400" kern="1200" dirty="0"/>
+            <a:rPr lang="en-US" sz="3100" kern="1200" dirty="0"/>
             <a:t>Data Cleaning</a:t>
           </a:r>
-          <a:endParaRPr lang="en-GB" sz="3400" kern="1200" dirty="0"/>
+          <a:endParaRPr lang="en-GB" sz="3100" kern="1200" dirty="0"/>
         </a:p>
       </dsp:txBody>
       <dsp:txXfrm>
-        <a:off x="3200" y="621519"/>
-        <a:ext cx="3120293" cy="1222906"/>
+        <a:off x="3200" y="18108"/>
+        <a:ext cx="3120293" cy="1114873"/>
       </dsp:txXfrm>
     </dsp:sp>
     <dsp:sp modelId="{9EEFC1A7-EA64-4296-A347-C01AAD5BE399}">
@@ -1414,8 +1403,8 @@
       </dsp:nvSpPr>
       <dsp:spPr>
         <a:xfrm>
-          <a:off x="3200" y="1844425"/>
-          <a:ext cx="3120293" cy="1493279"/>
+          <a:off x="3200" y="1132981"/>
+          <a:ext cx="3120293" cy="2808135"/>
         </a:xfrm>
         <a:prstGeom prst="rect">
           <a:avLst/>
@@ -1459,12 +1448,12 @@
         <a:fontRef idx="minor"/>
       </dsp:style>
       <dsp:txBody>
-        <a:bodyPr spcFirstLastPara="0" vert="horz" wrap="square" lIns="181356" tIns="181356" rIns="241808" bIns="272034" numCol="1" spcCol="1270" anchor="t" anchorCtr="0">
+        <a:bodyPr spcFirstLastPara="0" vert="horz" wrap="square" lIns="149352" tIns="149352" rIns="199136" bIns="224028" numCol="1" spcCol="1270" anchor="t" anchorCtr="0">
           <a:noAutofit/>
         </a:bodyPr>
         <a:lstStyle/>
         <a:p>
-          <a:pPr marL="285750" lvl="1" indent="-285750" algn="l" defTabSz="1511300">
+          <a:pPr marL="285750" lvl="1" indent="-285750" algn="l" defTabSz="1244600">
             <a:lnSpc>
               <a:spcPct val="90000"/>
             </a:lnSpc>
@@ -1476,10 +1465,21 @@
             </a:spcAft>
             <a:buChar char="•"/>
           </a:pPr>
-          <a:endParaRPr lang="en-GB" sz="3400" kern="1200"/>
+          <a:r>
+            <a:rPr lang="en-GB" sz="2800" kern="1200" dirty="0"/>
+            <a:t>Drop ‘</a:t>
+          </a:r>
+          <a:r>
+            <a:rPr lang="en-US" sz="2800" b="0" i="0" kern="1200" dirty="0"/>
+            <a:t>datetime’ column</a:t>
+          </a:r>
+          <a:br>
+            <a:rPr lang="en-US" sz="2800" b="0" i="0" kern="1200" dirty="0"/>
+          </a:br>
+          <a:endParaRPr lang="en-GB" sz="2800" kern="1200" dirty="0"/>
         </a:p>
         <a:p>
-          <a:pPr marL="285750" lvl="1" indent="-285750" algn="l" defTabSz="1511300">
+          <a:pPr marL="285750" lvl="1" indent="-285750" algn="l" defTabSz="1244600">
             <a:lnSpc>
               <a:spcPct val="90000"/>
             </a:lnSpc>
@@ -1491,12 +1491,15 @@
             </a:spcAft>
             <a:buChar char="•"/>
           </a:pPr>
-          <a:endParaRPr lang="en-GB" sz="3400" kern="1200"/>
+          <a:r>
+            <a:rPr lang="en-GB" sz="2800" kern="1200" dirty="0"/>
+            <a:t>Interpolate missing values</a:t>
+          </a:r>
         </a:p>
       </dsp:txBody>
       <dsp:txXfrm>
-        <a:off x="3200" y="1844425"/>
-        <a:ext cx="3120293" cy="1493279"/>
+        <a:off x="3200" y="1132981"/>
+        <a:ext cx="3120293" cy="2808135"/>
       </dsp:txXfrm>
     </dsp:sp>
     <dsp:sp modelId="{E9B9AB73-6D55-4638-B05B-638C95E71992}">
@@ -1506,8 +1509,8 @@
       </dsp:nvSpPr>
       <dsp:spPr>
         <a:xfrm>
-          <a:off x="3560334" y="621519"/>
-          <a:ext cx="3120293" cy="1222906"/>
+          <a:off x="3560334" y="18108"/>
+          <a:ext cx="3120293" cy="1114873"/>
         </a:xfrm>
         <a:prstGeom prst="rect">
           <a:avLst/>
@@ -1549,12 +1552,12 @@
         </a:fontRef>
       </dsp:style>
       <dsp:txBody>
-        <a:bodyPr spcFirstLastPara="0" vert="horz" wrap="square" lIns="241808" tIns="138176" rIns="241808" bIns="138176" numCol="1" spcCol="1270" anchor="ctr" anchorCtr="0">
+        <a:bodyPr spcFirstLastPara="0" vert="horz" wrap="square" lIns="220472" tIns="125984" rIns="220472" bIns="125984" numCol="1" spcCol="1270" anchor="ctr" anchorCtr="0">
           <a:noAutofit/>
         </a:bodyPr>
         <a:lstStyle/>
         <a:p>
-          <a:pPr marL="0" lvl="0" indent="0" algn="ctr" defTabSz="1511300">
+          <a:pPr marL="0" lvl="0" indent="0" algn="ctr" defTabSz="1377950">
             <a:lnSpc>
               <a:spcPct val="90000"/>
             </a:lnSpc>
@@ -1567,15 +1570,15 @@
             <a:buNone/>
           </a:pPr>
           <a:r>
-            <a:rPr lang="en-US" sz="3400" kern="1200" dirty="0"/>
-            <a:t>Data Integration</a:t>
+            <a:rPr lang="en-US" sz="3100" kern="1200" dirty="0"/>
+            <a:t>Data Reduction</a:t>
           </a:r>
-          <a:endParaRPr lang="en-GB" sz="3400" kern="1200" dirty="0"/>
+          <a:endParaRPr lang="en-GB" sz="3100" kern="1200" dirty="0"/>
         </a:p>
       </dsp:txBody>
       <dsp:txXfrm>
-        <a:off x="3560334" y="621519"/>
-        <a:ext cx="3120293" cy="1222906"/>
+        <a:off x="3560334" y="18108"/>
+        <a:ext cx="3120293" cy="1114873"/>
       </dsp:txXfrm>
     </dsp:sp>
     <dsp:sp modelId="{718EB2CA-49AD-4E35-A4B5-A41110203C31}">
@@ -1585,8 +1588,8 @@
       </dsp:nvSpPr>
       <dsp:spPr>
         <a:xfrm>
-          <a:off x="3560334" y="1844425"/>
-          <a:ext cx="3120293" cy="1493279"/>
+          <a:off x="3560334" y="1132981"/>
+          <a:ext cx="3120293" cy="2808135"/>
         </a:xfrm>
         <a:prstGeom prst="rect">
           <a:avLst/>
@@ -1630,12 +1633,12 @@
         <a:fontRef idx="minor"/>
       </dsp:style>
       <dsp:txBody>
-        <a:bodyPr spcFirstLastPara="0" vert="horz" wrap="square" lIns="181356" tIns="181356" rIns="241808" bIns="272034" numCol="1" spcCol="1270" anchor="t" anchorCtr="0">
+        <a:bodyPr spcFirstLastPara="0" vert="horz" wrap="square" lIns="165354" tIns="165354" rIns="220472" bIns="248031" numCol="1" spcCol="1270" anchor="t" anchorCtr="0">
           <a:noAutofit/>
         </a:bodyPr>
         <a:lstStyle/>
         <a:p>
-          <a:pPr marL="285750" lvl="1" indent="-285750" algn="l" defTabSz="1511300">
+          <a:pPr marL="285750" lvl="1" indent="-285750" algn="l" defTabSz="1377950">
             <a:lnSpc>
               <a:spcPct val="90000"/>
             </a:lnSpc>
@@ -1647,27 +1650,15 @@
             </a:spcAft>
             <a:buChar char="•"/>
           </a:pPr>
-          <a:endParaRPr lang="en-GB" sz="3400" kern="1200"/>
-        </a:p>
-        <a:p>
-          <a:pPr marL="285750" lvl="1" indent="-285750" algn="l" defTabSz="1511300">
-            <a:lnSpc>
-              <a:spcPct val="90000"/>
-            </a:lnSpc>
-            <a:spcBef>
-              <a:spcPct val="0"/>
-            </a:spcBef>
-            <a:spcAft>
-              <a:spcPct val="15000"/>
-            </a:spcAft>
-            <a:buChar char="•"/>
-          </a:pPr>
-          <a:endParaRPr lang="en-GB" sz="3400" kern="1200"/>
+          <a:r>
+            <a:rPr lang="en-GB" sz="3100" kern="1200" dirty="0"/>
+            <a:t>Drop ‘Volume’ column, irrelevant to task</a:t>
+          </a:r>
         </a:p>
       </dsp:txBody>
       <dsp:txXfrm>
-        <a:off x="3560334" y="1844425"/>
-        <a:ext cx="3120293" cy="1493279"/>
+        <a:off x="3560334" y="1132981"/>
+        <a:ext cx="3120293" cy="2808135"/>
       </dsp:txXfrm>
     </dsp:sp>
     <dsp:sp modelId="{F2E9D860-6811-4A8F-92E5-C6E0D2C843DD}">
@@ -1677,8 +1668,8 @@
       </dsp:nvSpPr>
       <dsp:spPr>
         <a:xfrm>
-          <a:off x="7117469" y="621519"/>
-          <a:ext cx="3120293" cy="1222906"/>
+          <a:off x="7117469" y="18108"/>
+          <a:ext cx="3120293" cy="1114873"/>
         </a:xfrm>
         <a:prstGeom prst="rect">
           <a:avLst/>
@@ -1720,12 +1711,12 @@
         </a:fontRef>
       </dsp:style>
       <dsp:txBody>
-        <a:bodyPr spcFirstLastPara="0" vert="horz" wrap="square" lIns="241808" tIns="138176" rIns="241808" bIns="138176" numCol="1" spcCol="1270" anchor="ctr" anchorCtr="0">
+        <a:bodyPr spcFirstLastPara="0" vert="horz" wrap="square" lIns="220472" tIns="125984" rIns="220472" bIns="125984" numCol="1" spcCol="1270" anchor="ctr" anchorCtr="0">
           <a:noAutofit/>
         </a:bodyPr>
         <a:lstStyle/>
         <a:p>
-          <a:pPr marL="0" lvl="0" indent="0" algn="ctr" defTabSz="1511300">
+          <a:pPr marL="0" lvl="0" indent="0" algn="ctr" defTabSz="1377950">
             <a:lnSpc>
               <a:spcPct val="90000"/>
             </a:lnSpc>
@@ -1738,19 +1729,15 @@
             <a:buNone/>
           </a:pPr>
           <a:r>
-            <a:rPr lang="en-US" sz="3400" kern="1200" dirty="0"/>
-            <a:t>Data </a:t>
+            <a:rPr lang="en-US" sz="3100" kern="1200" dirty="0"/>
+            <a:t>Feature Engineering</a:t>
           </a:r>
-          <a:r>
-            <a:rPr lang="en-US" sz="3400" kern="1200" dirty="0" err="1"/>
-            <a:t>etc</a:t>
-          </a:r>
-          <a:endParaRPr lang="en-GB" sz="3400" kern="1200" dirty="0"/>
+          <a:endParaRPr lang="en-GB" sz="3100" kern="1200" dirty="0"/>
         </a:p>
       </dsp:txBody>
       <dsp:txXfrm>
-        <a:off x="7117469" y="621519"/>
-        <a:ext cx="3120293" cy="1222906"/>
+        <a:off x="7117469" y="18108"/>
+        <a:ext cx="3120293" cy="1114873"/>
       </dsp:txXfrm>
     </dsp:sp>
     <dsp:sp modelId="{7F5A2995-5AA7-4022-A0ED-7ABC3A81C85B}">
@@ -1760,8 +1747,8 @@
       </dsp:nvSpPr>
       <dsp:spPr>
         <a:xfrm>
-          <a:off x="7117469" y="1844425"/>
-          <a:ext cx="3120293" cy="1493279"/>
+          <a:off x="7117469" y="1132981"/>
+          <a:ext cx="3120293" cy="2808135"/>
         </a:xfrm>
         <a:prstGeom prst="rect">
           <a:avLst/>
@@ -1805,12 +1792,12 @@
         <a:fontRef idx="minor"/>
       </dsp:style>
       <dsp:txBody>
-        <a:bodyPr spcFirstLastPara="0" vert="horz" wrap="square" lIns="181356" tIns="181356" rIns="241808" bIns="272034" numCol="1" spcCol="1270" anchor="t" anchorCtr="0">
+        <a:bodyPr spcFirstLastPara="0" vert="horz" wrap="square" lIns="165354" tIns="165354" rIns="220472" bIns="248031" numCol="1" spcCol="1270" anchor="t" anchorCtr="0">
           <a:noAutofit/>
         </a:bodyPr>
         <a:lstStyle/>
         <a:p>
-          <a:pPr marL="285750" lvl="1" indent="-285750" algn="l" defTabSz="1511300">
+          <a:pPr marL="285750" lvl="1" indent="-285750" algn="l" defTabSz="1377950">
             <a:lnSpc>
               <a:spcPct val="90000"/>
             </a:lnSpc>
@@ -1822,10 +1809,17 @@
             </a:spcAft>
             <a:buChar char="•"/>
           </a:pPr>
-          <a:endParaRPr lang="en-GB" sz="3400" kern="1200"/>
+          <a:r>
+            <a:rPr lang="en-US" sz="3100" b="0" kern="1200" dirty="0"/>
+            <a:t>SMA_200</a:t>
+          </a:r>
+          <a:br>
+            <a:rPr lang="en-US" sz="3100" b="0" kern="1200" dirty="0"/>
+          </a:br>
+          <a:endParaRPr lang="en-GB" sz="3100" kern="1200" dirty="0"/>
         </a:p>
         <a:p>
-          <a:pPr marL="285750" lvl="1" indent="-285750" algn="l" defTabSz="1511300">
+          <a:pPr marL="285750" lvl="1" indent="-285750" algn="l" defTabSz="1377950">
             <a:lnSpc>
               <a:spcPct val="90000"/>
             </a:lnSpc>
@@ -1837,12 +1831,16 @@
             </a:spcAft>
             <a:buChar char="•"/>
           </a:pPr>
-          <a:endParaRPr lang="en-GB" sz="3400" kern="1200"/>
+          <a:r>
+            <a:rPr lang="en-US" sz="3100" b="0" kern="1200" dirty="0"/>
+            <a:t>ATR_168</a:t>
+          </a:r>
+          <a:endParaRPr lang="en-GB" sz="3100" kern="1200" dirty="0"/>
         </a:p>
       </dsp:txBody>
       <dsp:txXfrm>
-        <a:off x="7117469" y="1844425"/>
-        <a:ext cx="3120293" cy="1493279"/>
+        <a:off x="7117469" y="1132981"/>
+        <a:ext cx="3120293" cy="2808135"/>
       </dsp:txXfrm>
     </dsp:sp>
   </dsp:spTree>
@@ -3258,7 +3256,7 @@
           <a:p>
             <a:fld id="{655A5808-3B61-48CC-92EF-85AC2E0DFA56}" type="datetime2">
               <a:rPr lang="en-US" smtClean="0"/>
-              <a:t>Sunday, May 11, 2025</a:t>
+              <a:t>Monday, May 12, 2025</a:t>
             </a:fld>
             <a:endParaRPr lang="en-US"/>
           </a:p>
@@ -3456,7 +3454,7 @@
           <a:p>
             <a:fld id="{735E98AF-4574-4509-BF7A-519ACD5BF826}" type="datetime2">
               <a:rPr lang="en-US" smtClean="0"/>
-              <a:t>Sunday, May 11, 2025</a:t>
+              <a:t>Monday, May 12, 2025</a:t>
             </a:fld>
             <a:endParaRPr lang="en-US"/>
           </a:p>
@@ -3666,7 +3664,7 @@
           <a:p>
             <a:fld id="{93DD97D4-9636-490F-85D0-E926C2B6F3B1}" type="datetime2">
               <a:rPr lang="en-US" smtClean="0"/>
-              <a:t>Sunday, May 11, 2025</a:t>
+              <a:t>Monday, May 12, 2025</a:t>
             </a:fld>
             <a:endParaRPr lang="en-US"/>
           </a:p>
@@ -3865,7 +3863,7 @@
           <a:p>
             <a:fld id="{2F3AF3C6-0FD4-4939-991C-00DDE5C56815}" type="datetime2">
               <a:rPr lang="en-US" smtClean="0"/>
-              <a:t>Sunday, May 11, 2025</a:t>
+              <a:t>Monday, May 12, 2025</a:t>
             </a:fld>
             <a:endParaRPr lang="en-US"/>
           </a:p>
@@ -4146,7 +4144,7 @@
           <a:p>
             <a:fld id="{86807482-8128-47C6-A8DD-6452B0291CFF}" type="datetime2">
               <a:rPr lang="en-US" smtClean="0"/>
-              <a:t>Sunday, May 11, 2025</a:t>
+              <a:t>Monday, May 12, 2025</a:t>
             </a:fld>
             <a:endParaRPr lang="en-US"/>
           </a:p>
@@ -4414,7 +4412,7 @@
           <a:p>
             <a:fld id="{37903F25-275E-41DE-BE3B-EBF0DB49F9B1}" type="datetime2">
               <a:rPr lang="en-US" smtClean="0"/>
-              <a:t>Sunday, May 11, 2025</a:t>
+              <a:t>Monday, May 12, 2025</a:t>
             </a:fld>
             <a:endParaRPr lang="en-US"/>
           </a:p>
@@ -4795,7 +4793,7 @@
           <a:p>
             <a:fld id="{EE475572-4A44-4171-84AA-64D42C8050A6}" type="datetime2">
               <a:rPr lang="en-US" smtClean="0"/>
-              <a:t>Sunday, May 11, 2025</a:t>
+              <a:t>Monday, May 12, 2025</a:t>
             </a:fld>
             <a:endParaRPr lang="en-US"/>
           </a:p>
@@ -4965,7 +4963,7 @@
           <a:p>
             <a:fld id="{C4C1612E-528E-4FD5-9E9E-E15F1108F171}" type="datetime2">
               <a:rPr lang="en-US" smtClean="0"/>
-              <a:t>Sunday, May 11, 2025</a:t>
+              <a:t>Monday, May 12, 2025</a:t>
             </a:fld>
             <a:endParaRPr lang="en-US"/>
           </a:p>
@@ -5078,7 +5076,7 @@
           <a:p>
             <a:fld id="{D4F6D862-A06D-436F-A92E-EBAAD50B6E50}" type="datetime2">
               <a:rPr lang="en-US" smtClean="0"/>
-              <a:t>Sunday, May 11, 2025</a:t>
+              <a:t>Monday, May 12, 2025</a:t>
             </a:fld>
             <a:endParaRPr lang="en-US"/>
           </a:p>
@@ -5395,7 +5393,7 @@
           <a:p>
             <a:fld id="{B73E0B7D-2260-4809-8F0A-9E5F3E24F169}" type="datetime2">
               <a:rPr lang="en-US" smtClean="0"/>
-              <a:t>Sunday, May 11, 2025</a:t>
+              <a:t>Monday, May 12, 2025</a:t>
             </a:fld>
             <a:endParaRPr lang="en-US"/>
           </a:p>
@@ -5687,7 +5685,7 @@
           <a:p>
             <a:fld id="{3C8E4735-C637-46A3-94EB-AB3AC4188D2F}" type="datetime2">
               <a:rPr lang="en-US" smtClean="0"/>
-              <a:t>Sunday, May 11, 2025</a:t>
+              <a:t>Monday, May 12, 2025</a:t>
             </a:fld>
             <a:endParaRPr lang="en-US"/>
           </a:p>
@@ -6055,7 +6053,7 @@
             <a:fld id="{AE0C963C-C1DB-4AFD-9DDC-0691666BF49B}" type="datetime2">
               <a:rPr lang="en-US" smtClean="0"/>
               <a:pPr/>
-              <a:t>Sunday, May 11, 2025</a:t>
+              <a:t>Monday, May 12, 2025</a:t>
             </a:fld>
             <a:endParaRPr lang="en-US" cap="all" dirty="0"/>
           </a:p>
@@ -7083,11 +7081,17 @@
             <p:ph type="title"/>
           </p:nvPr>
         </p:nvSpPr>
-        <p:spPr/>
+        <p:spPr>
+          <a:xfrm>
+            <a:off x="975360" y="274320"/>
+            <a:ext cx="10241280" cy="1234440"/>
+          </a:xfrm>
+        </p:spPr>
         <p:txBody>
           <a:bodyPr/>
           <a:lstStyle/>
           <a:p>
+            <a:pPr algn="ctr"/>
             <a:r>
               <a:rPr lang="en-US" dirty="0"/>
               <a:t>Get to know the data</a:t>
@@ -7112,65 +7116,65 @@
             <p:ph sz="half" idx="1"/>
             <p:extLst>
               <p:ext uri="{D42A27DB-BD31-4B8C-83A1-F6EECF244321}">
-                <p14:modId xmlns:p14="http://schemas.microsoft.com/office/powerpoint/2010/main" val="1683623641"/>
+                <p14:modId xmlns:p14="http://schemas.microsoft.com/office/powerpoint/2010/main" val="1900981940"/>
               </p:ext>
             </p:extLst>
           </p:nvPr>
         </p:nvGraphicFramePr>
         <p:xfrm>
-          <a:off x="160544" y="2449058"/>
-          <a:ext cx="6543918" cy="979942"/>
+          <a:off x="1645420" y="2727183"/>
+          <a:ext cx="8901160" cy="1912630"/>
         </p:xfrm>
         <a:graphic>
           <a:graphicData uri="http://schemas.openxmlformats.org/drawingml/2006/table">
             <a:tbl>
               <a:tblPr firstRow="1" firstCol="1" bandRow="1">
-                <a:tableStyleId>{5C22544A-7EE6-4342-B048-85BDC9FD1C3A}</a:tableStyleId>
+                <a:tableStyleId>{69012ECD-51FC-41F1-AA8D-1B2483CD663E}</a:tableStyleId>
               </a:tblPr>
               <a:tblGrid>
-                <a:gridCol w="982767">
+                <a:gridCol w="1336778">
                   <a:extLst>
                     <a:ext uri="{9D8B030D-6E8A-4147-A177-3AD203B41FA5}">
                       <a16:colId xmlns:a16="http://schemas.microsoft.com/office/drawing/2014/main" val="2054325128"/>
                     </a:ext>
                   </a:extLst>
                 </a:gridCol>
-                <a:gridCol w="676925">
+                <a:gridCol w="920766">
                   <a:extLst>
                     <a:ext uri="{9D8B030D-6E8A-4147-A177-3AD203B41FA5}">
                       <a16:colId xmlns:a16="http://schemas.microsoft.com/office/drawing/2014/main" val="194821337"/>
                     </a:ext>
                   </a:extLst>
                 </a:gridCol>
-                <a:gridCol w="676925">
+                <a:gridCol w="920766">
                   <a:extLst>
                     <a:ext uri="{9D8B030D-6E8A-4147-A177-3AD203B41FA5}">
                       <a16:colId xmlns:a16="http://schemas.microsoft.com/office/drawing/2014/main" val="3328839097"/>
                     </a:ext>
                   </a:extLst>
                 </a:gridCol>
-                <a:gridCol w="676925">
+                <a:gridCol w="920766">
                   <a:extLst>
                     <a:ext uri="{9D8B030D-6E8A-4147-A177-3AD203B41FA5}">
                       <a16:colId xmlns:a16="http://schemas.microsoft.com/office/drawing/2014/main" val="3503377175"/>
                     </a:ext>
                   </a:extLst>
                 </a:gridCol>
-                <a:gridCol w="676925">
+                <a:gridCol w="920766">
                   <a:extLst>
                     <a:ext uri="{9D8B030D-6E8A-4147-A177-3AD203B41FA5}">
                       <a16:colId xmlns:a16="http://schemas.microsoft.com/office/drawing/2014/main" val="2075036390"/>
                     </a:ext>
                   </a:extLst>
                 </a:gridCol>
-                <a:gridCol w="964486">
+                <a:gridCol w="1311912">
                   <a:extLst>
                     <a:ext uri="{9D8B030D-6E8A-4147-A177-3AD203B41FA5}">
                       <a16:colId xmlns:a16="http://schemas.microsoft.com/office/drawing/2014/main" val="1643030013"/>
                     </a:ext>
                   </a:extLst>
                 </a:gridCol>
-                <a:gridCol w="1888965">
+                <a:gridCol w="2569406">
                   <a:extLst>
                     <a:ext uri="{9D8B030D-6E8A-4147-A177-3AD203B41FA5}">
                       <a16:colId xmlns:a16="http://schemas.microsoft.com/office/drawing/2014/main" val="743114002"/>
@@ -7178,7 +7182,7 @@
                   </a:extLst>
                 </a:gridCol>
               </a:tblGrid>
-              <a:tr h="307125">
+              <a:tr h="599440">
                 <a:tc>
                   <a:txBody>
                     <a:bodyPr/>
@@ -7194,12 +7198,12 @@
                         <a:buNone/>
                       </a:pPr>
                       <a:r>
-                        <a:rPr lang="en-GB" sz="900" kern="100">
+                        <a:rPr lang="en-GB" sz="1100" kern="100" dirty="0">
                           <a:effectLst/>
                         </a:rPr>
                         <a:t>Timestamp</a:t>
                       </a:r>
-                      <a:endParaRPr lang="en-GB" sz="900" kern="100">
+                      <a:endParaRPr lang="en-GB" sz="1100" kern="100" dirty="0">
                         <a:effectLst/>
                         <a:latin typeface="Aptos" panose="020B0004020202020204" pitchFamily="34" charset="0"/>
                         <a:ea typeface="Aptos" panose="020B0004020202020204" pitchFamily="34" charset="0"/>
@@ -7224,12 +7228,12 @@
                         <a:buNone/>
                       </a:pPr>
                       <a:r>
-                        <a:rPr lang="en-GB" sz="900" kern="100" dirty="0">
+                        <a:rPr lang="en-GB" sz="1100" kern="100" dirty="0">
                           <a:effectLst/>
                         </a:rPr>
                         <a:t>Open</a:t>
                       </a:r>
-                      <a:endParaRPr lang="en-GB" sz="900" kern="100" dirty="0">
+                      <a:endParaRPr lang="en-GB" sz="1100" kern="100" dirty="0">
                         <a:effectLst/>
                         <a:latin typeface="Aptos" panose="020B0004020202020204" pitchFamily="34" charset="0"/>
                         <a:ea typeface="Aptos" panose="020B0004020202020204" pitchFamily="34" charset="0"/>
@@ -7254,12 +7258,12 @@
                         <a:buNone/>
                       </a:pPr>
                       <a:r>
-                        <a:rPr lang="en-GB" sz="900" kern="100">
+                        <a:rPr lang="en-GB" sz="1100" kern="100">
                           <a:effectLst/>
                         </a:rPr>
                         <a:t>High</a:t>
                       </a:r>
-                      <a:endParaRPr lang="en-GB" sz="900" kern="100">
+                      <a:endParaRPr lang="en-GB" sz="1100" kern="100">
                         <a:effectLst/>
                         <a:latin typeface="Aptos" panose="020B0004020202020204" pitchFamily="34" charset="0"/>
                         <a:ea typeface="Aptos" panose="020B0004020202020204" pitchFamily="34" charset="0"/>
@@ -7284,12 +7288,12 @@
                         <a:buNone/>
                       </a:pPr>
                       <a:r>
-                        <a:rPr lang="en-GB" sz="900" kern="100">
+                        <a:rPr lang="en-GB" sz="1100" kern="100">
                           <a:effectLst/>
                         </a:rPr>
                         <a:t>Low</a:t>
                       </a:r>
-                      <a:endParaRPr lang="en-GB" sz="900" kern="100">
+                      <a:endParaRPr lang="en-GB" sz="1100" kern="100">
                         <a:effectLst/>
                         <a:latin typeface="Aptos" panose="020B0004020202020204" pitchFamily="34" charset="0"/>
                         <a:ea typeface="Aptos" panose="020B0004020202020204" pitchFamily="34" charset="0"/>
@@ -7314,12 +7318,12 @@
                         <a:buNone/>
                       </a:pPr>
                       <a:r>
-                        <a:rPr lang="en-GB" sz="900" kern="100">
+                        <a:rPr lang="en-GB" sz="1100" kern="100" dirty="0">
                           <a:effectLst/>
                         </a:rPr>
                         <a:t>Close</a:t>
                       </a:r>
-                      <a:endParaRPr lang="en-GB" sz="900" kern="100">
+                      <a:endParaRPr lang="en-GB" sz="1100" kern="100" dirty="0">
                         <a:effectLst/>
                         <a:latin typeface="Aptos" panose="020B0004020202020204" pitchFamily="34" charset="0"/>
                         <a:ea typeface="Aptos" panose="020B0004020202020204" pitchFamily="34" charset="0"/>
@@ -7344,12 +7348,12 @@
                         <a:buNone/>
                       </a:pPr>
                       <a:r>
-                        <a:rPr lang="en-GB" sz="900" kern="100">
+                        <a:rPr lang="en-GB" sz="1100" kern="100">
                           <a:effectLst/>
                         </a:rPr>
                         <a:t>Volume</a:t>
                       </a:r>
-                      <a:endParaRPr lang="en-GB" sz="900" kern="100">
+                      <a:endParaRPr lang="en-GB" sz="1100" kern="100">
                         <a:effectLst/>
                         <a:latin typeface="Aptos" panose="020B0004020202020204" pitchFamily="34" charset="0"/>
                         <a:ea typeface="Aptos" panose="020B0004020202020204" pitchFamily="34" charset="0"/>
@@ -7374,12 +7378,12 @@
                         <a:buNone/>
                       </a:pPr>
                       <a:r>
-                        <a:rPr lang="en-GB" sz="900" kern="100">
+                        <a:rPr lang="en-GB" sz="1100" kern="100">
                           <a:effectLst/>
                         </a:rPr>
                         <a:t>Datetime</a:t>
                       </a:r>
-                      <a:endParaRPr lang="en-GB" sz="900" kern="100">
+                      <a:endParaRPr lang="en-GB" sz="1100" kern="100">
                         <a:effectLst/>
                         <a:latin typeface="Aptos" panose="020B0004020202020204" pitchFamily="34" charset="0"/>
                         <a:ea typeface="Aptos" panose="020B0004020202020204" pitchFamily="34" charset="0"/>
@@ -7395,7 +7399,7 @@
                   </a:ext>
                 </a:extLst>
               </a:tr>
-              <a:tr h="251286">
+              <a:tr h="490455">
                 <a:tc>
                   <a:txBody>
                     <a:bodyPr/>
@@ -7411,12 +7415,12 @@
                         <a:buNone/>
                       </a:pPr>
                       <a:r>
-                        <a:rPr lang="en-GB" sz="900" kern="100">
+                        <a:rPr lang="en-GB" sz="1100" b="0" kern="100" dirty="0">
                           <a:effectLst/>
                         </a:rPr>
                         <a:t>1360887300.0</a:t>
                       </a:r>
-                      <a:endParaRPr lang="en-GB" sz="900" kern="100">
+                      <a:endParaRPr lang="en-GB" sz="1100" b="0" kern="100" dirty="0">
                         <a:effectLst/>
                         <a:latin typeface="Aptos" panose="020B0004020202020204" pitchFamily="34" charset="0"/>
                         <a:ea typeface="Aptos" panose="020B0004020202020204" pitchFamily="34" charset="0"/>
@@ -7441,12 +7445,12 @@
                         <a:buNone/>
                       </a:pPr>
                       <a:r>
-                        <a:rPr lang="en-GB" sz="900" kern="100">
+                        <a:rPr lang="en-GB" sz="1100" kern="100">
                           <a:effectLst/>
                         </a:rPr>
                         <a:t>26.63</a:t>
                       </a:r>
-                      <a:endParaRPr lang="en-GB" sz="900" kern="100">
+                      <a:endParaRPr lang="en-GB" sz="1100" kern="100">
                         <a:effectLst/>
                         <a:latin typeface="Aptos" panose="020B0004020202020204" pitchFamily="34" charset="0"/>
                         <a:ea typeface="Aptos" panose="020B0004020202020204" pitchFamily="34" charset="0"/>
@@ -7471,12 +7475,12 @@
                         <a:buNone/>
                       </a:pPr>
                       <a:r>
-                        <a:rPr lang="en-GB" sz="900" kern="100">
+                        <a:rPr lang="en-GB" sz="1100" kern="100">
                           <a:effectLst/>
                         </a:rPr>
                         <a:t>26.63</a:t>
                       </a:r>
-                      <a:endParaRPr lang="en-GB" sz="900" kern="100">
+                      <a:endParaRPr lang="en-GB" sz="1100" kern="100">
                         <a:effectLst/>
                         <a:latin typeface="Aptos" panose="020B0004020202020204" pitchFamily="34" charset="0"/>
                         <a:ea typeface="Aptos" panose="020B0004020202020204" pitchFamily="34" charset="0"/>
@@ -7501,12 +7505,12 @@
                         <a:buNone/>
                       </a:pPr>
                       <a:r>
-                        <a:rPr lang="en-GB" sz="900" kern="100">
+                        <a:rPr lang="en-GB" sz="1100" kern="100">
                           <a:effectLst/>
                         </a:rPr>
                         <a:t>26.63</a:t>
                       </a:r>
-                      <a:endParaRPr lang="en-GB" sz="900" kern="100">
+                      <a:endParaRPr lang="en-GB" sz="1100" kern="100">
                         <a:effectLst/>
                         <a:latin typeface="Aptos" panose="020B0004020202020204" pitchFamily="34" charset="0"/>
                         <a:ea typeface="Aptos" panose="020B0004020202020204" pitchFamily="34" charset="0"/>
@@ -7531,12 +7535,12 @@
                         <a:buNone/>
                       </a:pPr>
                       <a:r>
-                        <a:rPr lang="en-GB" sz="900" kern="100">
+                        <a:rPr lang="en-GB" sz="1100" kern="100">
                           <a:effectLst/>
                         </a:rPr>
                         <a:t>26.63</a:t>
                       </a:r>
-                      <a:endParaRPr lang="en-GB" sz="900" kern="100">
+                      <a:endParaRPr lang="en-GB" sz="1100" kern="100">
                         <a:effectLst/>
                         <a:latin typeface="Aptos" panose="020B0004020202020204" pitchFamily="34" charset="0"/>
                         <a:ea typeface="Aptos" panose="020B0004020202020204" pitchFamily="34" charset="0"/>
@@ -7561,12 +7565,12 @@
                         <a:buNone/>
                       </a:pPr>
                       <a:r>
-                        <a:rPr lang="en-GB" sz="900" kern="100" dirty="0">
+                        <a:rPr lang="en-GB" sz="1100" kern="100" dirty="0">
                           <a:effectLst/>
                         </a:rPr>
                         <a:t>17.98955015</a:t>
                       </a:r>
-                      <a:endParaRPr lang="en-GB" sz="900" kern="100" dirty="0">
+                      <a:endParaRPr lang="en-GB" sz="1100" kern="100" dirty="0">
                         <a:effectLst/>
                         <a:latin typeface="Aptos" panose="020B0004020202020204" pitchFamily="34" charset="0"/>
                         <a:ea typeface="Aptos" panose="020B0004020202020204" pitchFamily="34" charset="0"/>
@@ -7591,12 +7595,12 @@
                         <a:buNone/>
                       </a:pPr>
                       <a:r>
-                        <a:rPr lang="en-GB" sz="900" kern="100">
+                        <a:rPr lang="en-GB" sz="1100" kern="100">
                           <a:effectLst/>
                         </a:rPr>
                         <a:t>2013-02-15 00:15:00+00:00</a:t>
                       </a:r>
-                      <a:endParaRPr lang="en-GB" sz="900" kern="100">
+                      <a:endParaRPr lang="en-GB" sz="1100" kern="100">
                         <a:effectLst/>
                         <a:latin typeface="Aptos" panose="020B0004020202020204" pitchFamily="34" charset="0"/>
                         <a:ea typeface="Aptos" panose="020B0004020202020204" pitchFamily="34" charset="0"/>
@@ -7612,7 +7616,7 @@
                   </a:ext>
                 </a:extLst>
               </a:tr>
-              <a:tr h="230345">
+              <a:tr h="449582">
                 <a:tc>
                   <a:txBody>
                     <a:bodyPr/>
@@ -7628,12 +7632,12 @@
                         <a:buNone/>
                       </a:pPr>
                       <a:r>
-                        <a:rPr lang="en-GB" sz="900" kern="100">
+                        <a:rPr lang="en-GB" sz="1100" b="0" kern="100" dirty="0">
                           <a:effectLst/>
                         </a:rPr>
                         <a:t>1360887360.0</a:t>
                       </a:r>
-                      <a:endParaRPr lang="en-GB" sz="900" kern="100">
+                      <a:endParaRPr lang="en-GB" sz="1100" b="0" kern="100" dirty="0">
                         <a:effectLst/>
                         <a:latin typeface="Aptos" panose="020B0004020202020204" pitchFamily="34" charset="0"/>
                         <a:ea typeface="Aptos" panose="020B0004020202020204" pitchFamily="34" charset="0"/>
@@ -7658,12 +7662,12 @@
                         <a:buNone/>
                       </a:pPr>
                       <a:r>
-                        <a:rPr lang="en-GB" sz="900" kern="100" dirty="0">
+                        <a:rPr lang="en-GB" sz="1100" kern="100" dirty="0">
                           <a:effectLst/>
                         </a:rPr>
                         <a:t>26.63</a:t>
                       </a:r>
-                      <a:endParaRPr lang="en-GB" sz="900" kern="100" dirty="0">
+                      <a:endParaRPr lang="en-GB" sz="1100" kern="100" dirty="0">
                         <a:effectLst/>
                         <a:latin typeface="Aptos" panose="020B0004020202020204" pitchFamily="34" charset="0"/>
                         <a:ea typeface="Aptos" panose="020B0004020202020204" pitchFamily="34" charset="0"/>
@@ -7688,12 +7692,12 @@
                         <a:buNone/>
                       </a:pPr>
                       <a:r>
-                        <a:rPr lang="en-GB" sz="900" kern="100">
+                        <a:rPr lang="en-GB" sz="1100" kern="100">
                           <a:effectLst/>
                         </a:rPr>
                         <a:t>26.63</a:t>
                       </a:r>
-                      <a:endParaRPr lang="en-GB" sz="900" kern="100">
+                      <a:endParaRPr lang="en-GB" sz="1100" kern="100">
                         <a:effectLst/>
                         <a:latin typeface="Aptos" panose="020B0004020202020204" pitchFamily="34" charset="0"/>
                         <a:ea typeface="Aptos" panose="020B0004020202020204" pitchFamily="34" charset="0"/>
@@ -7718,12 +7722,12 @@
                         <a:buNone/>
                       </a:pPr>
                       <a:r>
-                        <a:rPr lang="en-GB" sz="900" kern="100">
+                        <a:rPr lang="en-GB" sz="1100" kern="100">
                           <a:effectLst/>
                         </a:rPr>
                         <a:t>26.63</a:t>
                       </a:r>
-                      <a:endParaRPr lang="en-GB" sz="900" kern="100">
+                      <a:endParaRPr lang="en-GB" sz="1100" kern="100">
                         <a:effectLst/>
                         <a:latin typeface="Aptos" panose="020B0004020202020204" pitchFamily="34" charset="0"/>
                         <a:ea typeface="Aptos" panose="020B0004020202020204" pitchFamily="34" charset="0"/>
@@ -7748,12 +7752,12 @@
                         <a:buNone/>
                       </a:pPr>
                       <a:r>
-                        <a:rPr lang="en-GB" sz="900" kern="100">
+                        <a:rPr lang="en-GB" sz="1100" kern="100">
                           <a:effectLst/>
                         </a:rPr>
                         <a:t>26.63</a:t>
                       </a:r>
-                      <a:endParaRPr lang="en-GB" sz="900" kern="100">
+                      <a:endParaRPr lang="en-GB" sz="1100" kern="100">
                         <a:effectLst/>
                         <a:latin typeface="Aptos" panose="020B0004020202020204" pitchFamily="34" charset="0"/>
                         <a:ea typeface="Aptos" panose="020B0004020202020204" pitchFamily="34" charset="0"/>
@@ -7778,12 +7782,12 @@
                         <a:buNone/>
                       </a:pPr>
                       <a:r>
-                        <a:rPr lang="en-GB" sz="900" kern="100">
+                        <a:rPr lang="en-GB" sz="1100" kern="100" dirty="0">
                           <a:effectLst/>
                         </a:rPr>
                         <a:t>0.0</a:t>
                       </a:r>
-                      <a:endParaRPr lang="en-GB" sz="900" kern="100">
+                      <a:endParaRPr lang="en-GB" sz="1100" kern="100" dirty="0">
                         <a:effectLst/>
                         <a:latin typeface="Aptos" panose="020B0004020202020204" pitchFamily="34" charset="0"/>
                         <a:ea typeface="Aptos" panose="020B0004020202020204" pitchFamily="34" charset="0"/>
@@ -7808,12 +7812,12 @@
                         <a:buNone/>
                       </a:pPr>
                       <a:r>
-                        <a:rPr lang="en-GB" sz="900" kern="100">
+                        <a:rPr lang="en-GB" sz="1100" kern="100">
                           <a:effectLst/>
                         </a:rPr>
                         <a:t>2013-02-15 00:16:00+00:00</a:t>
                       </a:r>
-                      <a:endParaRPr lang="en-GB" sz="900" kern="100">
+                      <a:endParaRPr lang="en-GB" sz="1100" kern="100">
                         <a:effectLst/>
                         <a:latin typeface="Aptos" panose="020B0004020202020204" pitchFamily="34" charset="0"/>
                         <a:ea typeface="Aptos" panose="020B0004020202020204" pitchFamily="34" charset="0"/>
@@ -7829,7 +7833,7 @@
                   </a:ext>
                 </a:extLst>
               </a:tr>
-              <a:tr h="191186">
+              <a:tr h="373153">
                 <a:tc>
                   <a:txBody>
                     <a:bodyPr/>
@@ -7845,12 +7849,12 @@
                         <a:buNone/>
                       </a:pPr>
                       <a:r>
-                        <a:rPr lang="en-GB" sz="900" kern="100">
+                        <a:rPr lang="en-GB" sz="1100" b="0" kern="100" dirty="0">
                           <a:effectLst/>
                         </a:rPr>
                         <a:t>1360887420.0</a:t>
                       </a:r>
-                      <a:endParaRPr lang="en-GB" sz="900" kern="100">
+                      <a:endParaRPr lang="en-GB" sz="1100" b="0" kern="100" dirty="0">
                         <a:effectLst/>
                         <a:latin typeface="Aptos" panose="020B0004020202020204" pitchFamily="34" charset="0"/>
                         <a:ea typeface="Aptos" panose="020B0004020202020204" pitchFamily="34" charset="0"/>
@@ -7875,12 +7879,12 @@
                         <a:buNone/>
                       </a:pPr>
                       <a:r>
-                        <a:rPr lang="en-GB" sz="900" kern="100">
+                        <a:rPr lang="en-GB" sz="1100" kern="100">
                           <a:effectLst/>
                         </a:rPr>
                         <a:t>26.60</a:t>
                       </a:r>
-                      <a:endParaRPr lang="en-GB" sz="900" kern="100">
+                      <a:endParaRPr lang="en-GB" sz="1100" kern="100">
                         <a:effectLst/>
                         <a:latin typeface="Aptos" panose="020B0004020202020204" pitchFamily="34" charset="0"/>
                         <a:ea typeface="Aptos" panose="020B0004020202020204" pitchFamily="34" charset="0"/>
@@ -7905,12 +7909,12 @@
                         <a:buNone/>
                       </a:pPr>
                       <a:r>
-                        <a:rPr lang="en-GB" sz="900" kern="100">
+                        <a:rPr lang="en-GB" sz="1100" kern="100">
                           <a:effectLst/>
                         </a:rPr>
                         <a:t>26.60</a:t>
                       </a:r>
-                      <a:endParaRPr lang="en-GB" sz="900" kern="100">
+                      <a:endParaRPr lang="en-GB" sz="1100" kern="100">
                         <a:effectLst/>
                         <a:latin typeface="Aptos" panose="020B0004020202020204" pitchFamily="34" charset="0"/>
                         <a:ea typeface="Aptos" panose="020B0004020202020204" pitchFamily="34" charset="0"/>
@@ -7935,12 +7939,12 @@
                         <a:buNone/>
                       </a:pPr>
                       <a:r>
-                        <a:rPr lang="en-GB" sz="900" kern="100">
+                        <a:rPr lang="en-GB" sz="1100" kern="100">
                           <a:effectLst/>
                         </a:rPr>
                         <a:t>26.60</a:t>
                       </a:r>
-                      <a:endParaRPr lang="en-GB" sz="900" kern="100">
+                      <a:endParaRPr lang="en-GB" sz="1100" kern="100">
                         <a:effectLst/>
                         <a:latin typeface="Aptos" panose="020B0004020202020204" pitchFamily="34" charset="0"/>
                         <a:ea typeface="Aptos" panose="020B0004020202020204" pitchFamily="34" charset="0"/>
@@ -7965,12 +7969,12 @@
                         <a:buNone/>
                       </a:pPr>
                       <a:r>
-                        <a:rPr lang="en-GB" sz="900" kern="100">
+                        <a:rPr lang="en-GB" sz="1100" kern="100">
                           <a:effectLst/>
                         </a:rPr>
                         <a:t>26.60</a:t>
                       </a:r>
-                      <a:endParaRPr lang="en-GB" sz="900" kern="100">
+                      <a:endParaRPr lang="en-GB" sz="1100" kern="100">
                         <a:effectLst/>
                         <a:latin typeface="Aptos" panose="020B0004020202020204" pitchFamily="34" charset="0"/>
                         <a:ea typeface="Aptos" panose="020B0004020202020204" pitchFamily="34" charset="0"/>
@@ -7995,12 +7999,12 @@
                         <a:buNone/>
                       </a:pPr>
                       <a:r>
-                        <a:rPr lang="en-GB" sz="900" kern="100">
+                        <a:rPr lang="en-GB" sz="1100" kern="100">
                           <a:effectLst/>
                         </a:rPr>
                         <a:t>20.0</a:t>
                       </a:r>
-                      <a:endParaRPr lang="en-GB" sz="900" kern="100">
+                      <a:endParaRPr lang="en-GB" sz="1100" kern="100">
                         <a:effectLst/>
                         <a:latin typeface="Aptos" panose="020B0004020202020204" pitchFamily="34" charset="0"/>
                         <a:ea typeface="Aptos" panose="020B0004020202020204" pitchFamily="34" charset="0"/>
@@ -8025,12 +8029,12 @@
                         <a:buNone/>
                       </a:pPr>
                       <a:r>
-                        <a:rPr lang="en-GB" sz="900" kern="100" dirty="0">
+                        <a:rPr lang="en-GB" sz="1100" kern="100" dirty="0">
                           <a:effectLst/>
                         </a:rPr>
                         <a:t>2013-02-15 00:17:00+00:00</a:t>
                       </a:r>
-                      <a:endParaRPr lang="en-GB" sz="900" kern="100" dirty="0">
+                      <a:endParaRPr lang="en-GB" sz="1100" kern="100" dirty="0">
                         <a:effectLst/>
                         <a:latin typeface="Aptos" panose="020B0004020202020204" pitchFamily="34" charset="0"/>
                         <a:ea typeface="Aptos" panose="020B0004020202020204" pitchFamily="34" charset="0"/>
@@ -8050,35 +8054,6 @@
           </a:graphicData>
         </a:graphic>
       </p:graphicFrame>
-      <p:sp>
-        <p:nvSpPr>
-          <p:cNvPr id="5" name="Content Placeholder 4">
-            <a:extLst>
-              <a:ext uri="{FF2B5EF4-FFF2-40B4-BE49-F238E27FC236}">
-                <a16:creationId xmlns:a16="http://schemas.microsoft.com/office/drawing/2014/main" id="{AE20B5E5-B76C-8CDE-C496-8778DA5D5F8B}"/>
-              </a:ext>
-            </a:extLst>
-          </p:cNvPr>
-          <p:cNvSpPr>
-            <a:spLocks noGrp="1"/>
-          </p:cNvSpPr>
-          <p:nvPr>
-            <p:ph sz="half" idx="2"/>
-          </p:nvPr>
-        </p:nvSpPr>
-        <p:spPr/>
-        <p:txBody>
-          <a:bodyPr/>
-          <a:lstStyle/>
-          <a:p>
-            <a:r>
-              <a:rPr lang="en-US" dirty="0"/>
-              <a:t>Baseline Model </a:t>
-            </a:r>
-            <a:endParaRPr lang="en-GB" dirty="0"/>
-          </a:p>
-        </p:txBody>
-      </p:sp>
     </p:spTree>
     <p:extLst>
       <p:ext uri="{BB962C8B-B14F-4D97-AF65-F5344CB8AC3E}">
@@ -8125,11 +8100,17 @@
             <p:ph type="title"/>
           </p:nvPr>
         </p:nvSpPr>
-        <p:spPr/>
+        <p:spPr>
+          <a:xfrm>
+            <a:off x="975360" y="475488"/>
+            <a:ext cx="10241280" cy="932688"/>
+          </a:xfrm>
+        </p:spPr>
         <p:txBody>
           <a:bodyPr/>
           <a:lstStyle/>
           <a:p>
+            <a:pPr algn="ctr"/>
             <a:r>
               <a:rPr lang="en-US" dirty="0"/>
               <a:t>What we did to the data</a:t>
@@ -8154,7 +8135,7 @@
             <p:ph idx="1"/>
             <p:extLst>
               <p:ext uri="{D42A27DB-BD31-4B8C-83A1-F6EECF244321}">
-                <p14:modId xmlns:p14="http://schemas.microsoft.com/office/powerpoint/2010/main" val="261231050"/>
+                <p14:modId xmlns:p14="http://schemas.microsoft.com/office/powerpoint/2010/main" val="3816758367"/>
               </p:ext>
             </p:extLst>
           </p:nvPr>
@@ -10904,7 +10885,12 @@
             <p:ph type="title"/>
           </p:nvPr>
         </p:nvSpPr>
-        <p:spPr/>
+        <p:spPr>
+          <a:xfrm>
+            <a:off x="1371600" y="367511"/>
+            <a:ext cx="10241280" cy="1234440"/>
+          </a:xfrm>
+        </p:spPr>
         <p:txBody>
           <a:bodyPr/>
           <a:lstStyle/>
@@ -10917,31 +10903,85 @@
           </a:p>
         </p:txBody>
       </p:sp>
-      <p:sp>
-        <p:nvSpPr>
-          <p:cNvPr id="3" name="Content Placeholder 2">
+      <p:pic>
+        <p:nvPicPr>
+          <p:cNvPr id="4" name="Content Placeholder 3">
             <a:extLst>
               <a:ext uri="{FF2B5EF4-FFF2-40B4-BE49-F238E27FC236}">
-                <a16:creationId xmlns:a16="http://schemas.microsoft.com/office/drawing/2014/main" id="{F2357C0E-0C44-779F-E53B-3B47F9DEE93F}"/>
+                <a16:creationId xmlns:a16="http://schemas.microsoft.com/office/drawing/2014/main" id="{B02E2DC2-4427-8136-2BEE-A2C29BA743B2}"/>
               </a:ext>
             </a:extLst>
           </p:cNvPr>
-          <p:cNvSpPr>
-            <a:spLocks noGrp="1"/>
-          </p:cNvSpPr>
+          <p:cNvPicPr>
+            <a:picLocks noGrp="1" noChangeAspect="1"/>
+          </p:cNvPicPr>
           <p:nvPr>
             <p:ph idx="1"/>
           </p:nvPr>
-        </p:nvSpPr>
-        <p:spPr/>
-        <p:txBody>
-          <a:bodyPr/>
-          <a:lstStyle/>
-          <a:p>
-            <a:endParaRPr lang="en-GB"/>
-          </a:p>
-        </p:txBody>
-      </p:sp>
+        </p:nvPicPr>
+        <p:blipFill>
+          <a:blip r:embed="rId2"/>
+          <a:stretch>
+            <a:fillRect/>
+          </a:stretch>
+        </p:blipFill>
+        <p:spPr>
+          <a:xfrm>
+            <a:off x="6032260" y="2354094"/>
+            <a:ext cx="5580620" cy="2937754"/>
+          </a:xfrm>
+          <a:prstGeom prst="rect">
+            <a:avLst/>
+          </a:prstGeom>
+        </p:spPr>
+      </p:pic>
+      <p:pic>
+        <p:nvPicPr>
+          <p:cNvPr id="1027" name="Picture 3">
+            <a:extLst>
+              <a:ext uri="{FF2B5EF4-FFF2-40B4-BE49-F238E27FC236}">
+                <a16:creationId xmlns:a16="http://schemas.microsoft.com/office/drawing/2014/main" id="{A7CC4E16-D22D-6EA0-8CE9-E0328B45F84C}"/>
+              </a:ext>
+            </a:extLst>
+          </p:cNvPr>
+          <p:cNvPicPr>
+            <a:picLocks noChangeAspect="1" noChangeArrowheads="1"/>
+          </p:cNvPicPr>
+          <p:nvPr/>
+        </p:nvPicPr>
+        <p:blipFill>
+          <a:blip r:embed="rId3">
+            <a:extLst>
+              <a:ext uri="{28A0092B-C50C-407E-A947-70E740481C1C}">
+                <a14:useLocalDpi xmlns:a14="http://schemas.microsoft.com/office/drawing/2010/main" val="0"/>
+              </a:ext>
+            </a:extLst>
+          </a:blip>
+          <a:srcRect/>
+          <a:stretch>
+            <a:fillRect/>
+          </a:stretch>
+        </p:blipFill>
+        <p:spPr bwMode="auto">
+          <a:xfrm>
+            <a:off x="154592" y="2354094"/>
+            <a:ext cx="5877668" cy="3306188"/>
+          </a:xfrm>
+          <a:prstGeom prst="rect">
+            <a:avLst/>
+          </a:prstGeom>
+          <a:noFill/>
+          <a:extLst>
+            <a:ext uri="{909E8E84-426E-40DD-AFC4-6F175D3DCCD1}">
+              <a14:hiddenFill xmlns:a14="http://schemas.microsoft.com/office/drawing/2010/main">
+                <a:solidFill>
+                  <a:srgbClr val="FFFFFF"/>
+                </a:solidFill>
+              </a14:hiddenFill>
+            </a:ext>
+          </a:extLst>
+        </p:spPr>
+      </p:pic>
     </p:spTree>
     <p:extLst>
       <p:ext uri="{BB962C8B-B14F-4D97-AF65-F5344CB8AC3E}">
